--- a/Flowchart.pptx
+++ b/Flowchart.pptx
@@ -8,7 +8,7 @@
     <p:sldId id="256" r:id="rId2"/>
   </p:sldIdLst>
   <p:sldSz cx="6858000" cy="9906000" type="A4"/>
-  <p:notesSz cx="6858000" cy="9144000"/>
+  <p:notesSz cx="6797675" cy="9874250"/>
   <p:defaultTextStyle>
     <a:defPPr>
       <a:defRPr lang="de-DE"/>
@@ -104,6 +104,11 @@
       </a:defRPr>
     </a:lvl9pPr>
   </p:defaultTextStyle>
+  <p:extLst>
+    <p:ext uri="{EFAFB233-063F-42B5-8137-9DF3F51BA10A}">
+      <p15:sldGuideLst xmlns:p15="http://schemas.microsoft.com/office/powerpoint/2012/main"/>
+    </p:ext>
+  </p:extLst>
 </p:presentation>
 </file>
 
@@ -238,7 +243,7 @@
           <a:p>
             <a:fld id="{47194A9C-1375-4CE9-B20F-B0D332DBA49C}" type="datetimeFigureOut">
               <a:rPr lang="de-DE" smtClean="0"/>
-              <a:t>22.01.2020</a:t>
+              <a:t>23.01.2020</a:t>
             </a:fld>
             <a:endParaRPr lang="de-DE"/>
           </a:p>
@@ -408,7 +413,7 @@
           <a:p>
             <a:fld id="{47194A9C-1375-4CE9-B20F-B0D332DBA49C}" type="datetimeFigureOut">
               <a:rPr lang="de-DE" smtClean="0"/>
-              <a:t>22.01.2020</a:t>
+              <a:t>23.01.2020</a:t>
             </a:fld>
             <a:endParaRPr lang="de-DE"/>
           </a:p>
@@ -588,7 +593,7 @@
           <a:p>
             <a:fld id="{47194A9C-1375-4CE9-B20F-B0D332DBA49C}" type="datetimeFigureOut">
               <a:rPr lang="de-DE" smtClean="0"/>
-              <a:t>22.01.2020</a:t>
+              <a:t>23.01.2020</a:t>
             </a:fld>
             <a:endParaRPr lang="de-DE"/>
           </a:p>
@@ -758,7 +763,7 @@
           <a:p>
             <a:fld id="{47194A9C-1375-4CE9-B20F-B0D332DBA49C}" type="datetimeFigureOut">
               <a:rPr lang="de-DE" smtClean="0"/>
-              <a:t>22.01.2020</a:t>
+              <a:t>23.01.2020</a:t>
             </a:fld>
             <a:endParaRPr lang="de-DE"/>
           </a:p>
@@ -1002,7 +1007,7 @@
           <a:p>
             <a:fld id="{47194A9C-1375-4CE9-B20F-B0D332DBA49C}" type="datetimeFigureOut">
               <a:rPr lang="de-DE" smtClean="0"/>
-              <a:t>22.01.2020</a:t>
+              <a:t>23.01.2020</a:t>
             </a:fld>
             <a:endParaRPr lang="de-DE"/>
           </a:p>
@@ -1234,7 +1239,7 @@
           <a:p>
             <a:fld id="{47194A9C-1375-4CE9-B20F-B0D332DBA49C}" type="datetimeFigureOut">
               <a:rPr lang="de-DE" smtClean="0"/>
-              <a:t>22.01.2020</a:t>
+              <a:t>23.01.2020</a:t>
             </a:fld>
             <a:endParaRPr lang="de-DE"/>
           </a:p>
@@ -1601,7 +1606,7 @@
           <a:p>
             <a:fld id="{47194A9C-1375-4CE9-B20F-B0D332DBA49C}" type="datetimeFigureOut">
               <a:rPr lang="de-DE" smtClean="0"/>
-              <a:t>22.01.2020</a:t>
+              <a:t>23.01.2020</a:t>
             </a:fld>
             <a:endParaRPr lang="de-DE"/>
           </a:p>
@@ -1719,7 +1724,7 @@
           <a:p>
             <a:fld id="{47194A9C-1375-4CE9-B20F-B0D332DBA49C}" type="datetimeFigureOut">
               <a:rPr lang="de-DE" smtClean="0"/>
-              <a:t>22.01.2020</a:t>
+              <a:t>23.01.2020</a:t>
             </a:fld>
             <a:endParaRPr lang="de-DE"/>
           </a:p>
@@ -1814,7 +1819,7 @@
           <a:p>
             <a:fld id="{47194A9C-1375-4CE9-B20F-B0D332DBA49C}" type="datetimeFigureOut">
               <a:rPr lang="de-DE" smtClean="0"/>
-              <a:t>22.01.2020</a:t>
+              <a:t>23.01.2020</a:t>
             </a:fld>
             <a:endParaRPr lang="de-DE"/>
           </a:p>
@@ -2091,7 +2096,7 @@
           <a:p>
             <a:fld id="{47194A9C-1375-4CE9-B20F-B0D332DBA49C}" type="datetimeFigureOut">
               <a:rPr lang="de-DE" smtClean="0"/>
-              <a:t>22.01.2020</a:t>
+              <a:t>23.01.2020</a:t>
             </a:fld>
             <a:endParaRPr lang="de-DE"/>
           </a:p>
@@ -2348,7 +2353,7 @@
           <a:p>
             <a:fld id="{47194A9C-1375-4CE9-B20F-B0D332DBA49C}" type="datetimeFigureOut">
               <a:rPr lang="de-DE" smtClean="0"/>
-              <a:t>22.01.2020</a:t>
+              <a:t>23.01.2020</a:t>
             </a:fld>
             <a:endParaRPr lang="de-DE"/>
           </a:p>
@@ -2561,7 +2566,7 @@
           <a:p>
             <a:fld id="{47194A9C-1375-4CE9-B20F-B0D332DBA49C}" type="datetimeFigureOut">
               <a:rPr lang="de-DE" smtClean="0"/>
-              <a:t>22.01.2020</a:t>
+              <a:t>23.01.2020</a:t>
             </a:fld>
             <a:endParaRPr lang="de-DE"/>
           </a:p>

--- a/Flowchart.pptx
+++ b/Flowchart.pptx
@@ -6,6 +6,7 @@
   </p:sldMasterIdLst>
   <p:sldIdLst>
     <p:sldId id="256" r:id="rId2"/>
+    <p:sldId id="257" r:id="rId3"/>
   </p:sldIdLst>
   <p:sldSz cx="6858000" cy="9906000" type="A4"/>
   <p:notesSz cx="6797675" cy="9874250"/>
@@ -243,7 +244,7 @@
           <a:p>
             <a:fld id="{47194A9C-1375-4CE9-B20F-B0D332DBA49C}" type="datetimeFigureOut">
               <a:rPr lang="de-DE" smtClean="0"/>
-              <a:t>23.01.2020</a:t>
+              <a:t>24.03.2020</a:t>
             </a:fld>
             <a:endParaRPr lang="de-DE"/>
           </a:p>
@@ -413,7 +414,7 @@
           <a:p>
             <a:fld id="{47194A9C-1375-4CE9-B20F-B0D332DBA49C}" type="datetimeFigureOut">
               <a:rPr lang="de-DE" smtClean="0"/>
-              <a:t>23.01.2020</a:t>
+              <a:t>24.03.2020</a:t>
             </a:fld>
             <a:endParaRPr lang="de-DE"/>
           </a:p>
@@ -593,7 +594,7 @@
           <a:p>
             <a:fld id="{47194A9C-1375-4CE9-B20F-B0D332DBA49C}" type="datetimeFigureOut">
               <a:rPr lang="de-DE" smtClean="0"/>
-              <a:t>23.01.2020</a:t>
+              <a:t>24.03.2020</a:t>
             </a:fld>
             <a:endParaRPr lang="de-DE"/>
           </a:p>
@@ -763,7 +764,7 @@
           <a:p>
             <a:fld id="{47194A9C-1375-4CE9-B20F-B0D332DBA49C}" type="datetimeFigureOut">
               <a:rPr lang="de-DE" smtClean="0"/>
-              <a:t>23.01.2020</a:t>
+              <a:t>24.03.2020</a:t>
             </a:fld>
             <a:endParaRPr lang="de-DE"/>
           </a:p>
@@ -1007,7 +1008,7 @@
           <a:p>
             <a:fld id="{47194A9C-1375-4CE9-B20F-B0D332DBA49C}" type="datetimeFigureOut">
               <a:rPr lang="de-DE" smtClean="0"/>
-              <a:t>23.01.2020</a:t>
+              <a:t>24.03.2020</a:t>
             </a:fld>
             <a:endParaRPr lang="de-DE"/>
           </a:p>
@@ -1239,7 +1240,7 @@
           <a:p>
             <a:fld id="{47194A9C-1375-4CE9-B20F-B0D332DBA49C}" type="datetimeFigureOut">
               <a:rPr lang="de-DE" smtClean="0"/>
-              <a:t>23.01.2020</a:t>
+              <a:t>24.03.2020</a:t>
             </a:fld>
             <a:endParaRPr lang="de-DE"/>
           </a:p>
@@ -1606,7 +1607,7 @@
           <a:p>
             <a:fld id="{47194A9C-1375-4CE9-B20F-B0D332DBA49C}" type="datetimeFigureOut">
               <a:rPr lang="de-DE" smtClean="0"/>
-              <a:t>23.01.2020</a:t>
+              <a:t>24.03.2020</a:t>
             </a:fld>
             <a:endParaRPr lang="de-DE"/>
           </a:p>
@@ -1724,7 +1725,7 @@
           <a:p>
             <a:fld id="{47194A9C-1375-4CE9-B20F-B0D332DBA49C}" type="datetimeFigureOut">
               <a:rPr lang="de-DE" smtClean="0"/>
-              <a:t>23.01.2020</a:t>
+              <a:t>24.03.2020</a:t>
             </a:fld>
             <a:endParaRPr lang="de-DE"/>
           </a:p>
@@ -1819,7 +1820,7 @@
           <a:p>
             <a:fld id="{47194A9C-1375-4CE9-B20F-B0D332DBA49C}" type="datetimeFigureOut">
               <a:rPr lang="de-DE" smtClean="0"/>
-              <a:t>23.01.2020</a:t>
+              <a:t>24.03.2020</a:t>
             </a:fld>
             <a:endParaRPr lang="de-DE"/>
           </a:p>
@@ -2096,7 +2097,7 @@
           <a:p>
             <a:fld id="{47194A9C-1375-4CE9-B20F-B0D332DBA49C}" type="datetimeFigureOut">
               <a:rPr lang="de-DE" smtClean="0"/>
-              <a:t>23.01.2020</a:t>
+              <a:t>24.03.2020</a:t>
             </a:fld>
             <a:endParaRPr lang="de-DE"/>
           </a:p>
@@ -2353,7 +2354,7 @@
           <a:p>
             <a:fld id="{47194A9C-1375-4CE9-B20F-B0D332DBA49C}" type="datetimeFigureOut">
               <a:rPr lang="de-DE" smtClean="0"/>
-              <a:t>23.01.2020</a:t>
+              <a:t>24.03.2020</a:t>
             </a:fld>
             <a:endParaRPr lang="de-DE"/>
           </a:p>
@@ -2566,7 +2567,7 @@
           <a:p>
             <a:fld id="{47194A9C-1375-4CE9-B20F-B0D332DBA49C}" type="datetimeFigureOut">
               <a:rPr lang="de-DE" smtClean="0"/>
-              <a:t>23.01.2020</a:t>
+              <a:t>24.03.2020</a:t>
             </a:fld>
             <a:endParaRPr lang="de-DE"/>
           </a:p>
@@ -2973,14 +2974,14 @@
       </p:grpSpPr>
       <p:sp>
         <p:nvSpPr>
-          <p:cNvPr id="40" name="Rechteck 39"/>
+          <p:cNvPr id="42" name="Rechteck 41"/>
           <p:cNvSpPr/>
           <p:nvPr/>
         </p:nvSpPr>
         <p:spPr>
           <a:xfrm>
-            <a:off x="2994660" y="5667772"/>
-            <a:ext cx="3735621" cy="956037"/>
+            <a:off x="4962307" y="8780169"/>
+            <a:ext cx="1754027" cy="958191"/>
           </a:xfrm>
           <a:prstGeom prst="rect">
             <a:avLst/>
@@ -3016,6 +3017,92 @@
       </p:sp>
       <p:sp>
         <p:nvSpPr>
+          <p:cNvPr id="41" name="Rechteck 40"/>
+          <p:cNvSpPr/>
+          <p:nvPr/>
+        </p:nvSpPr>
+        <p:spPr>
+          <a:xfrm>
+            <a:off x="4962308" y="6235116"/>
+            <a:ext cx="1767973" cy="2490432"/>
+          </a:xfrm>
+          <a:prstGeom prst="rect">
+            <a:avLst/>
+          </a:prstGeom>
+          <a:solidFill>
+            <a:srgbClr val="70AD47">
+              <a:alpha val="30196"/>
+            </a:srgbClr>
+          </a:solidFill>
+        </p:spPr>
+        <p:style>
+          <a:lnRef idx="3">
+            <a:schemeClr val="lt1"/>
+          </a:lnRef>
+          <a:fillRef idx="1">
+            <a:schemeClr val="accent6"/>
+          </a:fillRef>
+          <a:effectRef idx="1">
+            <a:schemeClr val="accent6"/>
+          </a:effectRef>
+          <a:fontRef idx="minor">
+            <a:schemeClr val="lt1"/>
+          </a:fontRef>
+        </p:style>
+        <p:txBody>
+          <a:bodyPr rtlCol="0" anchor="ctr"/>
+          <a:lstStyle/>
+          <a:p>
+            <a:pPr algn="ctr"/>
+            <a:endParaRPr lang="de-DE"/>
+          </a:p>
+        </p:txBody>
+      </p:sp>
+      <p:sp>
+        <p:nvSpPr>
+          <p:cNvPr id="40" name="Rechteck 39"/>
+          <p:cNvSpPr/>
+          <p:nvPr/>
+        </p:nvSpPr>
+        <p:spPr>
+          <a:xfrm>
+            <a:off x="2998836" y="5230486"/>
+            <a:ext cx="3735621" cy="956037"/>
+          </a:xfrm>
+          <a:prstGeom prst="rect">
+            <a:avLst/>
+          </a:prstGeom>
+          <a:solidFill>
+            <a:srgbClr val="70AD47">
+              <a:alpha val="30196"/>
+            </a:srgbClr>
+          </a:solidFill>
+        </p:spPr>
+        <p:style>
+          <a:lnRef idx="3">
+            <a:schemeClr val="lt1"/>
+          </a:lnRef>
+          <a:fillRef idx="1">
+            <a:schemeClr val="accent6"/>
+          </a:fillRef>
+          <a:effectRef idx="1">
+            <a:schemeClr val="accent6"/>
+          </a:effectRef>
+          <a:fontRef idx="minor">
+            <a:schemeClr val="lt1"/>
+          </a:fontRef>
+        </p:style>
+        <p:txBody>
+          <a:bodyPr rtlCol="0" anchor="ctr"/>
+          <a:lstStyle/>
+          <a:p>
+            <a:pPr algn="ctr"/>
+            <a:endParaRPr lang="de-DE"/>
+          </a:p>
+        </p:txBody>
+      </p:sp>
+      <p:sp>
+        <p:nvSpPr>
           <p:cNvPr id="4" name="Textfeld 3"/>
           <p:cNvSpPr txBox="1"/>
           <p:nvPr/>
@@ -3083,7 +3170,7 @@
         <p:spPr>
           <a:xfrm>
             <a:off x="4974672" y="176169"/>
-            <a:ext cx="1459054" cy="1892826"/>
+            <a:ext cx="1741662" cy="1892826"/>
           </a:xfrm>
           <a:prstGeom prst="rect">
             <a:avLst/>
@@ -3095,7 +3182,7 @@
           </a:solidFill>
         </p:spPr>
         <p:txBody>
-          <a:bodyPr wrap="none" rtlCol="0">
+          <a:bodyPr wrap="square" rtlCol="0">
             <a:spAutoFit/>
           </a:bodyPr>
           <a:lstStyle/>
@@ -3670,7 +3757,7 @@
         <p:spPr>
           <a:xfrm>
             <a:off x="4970778" y="2144087"/>
-            <a:ext cx="1065401" cy="923330"/>
+            <a:ext cx="1745556" cy="646331"/>
           </a:xfrm>
           <a:prstGeom prst="rect">
             <a:avLst/>
@@ -3984,7 +4071,7 @@
         <p:spPr>
           <a:xfrm>
             <a:off x="4970506" y="3134389"/>
-            <a:ext cx="1459054" cy="1754326"/>
+            <a:ext cx="1745828" cy="1615827"/>
           </a:xfrm>
           <a:prstGeom prst="rect">
             <a:avLst/>
@@ -4386,6 +4473,77 @@
                 </a:solidFill>
                 <a:sym typeface="Wingdings" panose="05000000000000000000" pitchFamily="2" charset="2"/>
               </a:rPr>
+              <a:t> maximal </a:t>
+            </a:r>
+            <a:r>
+              <a:rPr lang="de-DE" sz="900" dirty="0" err="1" smtClean="0">
+                <a:solidFill>
+                  <a:schemeClr val="tx1"/>
+                </a:solidFill>
+                <a:sym typeface="Wingdings" panose="05000000000000000000" pitchFamily="2" charset="2"/>
+              </a:rPr>
+              <a:t>nest</a:t>
+            </a:r>
+            <a:r>
+              <a:rPr lang="de-DE" sz="900" dirty="0" smtClean="0">
+                <a:solidFill>
+                  <a:schemeClr val="tx1"/>
+                </a:solidFill>
+                <a:sym typeface="Wingdings" panose="05000000000000000000" pitchFamily="2" charset="2"/>
+              </a:rPr>
+              <a:t> </a:t>
+            </a:r>
+            <a:r>
+              <a:rPr lang="de-DE" sz="900" dirty="0" err="1" smtClean="0">
+                <a:solidFill>
+                  <a:schemeClr val="tx1"/>
+                </a:solidFill>
+                <a:sym typeface="Wingdings" panose="05000000000000000000" pitchFamily="2" charset="2"/>
+              </a:rPr>
+              <a:t>capacity</a:t>
+            </a:r>
+            <a:r>
+              <a:rPr lang="de-DE" sz="900" dirty="0" smtClean="0">
+                <a:solidFill>
+                  <a:schemeClr val="tx1"/>
+                </a:solidFill>
+                <a:sym typeface="Wingdings" panose="05000000000000000000" pitchFamily="2" charset="2"/>
+              </a:rPr>
+              <a:t> in </a:t>
+            </a:r>
+            <a:r>
+              <a:rPr lang="de-DE" sz="900" dirty="0" err="1" smtClean="0">
+                <a:solidFill>
+                  <a:schemeClr val="tx1"/>
+                </a:solidFill>
+                <a:sym typeface="Wingdings" panose="05000000000000000000" pitchFamily="2" charset="2"/>
+              </a:rPr>
+              <a:t>range</a:t>
+            </a:r>
+            <a:endParaRPr lang="de-DE" sz="900" dirty="0" smtClean="0">
+              <a:solidFill>
+                <a:schemeClr val="tx1"/>
+              </a:solidFill>
+              <a:sym typeface="Wingdings" panose="05000000000000000000" pitchFamily="2" charset="2"/>
+            </a:endParaRPr>
+          </a:p>
+          <a:p>
+            <a:r>
+              <a:rPr lang="de-DE" sz="900" dirty="0" err="1" smtClean="0">
+                <a:solidFill>
+                  <a:schemeClr val="tx1"/>
+                </a:solidFill>
+                <a:sym typeface="Wingdings" panose="05000000000000000000" pitchFamily="2" charset="2"/>
+              </a:rPr>
+              <a:t>Define</a:t>
+            </a:r>
+            <a:r>
+              <a:rPr lang="de-DE" sz="900" dirty="0" smtClean="0">
+                <a:solidFill>
+                  <a:schemeClr val="tx1"/>
+                </a:solidFill>
+                <a:sym typeface="Wingdings" panose="05000000000000000000" pitchFamily="2" charset="2"/>
+              </a:rPr>
               <a:t> </a:t>
             </a:r>
             <a:r>
@@ -4819,8 +4977,8 @@
         </p:nvSpPr>
         <p:spPr>
           <a:xfrm>
-            <a:off x="4962308" y="5103150"/>
-            <a:ext cx="1459054" cy="507831"/>
+            <a:off x="4962308" y="4812561"/>
+            <a:ext cx="1754026" cy="369332"/>
           </a:xfrm>
           <a:prstGeom prst="rect">
             <a:avLst/>
@@ -4923,7 +5081,7 @@
         </p:nvSpPr>
         <p:spPr>
           <a:xfrm>
-            <a:off x="4970506" y="6254477"/>
+            <a:off x="4985031" y="5817924"/>
             <a:ext cx="938077" cy="369332"/>
           </a:xfrm>
           <a:prstGeom prst="rect">
@@ -5005,7 +5163,7 @@
         </p:blipFill>
         <p:spPr>
           <a:xfrm>
-            <a:off x="3058255" y="5667772"/>
+            <a:off x="3062431" y="5230486"/>
             <a:ext cx="3658080" cy="653712"/>
           </a:xfrm>
           <a:prstGeom prst="rect">
@@ -5021,7 +5179,7 @@
         </p:nvSpPr>
         <p:spPr>
           <a:xfrm>
-            <a:off x="4974672" y="6754625"/>
+            <a:off x="4974672" y="6217729"/>
             <a:ext cx="1755609" cy="369332"/>
           </a:xfrm>
           <a:prstGeom prst="rect">
@@ -5095,7 +5253,7 @@
         </p:blipFill>
         <p:spPr>
           <a:xfrm>
-            <a:off x="5045309" y="6980920"/>
+            <a:off x="5045309" y="6444024"/>
             <a:ext cx="1684972" cy="286073"/>
           </a:xfrm>
           <a:prstGeom prst="rect">
@@ -5111,7 +5269,7 @@
         </p:nvSpPr>
         <p:spPr>
           <a:xfrm>
-            <a:off x="4974671" y="7264017"/>
+            <a:off x="4974671" y="6727121"/>
             <a:ext cx="1212191" cy="507831"/>
           </a:xfrm>
           <a:prstGeom prst="rect">
@@ -5180,7 +5338,7 @@
         </p:blipFill>
         <p:spPr>
           <a:xfrm>
-            <a:off x="5045309" y="7458854"/>
+            <a:off x="5045309" y="6921958"/>
             <a:ext cx="1351569" cy="185358"/>
           </a:xfrm>
           <a:prstGeom prst="rect">
@@ -5196,7 +5354,7 @@
         </p:nvSpPr>
         <p:spPr>
           <a:xfrm>
-            <a:off x="4974670" y="7604227"/>
+            <a:off x="4974670" y="7067331"/>
             <a:ext cx="1061509" cy="646331"/>
           </a:xfrm>
           <a:prstGeom prst="rect">
@@ -5260,7 +5418,7 @@
         </p:blipFill>
         <p:spPr>
           <a:xfrm>
-            <a:off x="5084896" y="8510301"/>
+            <a:off x="5084896" y="7973405"/>
             <a:ext cx="841056" cy="215247"/>
           </a:xfrm>
           <a:prstGeom prst="rect">
@@ -5290,7 +5448,7 @@
         </p:blipFill>
         <p:spPr>
           <a:xfrm>
-            <a:off x="5064180" y="8271980"/>
+            <a:off x="5064180" y="7735084"/>
             <a:ext cx="1271706" cy="185380"/>
           </a:xfrm>
           <a:prstGeom prst="rect">
@@ -5320,7 +5478,7 @@
         </p:blipFill>
         <p:spPr>
           <a:xfrm>
-            <a:off x="5064180" y="7848087"/>
+            <a:off x="5064180" y="7311191"/>
             <a:ext cx="1328934" cy="361548"/>
           </a:xfrm>
           <a:prstGeom prst="rect">
@@ -5481,92 +5639,6 @@
           </a:p>
           <a:p>
             <a:endParaRPr lang="de-DE" sz="900" dirty="0"/>
-          </a:p>
-        </p:txBody>
-      </p:sp>
-      <p:sp>
-        <p:nvSpPr>
-          <p:cNvPr id="41" name="Rechteck 40"/>
-          <p:cNvSpPr/>
-          <p:nvPr/>
-        </p:nvSpPr>
-        <p:spPr>
-          <a:xfrm>
-            <a:off x="4962308" y="6678430"/>
-            <a:ext cx="1754027" cy="2047118"/>
-          </a:xfrm>
-          <a:prstGeom prst="rect">
-            <a:avLst/>
-          </a:prstGeom>
-          <a:solidFill>
-            <a:srgbClr val="70AD47">
-              <a:alpha val="30196"/>
-            </a:srgbClr>
-          </a:solidFill>
-        </p:spPr>
-        <p:style>
-          <a:lnRef idx="3">
-            <a:schemeClr val="lt1"/>
-          </a:lnRef>
-          <a:fillRef idx="1">
-            <a:schemeClr val="accent6"/>
-          </a:fillRef>
-          <a:effectRef idx="1">
-            <a:schemeClr val="accent6"/>
-          </a:effectRef>
-          <a:fontRef idx="minor">
-            <a:schemeClr val="lt1"/>
-          </a:fontRef>
-        </p:style>
-        <p:txBody>
-          <a:bodyPr rtlCol="0" anchor="ctr"/>
-          <a:lstStyle/>
-          <a:p>
-            <a:pPr algn="ctr"/>
-            <a:endParaRPr lang="de-DE"/>
-          </a:p>
-        </p:txBody>
-      </p:sp>
-      <p:sp>
-        <p:nvSpPr>
-          <p:cNvPr id="42" name="Rechteck 41"/>
-          <p:cNvSpPr/>
-          <p:nvPr/>
-        </p:nvSpPr>
-        <p:spPr>
-          <a:xfrm>
-            <a:off x="4962307" y="8780169"/>
-            <a:ext cx="1754027" cy="958191"/>
-          </a:xfrm>
-          <a:prstGeom prst="rect">
-            <a:avLst/>
-          </a:prstGeom>
-          <a:solidFill>
-            <a:srgbClr val="70AD47">
-              <a:alpha val="30196"/>
-            </a:srgbClr>
-          </a:solidFill>
-        </p:spPr>
-        <p:style>
-          <a:lnRef idx="3">
-            <a:schemeClr val="lt1"/>
-          </a:lnRef>
-          <a:fillRef idx="1">
-            <a:schemeClr val="accent6"/>
-          </a:fillRef>
-          <a:effectRef idx="1">
-            <a:schemeClr val="accent6"/>
-          </a:effectRef>
-          <a:fontRef idx="minor">
-            <a:schemeClr val="lt1"/>
-          </a:fontRef>
-        </p:style>
-        <p:txBody>
-          <a:bodyPr rtlCol="0" anchor="ctr"/>
-          <a:lstStyle/>
-          <a:p>
-            <a:pPr algn="ctr"/>
-            <a:endParaRPr lang="de-DE"/>
           </a:p>
         </p:txBody>
       </p:sp>
@@ -6443,7 +6515,7 @@
         <p:spPr>
           <a:xfrm>
             <a:off x="4591616" y="1525590"/>
-            <a:ext cx="379162" cy="1080162"/>
+            <a:ext cx="379162" cy="941663"/>
           </a:xfrm>
           <a:prstGeom prst="bentConnector3">
             <a:avLst>
@@ -6481,11 +6553,11 @@
         <p:spPr>
           <a:xfrm>
             <a:off x="2702185" y="3175506"/>
-            <a:ext cx="2268321" cy="836046"/>
+            <a:ext cx="2268321" cy="766797"/>
           </a:xfrm>
           <a:prstGeom prst="bentConnector3">
             <a:avLst>
-              <a:gd name="adj1" fmla="val 63101"/>
+              <a:gd name="adj1" fmla="val 50000"/>
             </a:avLst>
           </a:prstGeom>
           <a:ln>
@@ -6519,11 +6591,11 @@
         <p:spPr>
           <a:xfrm>
             <a:off x="2172962" y="3770425"/>
-            <a:ext cx="2789346" cy="1586641"/>
+            <a:ext cx="2789346" cy="1226802"/>
           </a:xfrm>
           <a:prstGeom prst="bentConnector3">
             <a:avLst>
-              <a:gd name="adj1" fmla="val 55464"/>
+              <a:gd name="adj1" fmla="val 56917"/>
             </a:avLst>
           </a:prstGeom>
           <a:ln>
@@ -6557,11 +6629,11 @@
         <p:spPr>
           <a:xfrm>
             <a:off x="2101898" y="4386960"/>
-            <a:ext cx="892762" cy="1758831"/>
+            <a:ext cx="896938" cy="1321545"/>
           </a:xfrm>
           <a:prstGeom prst="bentConnector3">
             <a:avLst>
-              <a:gd name="adj1" fmla="val 85848"/>
+              <a:gd name="adj1" fmla="val 84606"/>
             </a:avLst>
           </a:prstGeom>
           <a:ln>
@@ -6595,11 +6667,11 @@
         <p:spPr>
           <a:xfrm>
             <a:off x="2195685" y="5003495"/>
-            <a:ext cx="2766623" cy="2698494"/>
+            <a:ext cx="2766623" cy="2476837"/>
           </a:xfrm>
           <a:prstGeom prst="bentConnector3">
             <a:avLst>
-              <a:gd name="adj1" fmla="val 21355"/>
+              <a:gd name="adj1" fmla="val 22104"/>
             </a:avLst>
           </a:prstGeom>
           <a:ln>
@@ -6731,10 +6803,1515 @@
           </a:fontRef>
         </p:style>
       </p:cxnSp>
+      <p:sp>
+        <p:nvSpPr>
+          <p:cNvPr id="72" name="Textfeld 71"/>
+          <p:cNvSpPr txBox="1"/>
+          <p:nvPr/>
+        </p:nvSpPr>
+        <p:spPr>
+          <a:xfrm>
+            <a:off x="4954646" y="8207146"/>
+            <a:ext cx="1775635" cy="646331"/>
+          </a:xfrm>
+          <a:prstGeom prst="rect">
+            <a:avLst/>
+          </a:prstGeom>
+          <a:noFill/>
+        </p:spPr>
+        <p:txBody>
+          <a:bodyPr wrap="square" rtlCol="0">
+            <a:spAutoFit/>
+          </a:bodyPr>
+          <a:lstStyle/>
+          <a:p>
+            <a:r>
+              <a:rPr lang="de-DE" sz="900" dirty="0" smtClean="0"/>
+              <a:t>Individual </a:t>
+            </a:r>
+            <a:r>
+              <a:rPr lang="de-DE" sz="900" dirty="0" err="1" smtClean="0"/>
+              <a:t>tries</a:t>
+            </a:r>
+            <a:r>
+              <a:rPr lang="de-DE" sz="900" dirty="0" smtClean="0"/>
+              <a:t> </a:t>
+            </a:r>
+            <a:r>
+              <a:rPr lang="de-DE" sz="900" dirty="0" err="1" smtClean="0"/>
+              <a:t>to</a:t>
+            </a:r>
+            <a:r>
+              <a:rPr lang="de-DE" sz="900" dirty="0" smtClean="0"/>
+              <a:t> find </a:t>
+            </a:r>
+            <a:r>
+              <a:rPr lang="de-DE" sz="900" dirty="0" err="1" smtClean="0"/>
+              <a:t>the</a:t>
+            </a:r>
+            <a:r>
+              <a:rPr lang="de-DE" sz="900" dirty="0" smtClean="0"/>
+              <a:t> </a:t>
+            </a:r>
+            <a:r>
+              <a:rPr lang="de-DE" sz="900" dirty="0" err="1" smtClean="0"/>
+              <a:t>most</a:t>
+            </a:r>
+            <a:r>
+              <a:rPr lang="de-DE" sz="900" dirty="0" smtClean="0"/>
+              <a:t> </a:t>
+            </a:r>
+            <a:r>
+              <a:rPr lang="de-DE" sz="900" dirty="0" err="1" smtClean="0"/>
+              <a:t>suitable</a:t>
+            </a:r>
+            <a:r>
+              <a:rPr lang="de-DE" sz="900" dirty="0" smtClean="0"/>
+              <a:t> </a:t>
+            </a:r>
+            <a:r>
+              <a:rPr lang="de-DE" sz="900" dirty="0" err="1" smtClean="0"/>
+              <a:t>cell</a:t>
+            </a:r>
+            <a:r>
+              <a:rPr lang="de-DE" sz="900" dirty="0" smtClean="0"/>
+              <a:t>; </a:t>
+            </a:r>
+            <a:r>
+              <a:rPr lang="de-DE" sz="900" dirty="0" err="1" smtClean="0"/>
+              <a:t>with</a:t>
+            </a:r>
+            <a:r>
+              <a:rPr lang="de-DE" sz="900" dirty="0" smtClean="0"/>
+              <a:t> </a:t>
+            </a:r>
+            <a:r>
+              <a:rPr lang="de-DE" sz="900" dirty="0" err="1" smtClean="0"/>
+              <a:t>increasing</a:t>
+            </a:r>
+            <a:r>
+              <a:rPr lang="de-DE" sz="900" dirty="0" smtClean="0"/>
+              <a:t> </a:t>
+            </a:r>
+            <a:r>
+              <a:rPr lang="de-DE" sz="900" dirty="0" err="1" smtClean="0"/>
+              <a:t>nb</a:t>
+            </a:r>
+            <a:r>
+              <a:rPr lang="de-DE" sz="900" dirty="0" smtClean="0"/>
+              <a:t> </a:t>
+            </a:r>
+            <a:r>
+              <a:rPr lang="de-DE" sz="900" dirty="0" err="1" smtClean="0"/>
+              <a:t>of</a:t>
+            </a:r>
+            <a:r>
+              <a:rPr lang="de-DE" sz="900" dirty="0" smtClean="0"/>
+              <a:t> </a:t>
+            </a:r>
+            <a:r>
+              <a:rPr lang="de-DE" sz="900" dirty="0" err="1" smtClean="0"/>
+              <a:t>attemps</a:t>
+            </a:r>
+            <a:r>
+              <a:rPr lang="de-DE" sz="900" dirty="0" smtClean="0"/>
+              <a:t>, a </a:t>
+            </a:r>
+            <a:r>
+              <a:rPr lang="de-DE" sz="900" dirty="0" err="1" smtClean="0"/>
+              <a:t>lower</a:t>
+            </a:r>
+            <a:r>
+              <a:rPr lang="de-DE" sz="900" dirty="0" smtClean="0"/>
+              <a:t> </a:t>
+            </a:r>
+            <a:r>
+              <a:rPr lang="de-DE" sz="900" dirty="0" err="1" smtClean="0"/>
+              <a:t>one</a:t>
+            </a:r>
+            <a:endParaRPr lang="de-DE" sz="900" dirty="0" smtClean="0"/>
+          </a:p>
+          <a:p>
+            <a:endParaRPr lang="de-DE" sz="900" dirty="0"/>
+          </a:p>
+        </p:txBody>
+      </p:sp>
     </p:spTree>
     <p:extLst>
       <p:ext uri="{BB962C8B-B14F-4D97-AF65-F5344CB8AC3E}">
         <p14:creationId xmlns:p14="http://schemas.microsoft.com/office/powerpoint/2010/main" val="2285795657"/>
+      </p:ext>
+    </p:extLst>
+  </p:cSld>
+  <p:clrMapOvr>
+    <a:masterClrMapping/>
+  </p:clrMapOvr>
+</p:sld>
+</file>
+
+<file path=ppt/slides/slide2.xml><?xml version="1.0" encoding="utf-8"?>
+<p:sld xmlns:a="http://schemas.openxmlformats.org/drawingml/2006/main" xmlns:r="http://schemas.openxmlformats.org/officeDocument/2006/relationships" xmlns:p="http://schemas.openxmlformats.org/presentationml/2006/main">
+  <p:cSld>
+    <p:spTree>
+      <p:nvGrpSpPr>
+        <p:cNvPr id="1" name=""/>
+        <p:cNvGrpSpPr/>
+        <p:nvPr/>
+      </p:nvGrpSpPr>
+      <p:grpSpPr>
+        <a:xfrm>
+          <a:off x="0" y="0"/>
+          <a:ext cx="0" cy="0"/>
+          <a:chOff x="0" y="0"/>
+          <a:chExt cx="0" cy="0"/>
+        </a:xfrm>
+      </p:grpSpPr>
+      <p:sp>
+        <p:nvSpPr>
+          <p:cNvPr id="4" name="Textfeld 3"/>
+          <p:cNvSpPr txBox="1"/>
+          <p:nvPr/>
+        </p:nvSpPr>
+        <p:spPr>
+          <a:xfrm>
+            <a:off x="232457" y="310167"/>
+            <a:ext cx="1288045" cy="276999"/>
+          </a:xfrm>
+          <a:prstGeom prst="rect">
+            <a:avLst/>
+          </a:prstGeom>
+          <a:solidFill>
+            <a:schemeClr val="accent1">
+              <a:lumMod val="50000"/>
+            </a:schemeClr>
+          </a:solidFill>
+        </p:spPr>
+        <p:style>
+          <a:lnRef idx="3">
+            <a:schemeClr val="lt1"/>
+          </a:lnRef>
+          <a:fillRef idx="1">
+            <a:schemeClr val="accent1"/>
+          </a:fillRef>
+          <a:effectRef idx="1">
+            <a:schemeClr val="accent1"/>
+          </a:effectRef>
+          <a:fontRef idx="minor">
+            <a:schemeClr val="lt1"/>
+          </a:fontRef>
+        </p:style>
+        <p:txBody>
+          <a:bodyPr wrap="none" rtlCol="0">
+            <a:spAutoFit/>
+          </a:bodyPr>
+          <a:lstStyle/>
+          <a:p>
+            <a:r>
+              <a:rPr lang="de-DE" sz="1200" dirty="0" smtClean="0"/>
+              <a:t>Read </a:t>
+            </a:r>
+            <a:r>
+              <a:rPr lang="de-DE" sz="1200" dirty="0" err="1" smtClean="0"/>
+              <a:t>scenario</a:t>
+            </a:r>
+            <a:r>
+              <a:rPr lang="de-DE" sz="1200" dirty="0" smtClean="0"/>
+              <a:t> </a:t>
+            </a:r>
+            <a:r>
+              <a:rPr lang="de-DE" sz="1200" dirty="0" err="1" smtClean="0"/>
+              <a:t>file</a:t>
+            </a:r>
+            <a:endParaRPr lang="de-DE" sz="1200" dirty="0"/>
+          </a:p>
+        </p:txBody>
+      </p:sp>
+      <p:sp>
+        <p:nvSpPr>
+          <p:cNvPr id="7" name="Textfeld 6"/>
+          <p:cNvSpPr txBox="1"/>
+          <p:nvPr/>
+        </p:nvSpPr>
+        <p:spPr>
+          <a:xfrm>
+            <a:off x="1986999" y="1327105"/>
+            <a:ext cx="1364541" cy="276999"/>
+          </a:xfrm>
+          <a:prstGeom prst="rect">
+            <a:avLst/>
+          </a:prstGeom>
+          <a:solidFill>
+            <a:srgbClr val="2E75B6">
+              <a:alpha val="80000"/>
+            </a:srgbClr>
+          </a:solidFill>
+        </p:spPr>
+        <p:style>
+          <a:lnRef idx="3">
+            <a:schemeClr val="lt1"/>
+          </a:lnRef>
+          <a:fillRef idx="1">
+            <a:schemeClr val="accent1"/>
+          </a:fillRef>
+          <a:effectRef idx="1">
+            <a:schemeClr val="accent1"/>
+          </a:effectRef>
+          <a:fontRef idx="minor">
+            <a:schemeClr val="lt1"/>
+          </a:fontRef>
+        </p:style>
+        <p:txBody>
+          <a:bodyPr wrap="none" rtlCol="0">
+            <a:spAutoFit/>
+          </a:bodyPr>
+          <a:lstStyle/>
+          <a:p>
+            <a:r>
+              <a:rPr lang="de-DE" sz="1200" dirty="0" smtClean="0"/>
+              <a:t>Initialize </a:t>
+            </a:r>
+            <a:r>
+              <a:rPr lang="de-DE" sz="1200" dirty="0" err="1" smtClean="0"/>
+              <a:t>landscape</a:t>
+            </a:r>
+            <a:endParaRPr lang="de-DE" sz="1200" dirty="0" smtClean="0"/>
+          </a:p>
+        </p:txBody>
+      </p:sp>
+      <p:sp>
+        <p:nvSpPr>
+          <p:cNvPr id="8" name="Textfeld 7"/>
+          <p:cNvSpPr txBox="1"/>
+          <p:nvPr/>
+        </p:nvSpPr>
+        <p:spPr>
+          <a:xfrm>
+            <a:off x="2202090" y="1848136"/>
+            <a:ext cx="934358" cy="276999"/>
+          </a:xfrm>
+          <a:prstGeom prst="rect">
+            <a:avLst/>
+          </a:prstGeom>
+          <a:solidFill>
+            <a:srgbClr val="2E75B6">
+              <a:alpha val="80000"/>
+            </a:srgbClr>
+          </a:solidFill>
+        </p:spPr>
+        <p:style>
+          <a:lnRef idx="3">
+            <a:schemeClr val="lt1"/>
+          </a:lnRef>
+          <a:fillRef idx="1">
+            <a:schemeClr val="accent1"/>
+          </a:fillRef>
+          <a:effectRef idx="1">
+            <a:schemeClr val="accent1"/>
+          </a:effectRef>
+          <a:fontRef idx="minor">
+            <a:schemeClr val="lt1"/>
+          </a:fontRef>
+        </p:style>
+        <p:txBody>
+          <a:bodyPr wrap="none" rtlCol="0">
+            <a:spAutoFit/>
+          </a:bodyPr>
+          <a:lstStyle/>
+          <a:p>
+            <a:r>
+              <a:rPr lang="de-DE" sz="1200" dirty="0" smtClean="0"/>
+              <a:t>Initialize FTs</a:t>
+            </a:r>
+            <a:endParaRPr lang="de-DE" sz="1200" dirty="0"/>
+          </a:p>
+        </p:txBody>
+      </p:sp>
+      <p:sp>
+        <p:nvSpPr>
+          <p:cNvPr id="10" name="Textfeld 9"/>
+          <p:cNvSpPr txBox="1"/>
+          <p:nvPr/>
+        </p:nvSpPr>
+        <p:spPr>
+          <a:xfrm>
+            <a:off x="1125387" y="873042"/>
+            <a:ext cx="1266437" cy="276999"/>
+          </a:xfrm>
+          <a:prstGeom prst="rect">
+            <a:avLst/>
+          </a:prstGeom>
+          <a:solidFill>
+            <a:schemeClr val="accent1">
+              <a:lumMod val="75000"/>
+            </a:schemeClr>
+          </a:solidFill>
+        </p:spPr>
+        <p:style>
+          <a:lnRef idx="3">
+            <a:schemeClr val="lt1"/>
+          </a:lnRef>
+          <a:fillRef idx="1">
+            <a:schemeClr val="accent1"/>
+          </a:fillRef>
+          <a:effectRef idx="1">
+            <a:schemeClr val="accent1"/>
+          </a:effectRef>
+          <a:fontRef idx="minor">
+            <a:schemeClr val="lt1"/>
+          </a:fontRef>
+        </p:style>
+        <p:txBody>
+          <a:bodyPr wrap="none" rtlCol="0">
+            <a:spAutoFit/>
+          </a:bodyPr>
+          <a:lstStyle/>
+          <a:p>
+            <a:r>
+              <a:rPr lang="de-DE" sz="1200" dirty="0" smtClean="0"/>
+              <a:t>Initialize </a:t>
+            </a:r>
+            <a:r>
+              <a:rPr lang="de-DE" sz="1200" dirty="0" err="1" smtClean="0"/>
+              <a:t>scenario</a:t>
+            </a:r>
+            <a:endParaRPr lang="de-DE" sz="1200" dirty="0"/>
+          </a:p>
+        </p:txBody>
+      </p:sp>
+      <p:sp>
+        <p:nvSpPr>
+          <p:cNvPr id="15" name="Textfeld 14"/>
+          <p:cNvSpPr txBox="1"/>
+          <p:nvPr/>
+        </p:nvSpPr>
+        <p:spPr>
+          <a:xfrm>
+            <a:off x="2997401" y="2438658"/>
+            <a:ext cx="1508884" cy="276999"/>
+          </a:xfrm>
+          <a:prstGeom prst="rect">
+            <a:avLst/>
+          </a:prstGeom>
+        </p:spPr>
+        <p:style>
+          <a:lnRef idx="3">
+            <a:schemeClr val="lt1"/>
+          </a:lnRef>
+          <a:fillRef idx="1">
+            <a:schemeClr val="accent4"/>
+          </a:fillRef>
+          <a:effectRef idx="1">
+            <a:schemeClr val="accent4"/>
+          </a:effectRef>
+          <a:fontRef idx="minor">
+            <a:schemeClr val="lt1"/>
+          </a:fontRef>
+        </p:style>
+        <p:txBody>
+          <a:bodyPr wrap="square" rtlCol="0">
+            <a:spAutoFit/>
+          </a:bodyPr>
+          <a:lstStyle/>
+          <a:p>
+            <a:r>
+              <a:rPr lang="de-DE" sz="1200" dirty="0" smtClean="0"/>
+              <a:t>Initialize </a:t>
+            </a:r>
+            <a:r>
+              <a:rPr lang="de-DE" sz="1200" dirty="0" err="1" smtClean="0"/>
+              <a:t>populations</a:t>
+            </a:r>
+            <a:endParaRPr lang="de-DE" sz="1200" dirty="0"/>
+          </a:p>
+        </p:txBody>
+      </p:sp>
+      <p:sp>
+        <p:nvSpPr>
+          <p:cNvPr id="17" name="Textfeld 16"/>
+          <p:cNvSpPr txBox="1"/>
+          <p:nvPr/>
+        </p:nvSpPr>
+        <p:spPr>
+          <a:xfrm>
+            <a:off x="3423645" y="3456812"/>
+            <a:ext cx="656398" cy="276999"/>
+          </a:xfrm>
+          <a:prstGeom prst="rect">
+            <a:avLst/>
+          </a:prstGeom>
+        </p:spPr>
+        <p:style>
+          <a:lnRef idx="3">
+            <a:schemeClr val="lt1"/>
+          </a:lnRef>
+          <a:fillRef idx="1">
+            <a:schemeClr val="accent6"/>
+          </a:fillRef>
+          <a:effectRef idx="1">
+            <a:schemeClr val="accent6"/>
+          </a:effectRef>
+          <a:fontRef idx="minor">
+            <a:schemeClr val="lt1"/>
+          </a:fontRef>
+        </p:style>
+        <p:txBody>
+          <a:bodyPr wrap="square" rtlCol="0">
+            <a:spAutoFit/>
+          </a:bodyPr>
+          <a:lstStyle/>
+          <a:p>
+            <a:r>
+              <a:rPr lang="de-DE" sz="1200" dirty="0"/>
+              <a:t>G</a:t>
+            </a:r>
+            <a:r>
+              <a:rPr lang="de-DE" sz="1200" dirty="0" smtClean="0"/>
+              <a:t>rowth</a:t>
+            </a:r>
+            <a:endParaRPr lang="de-DE" sz="1200" dirty="0"/>
+          </a:p>
+        </p:txBody>
+      </p:sp>
+      <p:sp>
+        <p:nvSpPr>
+          <p:cNvPr id="18" name="Textfeld 17"/>
+          <p:cNvSpPr txBox="1"/>
+          <p:nvPr/>
+        </p:nvSpPr>
+        <p:spPr>
+          <a:xfrm>
+            <a:off x="3375490" y="3928513"/>
+            <a:ext cx="752707" cy="276999"/>
+          </a:xfrm>
+          <a:prstGeom prst="rect">
+            <a:avLst/>
+          </a:prstGeom>
+        </p:spPr>
+        <p:style>
+          <a:lnRef idx="3">
+            <a:schemeClr val="lt1"/>
+          </a:lnRef>
+          <a:fillRef idx="1">
+            <a:schemeClr val="accent6"/>
+          </a:fillRef>
+          <a:effectRef idx="1">
+            <a:schemeClr val="accent6"/>
+          </a:effectRef>
+          <a:fontRef idx="minor">
+            <a:schemeClr val="lt1"/>
+          </a:fontRef>
+        </p:style>
+        <p:txBody>
+          <a:bodyPr wrap="square" rtlCol="0">
+            <a:spAutoFit/>
+          </a:bodyPr>
+          <a:lstStyle/>
+          <a:p>
+            <a:r>
+              <a:rPr lang="de-DE" sz="1200" dirty="0" err="1"/>
+              <a:t>D</a:t>
+            </a:r>
+            <a:r>
+              <a:rPr lang="de-DE" sz="1200" dirty="0" err="1" smtClean="0"/>
+              <a:t>ispersal</a:t>
+            </a:r>
+            <a:endParaRPr lang="de-DE" sz="1200" dirty="0"/>
+          </a:p>
+        </p:txBody>
+      </p:sp>
+      <p:sp>
+        <p:nvSpPr>
+          <p:cNvPr id="19" name="Textfeld 18"/>
+          <p:cNvSpPr txBox="1"/>
+          <p:nvPr/>
+        </p:nvSpPr>
+        <p:spPr>
+          <a:xfrm>
+            <a:off x="3284472" y="4393861"/>
+            <a:ext cx="934743" cy="276999"/>
+          </a:xfrm>
+          <a:prstGeom prst="rect">
+            <a:avLst/>
+          </a:prstGeom>
+        </p:spPr>
+        <p:style>
+          <a:lnRef idx="3">
+            <a:schemeClr val="lt1"/>
+          </a:lnRef>
+          <a:fillRef idx="1">
+            <a:schemeClr val="accent6"/>
+          </a:fillRef>
+          <a:effectRef idx="1">
+            <a:schemeClr val="accent6"/>
+          </a:effectRef>
+          <a:fontRef idx="minor">
+            <a:schemeClr val="lt1"/>
+          </a:fontRef>
+        </p:style>
+        <p:txBody>
+          <a:bodyPr wrap="square" rtlCol="0">
+            <a:spAutoFit/>
+          </a:bodyPr>
+          <a:lstStyle/>
+          <a:p>
+            <a:r>
+              <a:rPr lang="de-DE" sz="1200" dirty="0" err="1"/>
+              <a:t>D</a:t>
+            </a:r>
+            <a:r>
+              <a:rPr lang="de-DE" sz="1200" dirty="0" err="1" smtClean="0"/>
+              <a:t>isturbance</a:t>
+            </a:r>
+            <a:endParaRPr lang="de-DE" sz="1200" dirty="0"/>
+          </a:p>
+        </p:txBody>
+      </p:sp>
+      <p:sp>
+        <p:nvSpPr>
+          <p:cNvPr id="20" name="Textfeld 19"/>
+          <p:cNvSpPr txBox="1"/>
+          <p:nvPr/>
+        </p:nvSpPr>
+        <p:spPr>
+          <a:xfrm>
+            <a:off x="3436692" y="4859209"/>
+            <a:ext cx="630301" cy="276999"/>
+          </a:xfrm>
+          <a:prstGeom prst="rect">
+            <a:avLst/>
+          </a:prstGeom>
+        </p:spPr>
+        <p:style>
+          <a:lnRef idx="3">
+            <a:schemeClr val="lt1"/>
+          </a:lnRef>
+          <a:fillRef idx="1">
+            <a:schemeClr val="accent6"/>
+          </a:fillRef>
+          <a:effectRef idx="1">
+            <a:schemeClr val="accent6"/>
+          </a:effectRef>
+          <a:fontRef idx="minor">
+            <a:schemeClr val="lt1"/>
+          </a:fontRef>
+        </p:style>
+        <p:txBody>
+          <a:bodyPr wrap="square" rtlCol="0">
+            <a:spAutoFit/>
+          </a:bodyPr>
+          <a:lstStyle/>
+          <a:p>
+            <a:r>
+              <a:rPr lang="de-DE" sz="1200" dirty="0" smtClean="0"/>
+              <a:t>Output</a:t>
+            </a:r>
+            <a:endParaRPr lang="de-DE" sz="1200" dirty="0"/>
+          </a:p>
+        </p:txBody>
+      </p:sp>
+      <p:sp>
+        <p:nvSpPr>
+          <p:cNvPr id="24" name="Textfeld 23"/>
+          <p:cNvSpPr txBox="1"/>
+          <p:nvPr/>
+        </p:nvSpPr>
+        <p:spPr>
+          <a:xfrm>
+            <a:off x="3388924" y="2962867"/>
+            <a:ext cx="725840" cy="276999"/>
+          </a:xfrm>
+          <a:prstGeom prst="rect">
+            <a:avLst/>
+          </a:prstGeom>
+        </p:spPr>
+        <p:style>
+          <a:lnRef idx="3">
+            <a:schemeClr val="lt1"/>
+          </a:lnRef>
+          <a:fillRef idx="1">
+            <a:schemeClr val="accent6"/>
+          </a:fillRef>
+          <a:effectRef idx="1">
+            <a:schemeClr val="accent6"/>
+          </a:effectRef>
+          <a:fontRef idx="minor">
+            <a:schemeClr val="lt1"/>
+          </a:fontRef>
+        </p:style>
+        <p:txBody>
+          <a:bodyPr wrap="square" rtlCol="0">
+            <a:spAutoFit/>
+          </a:bodyPr>
+          <a:lstStyle/>
+          <a:p>
+            <a:r>
+              <a:rPr lang="de-DE" sz="1200" dirty="0" err="1" smtClean="0"/>
+              <a:t>Weather</a:t>
+            </a:r>
+            <a:endParaRPr lang="de-DE" sz="1200" dirty="0"/>
+          </a:p>
+        </p:txBody>
+      </p:sp>
+      <p:cxnSp>
+        <p:nvCxnSpPr>
+          <p:cNvPr id="46" name="Gewinkelte Verbindung 45"/>
+          <p:cNvCxnSpPr>
+            <a:stCxn id="4" idx="2"/>
+            <a:endCxn id="10" idx="1"/>
+          </p:cNvCxnSpPr>
+          <p:nvPr/>
+        </p:nvCxnSpPr>
+        <p:spPr>
+          <a:xfrm rot="16200000" flipH="1">
+            <a:off x="788745" y="674900"/>
+            <a:ext cx="424376" cy="248907"/>
+          </a:xfrm>
+          <a:prstGeom prst="bentConnector2">
+            <a:avLst/>
+          </a:prstGeom>
+          <a:ln>
+            <a:tailEnd type="triangle"/>
+          </a:ln>
+        </p:spPr>
+        <p:style>
+          <a:lnRef idx="1">
+            <a:schemeClr val="dk1"/>
+          </a:lnRef>
+          <a:fillRef idx="0">
+            <a:schemeClr val="dk1"/>
+          </a:fillRef>
+          <a:effectRef idx="0">
+            <a:schemeClr val="dk1"/>
+          </a:effectRef>
+          <a:fontRef idx="minor">
+            <a:schemeClr val="tx1"/>
+          </a:fontRef>
+        </p:style>
+      </p:cxnSp>
+      <p:cxnSp>
+        <p:nvCxnSpPr>
+          <p:cNvPr id="48" name="Gewinkelte Verbindung 47"/>
+          <p:cNvCxnSpPr>
+            <a:stCxn id="10" idx="2"/>
+            <a:endCxn id="7" idx="1"/>
+          </p:cNvCxnSpPr>
+          <p:nvPr/>
+        </p:nvCxnSpPr>
+        <p:spPr>
+          <a:xfrm rot="16200000" flipH="1">
+            <a:off x="1715020" y="1193626"/>
+            <a:ext cx="315564" cy="228393"/>
+          </a:xfrm>
+          <a:prstGeom prst="bentConnector2">
+            <a:avLst/>
+          </a:prstGeom>
+          <a:ln>
+            <a:tailEnd type="triangle"/>
+          </a:ln>
+        </p:spPr>
+        <p:style>
+          <a:lnRef idx="1">
+            <a:schemeClr val="dk1"/>
+          </a:lnRef>
+          <a:fillRef idx="0">
+            <a:schemeClr val="dk1"/>
+          </a:fillRef>
+          <a:effectRef idx="0">
+            <a:schemeClr val="dk1"/>
+          </a:effectRef>
+          <a:fontRef idx="minor">
+            <a:schemeClr val="tx1"/>
+          </a:fontRef>
+        </p:style>
+      </p:cxnSp>
+      <p:cxnSp>
+        <p:nvCxnSpPr>
+          <p:cNvPr id="52" name="Gerade Verbindung mit Pfeil 51"/>
+          <p:cNvCxnSpPr>
+            <a:stCxn id="7" idx="2"/>
+            <a:endCxn id="8" idx="0"/>
+          </p:cNvCxnSpPr>
+          <p:nvPr/>
+        </p:nvCxnSpPr>
+        <p:spPr>
+          <a:xfrm flipH="1">
+            <a:off x="2669269" y="1604104"/>
+            <a:ext cx="1" cy="244032"/>
+          </a:xfrm>
+          <a:prstGeom prst="straightConnector1">
+            <a:avLst/>
+          </a:prstGeom>
+          <a:ln>
+            <a:tailEnd type="triangle"/>
+          </a:ln>
+        </p:spPr>
+        <p:style>
+          <a:lnRef idx="1">
+            <a:schemeClr val="dk1"/>
+          </a:lnRef>
+          <a:fillRef idx="0">
+            <a:schemeClr val="dk1"/>
+          </a:fillRef>
+          <a:effectRef idx="0">
+            <a:schemeClr val="dk1"/>
+          </a:effectRef>
+          <a:fontRef idx="minor">
+            <a:schemeClr val="tx1"/>
+          </a:fontRef>
+        </p:style>
+      </p:cxnSp>
+      <p:cxnSp>
+        <p:nvCxnSpPr>
+          <p:cNvPr id="56" name="Gewinkelte Verbindung 55"/>
+          <p:cNvCxnSpPr>
+            <a:stCxn id="8" idx="2"/>
+            <a:endCxn id="15" idx="1"/>
+          </p:cNvCxnSpPr>
+          <p:nvPr/>
+        </p:nvCxnSpPr>
+        <p:spPr>
+          <a:xfrm rot="16200000" flipH="1">
+            <a:off x="2607324" y="2187080"/>
+            <a:ext cx="452023" cy="328132"/>
+          </a:xfrm>
+          <a:prstGeom prst="bentConnector2">
+            <a:avLst/>
+          </a:prstGeom>
+          <a:ln>
+            <a:tailEnd type="triangle"/>
+          </a:ln>
+        </p:spPr>
+        <p:style>
+          <a:lnRef idx="1">
+            <a:schemeClr val="dk1"/>
+          </a:lnRef>
+          <a:fillRef idx="0">
+            <a:schemeClr val="dk1"/>
+          </a:fillRef>
+          <a:effectRef idx="0">
+            <a:schemeClr val="dk1"/>
+          </a:effectRef>
+          <a:fontRef idx="minor">
+            <a:schemeClr val="tx1"/>
+          </a:fontRef>
+        </p:style>
+      </p:cxnSp>
+      <p:sp>
+        <p:nvSpPr>
+          <p:cNvPr id="76" name="Textfeld 75"/>
+          <p:cNvSpPr txBox="1"/>
+          <p:nvPr/>
+        </p:nvSpPr>
+        <p:spPr>
+          <a:xfrm>
+            <a:off x="2600767" y="4722606"/>
+            <a:ext cx="848309" cy="230832"/>
+          </a:xfrm>
+          <a:prstGeom prst="rect">
+            <a:avLst/>
+          </a:prstGeom>
+          <a:noFill/>
+        </p:spPr>
+        <p:txBody>
+          <a:bodyPr wrap="square" rtlCol="0">
+            <a:spAutoFit/>
+          </a:bodyPr>
+          <a:lstStyle/>
+          <a:p>
+            <a:r>
+              <a:rPr lang="de-DE" sz="900" dirty="0" smtClean="0"/>
+              <a:t>Year = </a:t>
+            </a:r>
+            <a:r>
+              <a:rPr lang="de-DE" sz="900" dirty="0" err="1" smtClean="0"/>
+              <a:t>year</a:t>
+            </a:r>
+            <a:r>
+              <a:rPr lang="de-DE" sz="900" dirty="0" smtClean="0"/>
+              <a:t> +1</a:t>
+            </a:r>
+            <a:endParaRPr lang="de-DE" sz="900" dirty="0"/>
+          </a:p>
+        </p:txBody>
+      </p:sp>
+      <p:sp>
+        <p:nvSpPr>
+          <p:cNvPr id="86" name="Textfeld 85"/>
+          <p:cNvSpPr txBox="1"/>
+          <p:nvPr/>
+        </p:nvSpPr>
+        <p:spPr>
+          <a:xfrm>
+            <a:off x="3713721" y="5180720"/>
+            <a:ext cx="726481" cy="230832"/>
+          </a:xfrm>
+          <a:prstGeom prst="rect">
+            <a:avLst/>
+          </a:prstGeom>
+          <a:noFill/>
+        </p:spPr>
+        <p:txBody>
+          <a:bodyPr wrap="square" rtlCol="0">
+            <a:spAutoFit/>
+          </a:bodyPr>
+          <a:lstStyle/>
+          <a:p>
+            <a:r>
+              <a:rPr lang="de-DE" sz="900" dirty="0" err="1" smtClean="0"/>
+              <a:t>year</a:t>
+            </a:r>
+            <a:r>
+              <a:rPr lang="de-DE" sz="900" dirty="0" smtClean="0"/>
+              <a:t> == </a:t>
+            </a:r>
+            <a:r>
+              <a:rPr lang="de-DE" sz="900" dirty="0" err="1" smtClean="0"/>
+              <a:t>t</a:t>
+            </a:r>
+            <a:r>
+              <a:rPr lang="de-DE" sz="900" baseline="-25000" dirty="0" err="1" smtClean="0"/>
+              <a:t>max</a:t>
+            </a:r>
+            <a:endParaRPr lang="de-DE" sz="900" baseline="-25000" dirty="0"/>
+          </a:p>
+        </p:txBody>
+      </p:sp>
+      <p:sp>
+        <p:nvSpPr>
+          <p:cNvPr id="87" name="Textfeld 86"/>
+          <p:cNvSpPr txBox="1"/>
+          <p:nvPr/>
+        </p:nvSpPr>
+        <p:spPr>
+          <a:xfrm>
+            <a:off x="2575271" y="5536737"/>
+            <a:ext cx="800219" cy="230832"/>
+          </a:xfrm>
+          <a:prstGeom prst="rect">
+            <a:avLst/>
+          </a:prstGeom>
+          <a:noFill/>
+        </p:spPr>
+        <p:txBody>
+          <a:bodyPr wrap="square" rtlCol="0">
+            <a:spAutoFit/>
+          </a:bodyPr>
+          <a:lstStyle/>
+          <a:p>
+            <a:r>
+              <a:rPr lang="de-DE" sz="900" dirty="0" smtClean="0"/>
+              <a:t>Rep = </a:t>
+            </a:r>
+            <a:r>
+              <a:rPr lang="de-DE" sz="900" dirty="0" err="1" smtClean="0"/>
+              <a:t>rep</a:t>
+            </a:r>
+            <a:r>
+              <a:rPr lang="de-DE" sz="900" dirty="0" smtClean="0"/>
+              <a:t> + 1</a:t>
+            </a:r>
+            <a:endParaRPr lang="de-DE" sz="900" dirty="0"/>
+          </a:p>
+        </p:txBody>
+      </p:sp>
+      <p:cxnSp>
+        <p:nvCxnSpPr>
+          <p:cNvPr id="93" name="Gewinkelte Verbindung 92"/>
+          <p:cNvCxnSpPr>
+            <a:stCxn id="98" idx="2"/>
+            <a:endCxn id="10" idx="1"/>
+          </p:cNvCxnSpPr>
+          <p:nvPr/>
+        </p:nvCxnSpPr>
+        <p:spPr>
+          <a:xfrm rot="5400000" flipH="1">
+            <a:off x="755596" y="1381333"/>
+            <a:ext cx="4523353" cy="3783772"/>
+          </a:xfrm>
+          <a:prstGeom prst="bentConnector4">
+            <a:avLst>
+              <a:gd name="adj1" fmla="val -12871"/>
+              <a:gd name="adj2" fmla="val 121831"/>
+            </a:avLst>
+          </a:prstGeom>
+          <a:ln>
+            <a:tailEnd type="triangle"/>
+          </a:ln>
+        </p:spPr>
+        <p:style>
+          <a:lnRef idx="1">
+            <a:schemeClr val="dk1"/>
+          </a:lnRef>
+          <a:fillRef idx="0">
+            <a:schemeClr val="dk1"/>
+          </a:fillRef>
+          <a:effectRef idx="0">
+            <a:schemeClr val="dk1"/>
+          </a:effectRef>
+          <a:fontRef idx="minor">
+            <a:schemeClr val="tx1"/>
+          </a:fontRef>
+        </p:style>
+      </p:cxnSp>
+      <p:sp>
+        <p:nvSpPr>
+          <p:cNvPr id="96" name="Textfeld 95"/>
+          <p:cNvSpPr txBox="1"/>
+          <p:nvPr/>
+        </p:nvSpPr>
+        <p:spPr>
+          <a:xfrm>
+            <a:off x="3994406" y="5871503"/>
+            <a:ext cx="891591" cy="230832"/>
+          </a:xfrm>
+          <a:prstGeom prst="rect">
+            <a:avLst/>
+          </a:prstGeom>
+          <a:noFill/>
+        </p:spPr>
+        <p:txBody>
+          <a:bodyPr wrap="none" rtlCol="0">
+            <a:spAutoFit/>
+          </a:bodyPr>
+          <a:lstStyle/>
+          <a:p>
+            <a:r>
+              <a:rPr lang="de-DE" sz="900" dirty="0" err="1" smtClean="0"/>
+              <a:t>Scen</a:t>
+            </a:r>
+            <a:r>
+              <a:rPr lang="de-DE" sz="900" dirty="0" smtClean="0"/>
+              <a:t> = </a:t>
+            </a:r>
+            <a:r>
+              <a:rPr lang="de-DE" sz="900" dirty="0" err="1" smtClean="0"/>
+              <a:t>scen</a:t>
+            </a:r>
+            <a:r>
+              <a:rPr lang="de-DE" sz="900" dirty="0" smtClean="0"/>
+              <a:t> + 1</a:t>
+            </a:r>
+            <a:endParaRPr lang="de-DE" sz="900" dirty="0"/>
+          </a:p>
+        </p:txBody>
+      </p:sp>
+      <p:sp>
+        <p:nvSpPr>
+          <p:cNvPr id="97" name="Textfeld 96"/>
+          <p:cNvSpPr txBox="1"/>
+          <p:nvPr/>
+        </p:nvSpPr>
+        <p:spPr>
+          <a:xfrm>
+            <a:off x="4909159" y="5827077"/>
+            <a:ext cx="800219" cy="230832"/>
+          </a:xfrm>
+          <a:prstGeom prst="rect">
+            <a:avLst/>
+          </a:prstGeom>
+          <a:noFill/>
+        </p:spPr>
+        <p:txBody>
+          <a:bodyPr wrap="none" rtlCol="0">
+            <a:spAutoFit/>
+          </a:bodyPr>
+          <a:lstStyle/>
+          <a:p>
+            <a:r>
+              <a:rPr lang="de-DE" sz="900" dirty="0" err="1" smtClean="0"/>
+              <a:t>rep</a:t>
+            </a:r>
+            <a:r>
+              <a:rPr lang="de-DE" sz="900" dirty="0" smtClean="0"/>
+              <a:t> == </a:t>
+            </a:r>
+            <a:r>
+              <a:rPr lang="de-DE" sz="900" dirty="0" err="1" smtClean="0"/>
+              <a:t>rep</a:t>
+            </a:r>
+            <a:r>
+              <a:rPr lang="de-DE" sz="900" baseline="-25000" dirty="0" err="1" smtClean="0"/>
+              <a:t>max</a:t>
+            </a:r>
+            <a:endParaRPr lang="de-DE" sz="900" baseline="-25000" dirty="0"/>
+          </a:p>
+        </p:txBody>
+      </p:sp>
+      <p:sp>
+        <p:nvSpPr>
+          <p:cNvPr id="98" name="Textfeld 97"/>
+          <p:cNvSpPr txBox="1"/>
+          <p:nvPr/>
+        </p:nvSpPr>
+        <p:spPr>
+          <a:xfrm>
+            <a:off x="4402080" y="5257896"/>
+            <a:ext cx="1014158" cy="276999"/>
+          </a:xfrm>
+          <a:prstGeom prst="rect">
+            <a:avLst/>
+          </a:prstGeom>
+        </p:spPr>
+        <p:style>
+          <a:lnRef idx="3">
+            <a:schemeClr val="lt1"/>
+          </a:lnRef>
+          <a:fillRef idx="1">
+            <a:schemeClr val="accent2"/>
+          </a:fillRef>
+          <a:effectRef idx="1">
+            <a:schemeClr val="accent2"/>
+          </a:effectRef>
+          <a:fontRef idx="minor">
+            <a:schemeClr val="lt1"/>
+          </a:fontRef>
+        </p:style>
+        <p:txBody>
+          <a:bodyPr wrap="square" rtlCol="0">
+            <a:spAutoFit/>
+          </a:bodyPr>
+          <a:lstStyle/>
+          <a:p>
+            <a:r>
+              <a:rPr lang="de-DE" sz="1200" dirty="0" smtClean="0"/>
+              <a:t>Write </a:t>
+            </a:r>
+            <a:r>
+              <a:rPr lang="de-DE" sz="1200" dirty="0" err="1" smtClean="0"/>
+              <a:t>output</a:t>
+            </a:r>
+            <a:endParaRPr lang="de-DE" sz="1200" dirty="0"/>
+          </a:p>
+        </p:txBody>
+      </p:sp>
+      <p:cxnSp>
+        <p:nvCxnSpPr>
+          <p:cNvPr id="111" name="Gewinkelte Verbindung 110"/>
+          <p:cNvCxnSpPr>
+            <a:stCxn id="20" idx="2"/>
+            <a:endCxn id="98" idx="1"/>
+          </p:cNvCxnSpPr>
+          <p:nvPr/>
+        </p:nvCxnSpPr>
+        <p:spPr>
+          <a:xfrm rot="16200000" flipH="1">
+            <a:off x="3946867" y="4941183"/>
+            <a:ext cx="260188" cy="650237"/>
+          </a:xfrm>
+          <a:prstGeom prst="bentConnector2">
+            <a:avLst/>
+          </a:prstGeom>
+          <a:ln>
+            <a:tailEnd type="triangle"/>
+          </a:ln>
+        </p:spPr>
+        <p:style>
+          <a:lnRef idx="1">
+            <a:schemeClr val="dk1"/>
+          </a:lnRef>
+          <a:fillRef idx="0">
+            <a:schemeClr val="dk1"/>
+          </a:fillRef>
+          <a:effectRef idx="0">
+            <a:schemeClr val="dk1"/>
+          </a:effectRef>
+          <a:fontRef idx="minor">
+            <a:schemeClr val="tx1"/>
+          </a:fontRef>
+        </p:style>
+      </p:cxnSp>
+      <p:cxnSp>
+        <p:nvCxnSpPr>
+          <p:cNvPr id="116" name="Gerade Verbindung mit Pfeil 115"/>
+          <p:cNvCxnSpPr>
+            <a:stCxn id="98" idx="2"/>
+            <a:endCxn id="120" idx="0"/>
+          </p:cNvCxnSpPr>
+          <p:nvPr/>
+        </p:nvCxnSpPr>
+        <p:spPr>
+          <a:xfrm>
+            <a:off x="4909159" y="5534895"/>
+            <a:ext cx="0" cy="1142913"/>
+          </a:xfrm>
+          <a:prstGeom prst="straightConnector1">
+            <a:avLst/>
+          </a:prstGeom>
+          <a:ln>
+            <a:tailEnd type="triangle"/>
+          </a:ln>
+        </p:spPr>
+        <p:style>
+          <a:lnRef idx="1">
+            <a:schemeClr val="dk1"/>
+          </a:lnRef>
+          <a:fillRef idx="0">
+            <a:schemeClr val="dk1"/>
+          </a:fillRef>
+          <a:effectRef idx="0">
+            <a:schemeClr val="dk1"/>
+          </a:effectRef>
+          <a:fontRef idx="minor">
+            <a:schemeClr val="tx1"/>
+          </a:fontRef>
+        </p:style>
+      </p:cxnSp>
+      <p:sp>
+        <p:nvSpPr>
+          <p:cNvPr id="118" name="Textfeld 117"/>
+          <p:cNvSpPr txBox="1"/>
+          <p:nvPr/>
+        </p:nvSpPr>
+        <p:spPr>
+          <a:xfrm>
+            <a:off x="4885997" y="6409783"/>
+            <a:ext cx="914033" cy="230832"/>
+          </a:xfrm>
+          <a:prstGeom prst="rect">
+            <a:avLst/>
+          </a:prstGeom>
+          <a:noFill/>
+        </p:spPr>
+        <p:txBody>
+          <a:bodyPr wrap="none" rtlCol="0">
+            <a:spAutoFit/>
+          </a:bodyPr>
+          <a:lstStyle/>
+          <a:p>
+            <a:r>
+              <a:rPr lang="de-DE" sz="900" dirty="0" err="1" smtClean="0"/>
+              <a:t>Scen</a:t>
+            </a:r>
+            <a:r>
+              <a:rPr lang="de-DE" sz="900" dirty="0" smtClean="0"/>
+              <a:t> == </a:t>
+            </a:r>
+            <a:r>
+              <a:rPr lang="de-DE" sz="900" dirty="0" err="1" smtClean="0"/>
+              <a:t>scen</a:t>
+            </a:r>
+            <a:r>
+              <a:rPr lang="de-DE" sz="900" baseline="-25000" dirty="0" err="1" smtClean="0"/>
+              <a:t>max</a:t>
+            </a:r>
+            <a:endParaRPr lang="de-DE" sz="900" baseline="-25000" dirty="0"/>
+          </a:p>
+        </p:txBody>
+      </p:sp>
+      <p:sp>
+        <p:nvSpPr>
+          <p:cNvPr id="120" name="Textfeld 119"/>
+          <p:cNvSpPr txBox="1"/>
+          <p:nvPr/>
+        </p:nvSpPr>
+        <p:spPr>
+          <a:xfrm>
+            <a:off x="4548323" y="6677808"/>
+            <a:ext cx="721672" cy="276999"/>
+          </a:xfrm>
+          <a:prstGeom prst="rect">
+            <a:avLst/>
+          </a:prstGeom>
+        </p:spPr>
+        <p:style>
+          <a:lnRef idx="3">
+            <a:schemeClr val="lt1"/>
+          </a:lnRef>
+          <a:fillRef idx="1">
+            <a:schemeClr val="dk1"/>
+          </a:fillRef>
+          <a:effectRef idx="1">
+            <a:schemeClr val="dk1"/>
+          </a:effectRef>
+          <a:fontRef idx="minor">
+            <a:schemeClr val="lt1"/>
+          </a:fontRef>
+        </p:style>
+        <p:txBody>
+          <a:bodyPr wrap="none" rtlCol="0">
+            <a:spAutoFit/>
+          </a:bodyPr>
+          <a:lstStyle/>
+          <a:p>
+            <a:r>
+              <a:rPr lang="de-DE" sz="1200" dirty="0" smtClean="0"/>
+              <a:t>End </a:t>
+            </a:r>
+            <a:r>
+              <a:rPr lang="de-DE" sz="1200" dirty="0" err="1" smtClean="0"/>
+              <a:t>BiTZ</a:t>
+            </a:r>
+            <a:endParaRPr lang="de-DE" sz="1200" dirty="0"/>
+          </a:p>
+        </p:txBody>
+      </p:sp>
+      <p:cxnSp>
+        <p:nvCxnSpPr>
+          <p:cNvPr id="84" name="Gerade Verbindung mit Pfeil 83"/>
+          <p:cNvCxnSpPr>
+            <a:stCxn id="15" idx="2"/>
+            <a:endCxn id="24" idx="0"/>
+          </p:cNvCxnSpPr>
+          <p:nvPr/>
+        </p:nvCxnSpPr>
+        <p:spPr>
+          <a:xfrm>
+            <a:off x="3751843" y="2715657"/>
+            <a:ext cx="1" cy="247210"/>
+          </a:xfrm>
+          <a:prstGeom prst="straightConnector1">
+            <a:avLst/>
+          </a:prstGeom>
+          <a:ln>
+            <a:tailEnd type="triangle"/>
+          </a:ln>
+        </p:spPr>
+        <p:style>
+          <a:lnRef idx="1">
+            <a:schemeClr val="dk1"/>
+          </a:lnRef>
+          <a:fillRef idx="0">
+            <a:schemeClr val="dk1"/>
+          </a:fillRef>
+          <a:effectRef idx="0">
+            <a:schemeClr val="dk1"/>
+          </a:effectRef>
+          <a:fontRef idx="minor">
+            <a:schemeClr val="tx1"/>
+          </a:fontRef>
+        </p:style>
+      </p:cxnSp>
+      <p:cxnSp>
+        <p:nvCxnSpPr>
+          <p:cNvPr id="88" name="Gerade Verbindung mit Pfeil 87"/>
+          <p:cNvCxnSpPr>
+            <a:stCxn id="24" idx="2"/>
+            <a:endCxn id="17" idx="0"/>
+          </p:cNvCxnSpPr>
+          <p:nvPr/>
+        </p:nvCxnSpPr>
+        <p:spPr>
+          <a:xfrm>
+            <a:off x="3751844" y="3239866"/>
+            <a:ext cx="0" cy="216946"/>
+          </a:xfrm>
+          <a:prstGeom prst="straightConnector1">
+            <a:avLst/>
+          </a:prstGeom>
+          <a:ln>
+            <a:tailEnd type="triangle"/>
+          </a:ln>
+        </p:spPr>
+        <p:style>
+          <a:lnRef idx="1">
+            <a:schemeClr val="dk1"/>
+          </a:lnRef>
+          <a:fillRef idx="0">
+            <a:schemeClr val="dk1"/>
+          </a:fillRef>
+          <a:effectRef idx="0">
+            <a:schemeClr val="dk1"/>
+          </a:effectRef>
+          <a:fontRef idx="minor">
+            <a:schemeClr val="tx1"/>
+          </a:fontRef>
+        </p:style>
+      </p:cxnSp>
+      <p:cxnSp>
+        <p:nvCxnSpPr>
+          <p:cNvPr id="90" name="Gerade Verbindung mit Pfeil 89"/>
+          <p:cNvCxnSpPr>
+            <a:stCxn id="17" idx="2"/>
+            <a:endCxn id="18" idx="0"/>
+          </p:cNvCxnSpPr>
+          <p:nvPr/>
+        </p:nvCxnSpPr>
+        <p:spPr>
+          <a:xfrm>
+            <a:off x="3751844" y="3733811"/>
+            <a:ext cx="0" cy="194702"/>
+          </a:xfrm>
+          <a:prstGeom prst="straightConnector1">
+            <a:avLst/>
+          </a:prstGeom>
+          <a:ln>
+            <a:tailEnd type="triangle"/>
+          </a:ln>
+        </p:spPr>
+        <p:style>
+          <a:lnRef idx="1">
+            <a:schemeClr val="dk1"/>
+          </a:lnRef>
+          <a:fillRef idx="0">
+            <a:schemeClr val="dk1"/>
+          </a:fillRef>
+          <a:effectRef idx="0">
+            <a:schemeClr val="dk1"/>
+          </a:effectRef>
+          <a:fontRef idx="minor">
+            <a:schemeClr val="tx1"/>
+          </a:fontRef>
+        </p:style>
+      </p:cxnSp>
+      <p:cxnSp>
+        <p:nvCxnSpPr>
+          <p:cNvPr id="94" name="Gerade Verbindung mit Pfeil 93"/>
+          <p:cNvCxnSpPr>
+            <a:stCxn id="18" idx="2"/>
+            <a:endCxn id="19" idx="0"/>
+          </p:cNvCxnSpPr>
+          <p:nvPr/>
+        </p:nvCxnSpPr>
+        <p:spPr>
+          <a:xfrm>
+            <a:off x="3751844" y="4205512"/>
+            <a:ext cx="0" cy="188349"/>
+          </a:xfrm>
+          <a:prstGeom prst="straightConnector1">
+            <a:avLst/>
+          </a:prstGeom>
+          <a:ln>
+            <a:tailEnd type="triangle"/>
+          </a:ln>
+        </p:spPr>
+        <p:style>
+          <a:lnRef idx="1">
+            <a:schemeClr val="dk1"/>
+          </a:lnRef>
+          <a:fillRef idx="0">
+            <a:schemeClr val="dk1"/>
+          </a:fillRef>
+          <a:effectRef idx="0">
+            <a:schemeClr val="dk1"/>
+          </a:effectRef>
+          <a:fontRef idx="minor">
+            <a:schemeClr val="tx1"/>
+          </a:fontRef>
+        </p:style>
+      </p:cxnSp>
+      <p:cxnSp>
+        <p:nvCxnSpPr>
+          <p:cNvPr id="99" name="Gerade Verbindung mit Pfeil 98"/>
+          <p:cNvCxnSpPr>
+            <a:stCxn id="19" idx="2"/>
+            <a:endCxn id="20" idx="0"/>
+          </p:cNvCxnSpPr>
+          <p:nvPr/>
+        </p:nvCxnSpPr>
+        <p:spPr>
+          <a:xfrm flipH="1">
+            <a:off x="3751843" y="4670860"/>
+            <a:ext cx="1" cy="188349"/>
+          </a:xfrm>
+          <a:prstGeom prst="straightConnector1">
+            <a:avLst/>
+          </a:prstGeom>
+          <a:ln>
+            <a:tailEnd type="triangle"/>
+          </a:ln>
+        </p:spPr>
+        <p:style>
+          <a:lnRef idx="1">
+            <a:schemeClr val="dk1"/>
+          </a:lnRef>
+          <a:fillRef idx="0">
+            <a:schemeClr val="dk1"/>
+          </a:fillRef>
+          <a:effectRef idx="0">
+            <a:schemeClr val="dk1"/>
+          </a:effectRef>
+          <a:fontRef idx="minor">
+            <a:schemeClr val="tx1"/>
+          </a:fontRef>
+        </p:style>
+      </p:cxnSp>
+      <p:cxnSp>
+        <p:nvCxnSpPr>
+          <p:cNvPr id="106" name="Gewinkelte Verbindung 105"/>
+          <p:cNvCxnSpPr>
+            <a:stCxn id="20" idx="1"/>
+            <a:endCxn id="24" idx="1"/>
+          </p:cNvCxnSpPr>
+          <p:nvPr/>
+        </p:nvCxnSpPr>
+        <p:spPr>
+          <a:xfrm rot="10800000">
+            <a:off x="3388924" y="3101367"/>
+            <a:ext cx="47768" cy="1896342"/>
+          </a:xfrm>
+          <a:prstGeom prst="bentConnector3">
+            <a:avLst>
+              <a:gd name="adj1" fmla="val 1854731"/>
+            </a:avLst>
+          </a:prstGeom>
+          <a:ln>
+            <a:solidFill>
+              <a:schemeClr val="tx1"/>
+            </a:solidFill>
+            <a:tailEnd type="triangle"/>
+          </a:ln>
+        </p:spPr>
+        <p:style>
+          <a:lnRef idx="1">
+            <a:schemeClr val="accent1"/>
+          </a:lnRef>
+          <a:fillRef idx="0">
+            <a:schemeClr val="accent1"/>
+          </a:fillRef>
+          <a:effectRef idx="0">
+            <a:schemeClr val="accent1"/>
+          </a:effectRef>
+          <a:fontRef idx="minor">
+            <a:schemeClr val="tx1"/>
+          </a:fontRef>
+        </p:style>
+      </p:cxnSp>
+      <p:cxnSp>
+        <p:nvCxnSpPr>
+          <p:cNvPr id="119" name="Gewinkelte Verbindung 118"/>
+          <p:cNvCxnSpPr>
+            <a:stCxn id="98" idx="2"/>
+            <a:endCxn id="15" idx="1"/>
+          </p:cNvCxnSpPr>
+          <p:nvPr/>
+        </p:nvCxnSpPr>
+        <p:spPr>
+          <a:xfrm rot="5400000" flipH="1">
+            <a:off x="2474411" y="3100148"/>
+            <a:ext cx="2957737" cy="1911758"/>
+          </a:xfrm>
+          <a:prstGeom prst="bentConnector4">
+            <a:avLst>
+              <a:gd name="adj1" fmla="val -7729"/>
+              <a:gd name="adj2" fmla="val 134917"/>
+            </a:avLst>
+          </a:prstGeom>
+          <a:ln>
+            <a:solidFill>
+              <a:schemeClr val="tx1"/>
+            </a:solidFill>
+            <a:tailEnd type="triangle"/>
+          </a:ln>
+        </p:spPr>
+        <p:style>
+          <a:lnRef idx="1">
+            <a:schemeClr val="accent1"/>
+          </a:lnRef>
+          <a:fillRef idx="0">
+            <a:schemeClr val="accent1"/>
+          </a:fillRef>
+          <a:effectRef idx="0">
+            <a:schemeClr val="accent1"/>
+          </a:effectRef>
+          <a:fontRef idx="minor">
+            <a:schemeClr val="tx1"/>
+          </a:fontRef>
+        </p:style>
+      </p:cxnSp>
+    </p:spTree>
+    <p:extLst>
+      <p:ext uri="{BB962C8B-B14F-4D97-AF65-F5344CB8AC3E}">
+        <p14:creationId xmlns:p14="http://schemas.microsoft.com/office/powerpoint/2010/main" val="2736495421"/>
       </p:ext>
     </p:extLst>
   </p:cSld>

--- a/Flowchart.pptx
+++ b/Flowchart.pptx
@@ -155,7 +155,7 @@
           </a:lstStyle>
           <a:p>
             <a:r>
-              <a:rPr lang="de-DE" smtClean="0"/>
+              <a:rPr lang="de-DE"/>
               <a:t>Titelmasterformat durch Klicken bearbeiten</a:t>
             </a:r>
             <a:endParaRPr lang="en-US" dirty="0"/>
@@ -220,7 +220,7 @@
           </a:lstStyle>
           <a:p>
             <a:r>
-              <a:rPr lang="de-DE" smtClean="0"/>
+              <a:rPr lang="de-DE"/>
               <a:t>Formatvorlage des Untertitelmasters durch Klicken bearbeiten</a:t>
             </a:r>
             <a:endParaRPr lang="en-US" dirty="0"/>
@@ -244,7 +244,7 @@
           <a:p>
             <a:fld id="{47194A9C-1375-4CE9-B20F-B0D332DBA49C}" type="datetimeFigureOut">
               <a:rPr lang="de-DE" smtClean="0"/>
-              <a:t>24.03.2020</a:t>
+              <a:t>17.11.2020</a:t>
             </a:fld>
             <a:endParaRPr lang="de-DE"/>
           </a:p>
@@ -338,7 +338,7 @@
           <a:lstStyle/>
           <a:p>
             <a:r>
-              <a:rPr lang="de-DE" smtClean="0"/>
+              <a:rPr lang="de-DE"/>
               <a:t>Titelmasterformat durch Klicken bearbeiten</a:t>
             </a:r>
             <a:endParaRPr lang="en-US" dirty="0"/>
@@ -362,35 +362,35 @@
           <a:p>
             <a:pPr lvl="0"/>
             <a:r>
-              <a:rPr lang="de-DE" smtClean="0"/>
+              <a:rPr lang="de-DE"/>
               <a:t>Textmasterformat bearbeiten</a:t>
             </a:r>
           </a:p>
           <a:p>
             <a:pPr lvl="1"/>
             <a:r>
-              <a:rPr lang="de-DE" smtClean="0"/>
+              <a:rPr lang="de-DE"/>
               <a:t>Zweite Ebene</a:t>
             </a:r>
           </a:p>
           <a:p>
             <a:pPr lvl="2"/>
             <a:r>
-              <a:rPr lang="de-DE" smtClean="0"/>
+              <a:rPr lang="de-DE"/>
               <a:t>Dritte Ebene</a:t>
             </a:r>
           </a:p>
           <a:p>
             <a:pPr lvl="3"/>
             <a:r>
-              <a:rPr lang="de-DE" smtClean="0"/>
+              <a:rPr lang="de-DE"/>
               <a:t>Vierte Ebene</a:t>
             </a:r>
           </a:p>
           <a:p>
             <a:pPr lvl="4"/>
             <a:r>
-              <a:rPr lang="de-DE" smtClean="0"/>
+              <a:rPr lang="de-DE"/>
               <a:t>Fünfte Ebene</a:t>
             </a:r>
             <a:endParaRPr lang="en-US" dirty="0"/>
@@ -414,7 +414,7 @@
           <a:p>
             <a:fld id="{47194A9C-1375-4CE9-B20F-B0D332DBA49C}" type="datetimeFigureOut">
               <a:rPr lang="de-DE" smtClean="0"/>
-              <a:t>24.03.2020</a:t>
+              <a:t>17.11.2020</a:t>
             </a:fld>
             <a:endParaRPr lang="de-DE"/>
           </a:p>
@@ -513,7 +513,7 @@
           <a:lstStyle/>
           <a:p>
             <a:r>
-              <a:rPr lang="de-DE" smtClean="0"/>
+              <a:rPr lang="de-DE"/>
               <a:t>Titelmasterformat durch Klicken bearbeiten</a:t>
             </a:r>
             <a:endParaRPr lang="en-US" dirty="0"/>
@@ -542,35 +542,35 @@
           <a:p>
             <a:pPr lvl="0"/>
             <a:r>
-              <a:rPr lang="de-DE" smtClean="0"/>
+              <a:rPr lang="de-DE"/>
               <a:t>Textmasterformat bearbeiten</a:t>
             </a:r>
           </a:p>
           <a:p>
             <a:pPr lvl="1"/>
             <a:r>
-              <a:rPr lang="de-DE" smtClean="0"/>
+              <a:rPr lang="de-DE"/>
               <a:t>Zweite Ebene</a:t>
             </a:r>
           </a:p>
           <a:p>
             <a:pPr lvl="2"/>
             <a:r>
-              <a:rPr lang="de-DE" smtClean="0"/>
+              <a:rPr lang="de-DE"/>
               <a:t>Dritte Ebene</a:t>
             </a:r>
           </a:p>
           <a:p>
             <a:pPr lvl="3"/>
             <a:r>
-              <a:rPr lang="de-DE" smtClean="0"/>
+              <a:rPr lang="de-DE"/>
               <a:t>Vierte Ebene</a:t>
             </a:r>
           </a:p>
           <a:p>
             <a:pPr lvl="4"/>
             <a:r>
-              <a:rPr lang="de-DE" smtClean="0"/>
+              <a:rPr lang="de-DE"/>
               <a:t>Fünfte Ebene</a:t>
             </a:r>
             <a:endParaRPr lang="en-US" dirty="0"/>
@@ -594,7 +594,7 @@
           <a:p>
             <a:fld id="{47194A9C-1375-4CE9-B20F-B0D332DBA49C}" type="datetimeFigureOut">
               <a:rPr lang="de-DE" smtClean="0"/>
-              <a:t>24.03.2020</a:t>
+              <a:t>17.11.2020</a:t>
             </a:fld>
             <a:endParaRPr lang="de-DE"/>
           </a:p>
@@ -688,7 +688,7 @@
           <a:lstStyle/>
           <a:p>
             <a:r>
-              <a:rPr lang="de-DE" smtClean="0"/>
+              <a:rPr lang="de-DE"/>
               <a:t>Titelmasterformat durch Klicken bearbeiten</a:t>
             </a:r>
             <a:endParaRPr lang="en-US" dirty="0"/>
@@ -712,35 +712,35 @@
           <a:p>
             <a:pPr lvl="0"/>
             <a:r>
-              <a:rPr lang="de-DE" smtClean="0"/>
+              <a:rPr lang="de-DE"/>
               <a:t>Textmasterformat bearbeiten</a:t>
             </a:r>
           </a:p>
           <a:p>
             <a:pPr lvl="1"/>
             <a:r>
-              <a:rPr lang="de-DE" smtClean="0"/>
+              <a:rPr lang="de-DE"/>
               <a:t>Zweite Ebene</a:t>
             </a:r>
           </a:p>
           <a:p>
             <a:pPr lvl="2"/>
             <a:r>
-              <a:rPr lang="de-DE" smtClean="0"/>
+              <a:rPr lang="de-DE"/>
               <a:t>Dritte Ebene</a:t>
             </a:r>
           </a:p>
           <a:p>
             <a:pPr lvl="3"/>
             <a:r>
-              <a:rPr lang="de-DE" smtClean="0"/>
+              <a:rPr lang="de-DE"/>
               <a:t>Vierte Ebene</a:t>
             </a:r>
           </a:p>
           <a:p>
             <a:pPr lvl="4"/>
             <a:r>
-              <a:rPr lang="de-DE" smtClean="0"/>
+              <a:rPr lang="de-DE"/>
               <a:t>Fünfte Ebene</a:t>
             </a:r>
             <a:endParaRPr lang="en-US" dirty="0"/>
@@ -764,7 +764,7 @@
           <a:p>
             <a:fld id="{47194A9C-1375-4CE9-B20F-B0D332DBA49C}" type="datetimeFigureOut">
               <a:rPr lang="de-DE" smtClean="0"/>
-              <a:t>24.03.2020</a:t>
+              <a:t>17.11.2020</a:t>
             </a:fld>
             <a:endParaRPr lang="de-DE"/>
           </a:p>
@@ -867,7 +867,7 @@
           </a:lstStyle>
           <a:p>
             <a:r>
-              <a:rPr lang="de-DE" smtClean="0"/>
+              <a:rPr lang="de-DE"/>
               <a:t>Titelmasterformat durch Klicken bearbeiten</a:t>
             </a:r>
             <a:endParaRPr lang="en-US" dirty="0"/>
@@ -985,7 +985,7 @@
           <a:p>
             <a:pPr lvl="0"/>
             <a:r>
-              <a:rPr lang="de-DE" smtClean="0"/>
+              <a:rPr lang="de-DE"/>
               <a:t>Textmasterformat bearbeiten</a:t>
             </a:r>
           </a:p>
@@ -1008,7 +1008,7 @@
           <a:p>
             <a:fld id="{47194A9C-1375-4CE9-B20F-B0D332DBA49C}" type="datetimeFigureOut">
               <a:rPr lang="de-DE" smtClean="0"/>
-              <a:t>24.03.2020</a:t>
+              <a:t>17.11.2020</a:t>
             </a:fld>
             <a:endParaRPr lang="de-DE"/>
           </a:p>
@@ -1102,7 +1102,7 @@
           <a:lstStyle/>
           <a:p>
             <a:r>
-              <a:rPr lang="de-DE" smtClean="0"/>
+              <a:rPr lang="de-DE"/>
               <a:t>Titelmasterformat durch Klicken bearbeiten</a:t>
             </a:r>
             <a:endParaRPr lang="en-US" dirty="0"/>
@@ -1131,35 +1131,35 @@
           <a:p>
             <a:pPr lvl="0"/>
             <a:r>
-              <a:rPr lang="de-DE" smtClean="0"/>
+              <a:rPr lang="de-DE"/>
               <a:t>Textmasterformat bearbeiten</a:t>
             </a:r>
           </a:p>
           <a:p>
             <a:pPr lvl="1"/>
             <a:r>
-              <a:rPr lang="de-DE" smtClean="0"/>
+              <a:rPr lang="de-DE"/>
               <a:t>Zweite Ebene</a:t>
             </a:r>
           </a:p>
           <a:p>
             <a:pPr lvl="2"/>
             <a:r>
-              <a:rPr lang="de-DE" smtClean="0"/>
+              <a:rPr lang="de-DE"/>
               <a:t>Dritte Ebene</a:t>
             </a:r>
           </a:p>
           <a:p>
             <a:pPr lvl="3"/>
             <a:r>
-              <a:rPr lang="de-DE" smtClean="0"/>
+              <a:rPr lang="de-DE"/>
               <a:t>Vierte Ebene</a:t>
             </a:r>
           </a:p>
           <a:p>
             <a:pPr lvl="4"/>
             <a:r>
-              <a:rPr lang="de-DE" smtClean="0"/>
+              <a:rPr lang="de-DE"/>
               <a:t>Fünfte Ebene</a:t>
             </a:r>
             <a:endParaRPr lang="en-US" dirty="0"/>
@@ -1188,35 +1188,35 @@
           <a:p>
             <a:pPr lvl="0"/>
             <a:r>
-              <a:rPr lang="de-DE" smtClean="0"/>
+              <a:rPr lang="de-DE"/>
               <a:t>Textmasterformat bearbeiten</a:t>
             </a:r>
           </a:p>
           <a:p>
             <a:pPr lvl="1"/>
             <a:r>
-              <a:rPr lang="de-DE" smtClean="0"/>
+              <a:rPr lang="de-DE"/>
               <a:t>Zweite Ebene</a:t>
             </a:r>
           </a:p>
           <a:p>
             <a:pPr lvl="2"/>
             <a:r>
-              <a:rPr lang="de-DE" smtClean="0"/>
+              <a:rPr lang="de-DE"/>
               <a:t>Dritte Ebene</a:t>
             </a:r>
           </a:p>
           <a:p>
             <a:pPr lvl="3"/>
             <a:r>
-              <a:rPr lang="de-DE" smtClean="0"/>
+              <a:rPr lang="de-DE"/>
               <a:t>Vierte Ebene</a:t>
             </a:r>
           </a:p>
           <a:p>
             <a:pPr lvl="4"/>
             <a:r>
-              <a:rPr lang="de-DE" smtClean="0"/>
+              <a:rPr lang="de-DE"/>
               <a:t>Fünfte Ebene</a:t>
             </a:r>
             <a:endParaRPr lang="en-US" dirty="0"/>
@@ -1240,7 +1240,7 @@
           <a:p>
             <a:fld id="{47194A9C-1375-4CE9-B20F-B0D332DBA49C}" type="datetimeFigureOut">
               <a:rPr lang="de-DE" smtClean="0"/>
-              <a:t>24.03.2020</a:t>
+              <a:t>17.11.2020</a:t>
             </a:fld>
             <a:endParaRPr lang="de-DE"/>
           </a:p>
@@ -1339,7 +1339,7 @@
           <a:lstStyle/>
           <a:p>
             <a:r>
-              <a:rPr lang="de-DE" smtClean="0"/>
+              <a:rPr lang="de-DE"/>
               <a:t>Titelmasterformat durch Klicken bearbeiten</a:t>
             </a:r>
             <a:endParaRPr lang="en-US" dirty="0"/>
@@ -1405,7 +1405,7 @@
           <a:p>
             <a:pPr lvl="0"/>
             <a:r>
-              <a:rPr lang="de-DE" smtClean="0"/>
+              <a:rPr lang="de-DE"/>
               <a:t>Textmasterformat bearbeiten</a:t>
             </a:r>
           </a:p>
@@ -1433,35 +1433,35 @@
           <a:p>
             <a:pPr lvl="0"/>
             <a:r>
-              <a:rPr lang="de-DE" smtClean="0"/>
+              <a:rPr lang="de-DE"/>
               <a:t>Textmasterformat bearbeiten</a:t>
             </a:r>
           </a:p>
           <a:p>
             <a:pPr lvl="1"/>
             <a:r>
-              <a:rPr lang="de-DE" smtClean="0"/>
+              <a:rPr lang="de-DE"/>
               <a:t>Zweite Ebene</a:t>
             </a:r>
           </a:p>
           <a:p>
             <a:pPr lvl="2"/>
             <a:r>
-              <a:rPr lang="de-DE" smtClean="0"/>
+              <a:rPr lang="de-DE"/>
               <a:t>Dritte Ebene</a:t>
             </a:r>
           </a:p>
           <a:p>
             <a:pPr lvl="3"/>
             <a:r>
-              <a:rPr lang="de-DE" smtClean="0"/>
+              <a:rPr lang="de-DE"/>
               <a:t>Vierte Ebene</a:t>
             </a:r>
           </a:p>
           <a:p>
             <a:pPr lvl="4"/>
             <a:r>
-              <a:rPr lang="de-DE" smtClean="0"/>
+              <a:rPr lang="de-DE"/>
               <a:t>Fünfte Ebene</a:t>
             </a:r>
             <a:endParaRPr lang="en-US" dirty="0"/>
@@ -1527,7 +1527,7 @@
           <a:p>
             <a:pPr lvl="0"/>
             <a:r>
-              <a:rPr lang="de-DE" smtClean="0"/>
+              <a:rPr lang="de-DE"/>
               <a:t>Textmasterformat bearbeiten</a:t>
             </a:r>
           </a:p>
@@ -1555,35 +1555,35 @@
           <a:p>
             <a:pPr lvl="0"/>
             <a:r>
-              <a:rPr lang="de-DE" smtClean="0"/>
+              <a:rPr lang="de-DE"/>
               <a:t>Textmasterformat bearbeiten</a:t>
             </a:r>
           </a:p>
           <a:p>
             <a:pPr lvl="1"/>
             <a:r>
-              <a:rPr lang="de-DE" smtClean="0"/>
+              <a:rPr lang="de-DE"/>
               <a:t>Zweite Ebene</a:t>
             </a:r>
           </a:p>
           <a:p>
             <a:pPr lvl="2"/>
             <a:r>
-              <a:rPr lang="de-DE" smtClean="0"/>
+              <a:rPr lang="de-DE"/>
               <a:t>Dritte Ebene</a:t>
             </a:r>
           </a:p>
           <a:p>
             <a:pPr lvl="3"/>
             <a:r>
-              <a:rPr lang="de-DE" smtClean="0"/>
+              <a:rPr lang="de-DE"/>
               <a:t>Vierte Ebene</a:t>
             </a:r>
           </a:p>
           <a:p>
             <a:pPr lvl="4"/>
             <a:r>
-              <a:rPr lang="de-DE" smtClean="0"/>
+              <a:rPr lang="de-DE"/>
               <a:t>Fünfte Ebene</a:t>
             </a:r>
             <a:endParaRPr lang="en-US" dirty="0"/>
@@ -1607,7 +1607,7 @@
           <a:p>
             <a:fld id="{47194A9C-1375-4CE9-B20F-B0D332DBA49C}" type="datetimeFigureOut">
               <a:rPr lang="de-DE" smtClean="0"/>
-              <a:t>24.03.2020</a:t>
+              <a:t>17.11.2020</a:t>
             </a:fld>
             <a:endParaRPr lang="de-DE"/>
           </a:p>
@@ -1701,7 +1701,7 @@
           <a:lstStyle/>
           <a:p>
             <a:r>
-              <a:rPr lang="de-DE" smtClean="0"/>
+              <a:rPr lang="de-DE"/>
               <a:t>Titelmasterformat durch Klicken bearbeiten</a:t>
             </a:r>
             <a:endParaRPr lang="en-US" dirty="0"/>
@@ -1725,7 +1725,7 @@
           <a:p>
             <a:fld id="{47194A9C-1375-4CE9-B20F-B0D332DBA49C}" type="datetimeFigureOut">
               <a:rPr lang="de-DE" smtClean="0"/>
-              <a:t>24.03.2020</a:t>
+              <a:t>17.11.2020</a:t>
             </a:fld>
             <a:endParaRPr lang="de-DE"/>
           </a:p>
@@ -1820,7 +1820,7 @@
           <a:p>
             <a:fld id="{47194A9C-1375-4CE9-B20F-B0D332DBA49C}" type="datetimeFigureOut">
               <a:rPr lang="de-DE" smtClean="0"/>
-              <a:t>24.03.2020</a:t>
+              <a:t>17.11.2020</a:t>
             </a:fld>
             <a:endParaRPr lang="de-DE"/>
           </a:p>
@@ -1923,7 +1923,7 @@
           </a:lstStyle>
           <a:p>
             <a:r>
-              <a:rPr lang="de-DE" smtClean="0"/>
+              <a:rPr lang="de-DE"/>
               <a:t>Titelmasterformat durch Klicken bearbeiten</a:t>
             </a:r>
             <a:endParaRPr lang="en-US" dirty="0"/>
@@ -1980,35 +1980,35 @@
           <a:p>
             <a:pPr lvl="0"/>
             <a:r>
-              <a:rPr lang="de-DE" smtClean="0"/>
+              <a:rPr lang="de-DE"/>
               <a:t>Textmasterformat bearbeiten</a:t>
             </a:r>
           </a:p>
           <a:p>
             <a:pPr lvl="1"/>
             <a:r>
-              <a:rPr lang="de-DE" smtClean="0"/>
+              <a:rPr lang="de-DE"/>
               <a:t>Zweite Ebene</a:t>
             </a:r>
           </a:p>
           <a:p>
             <a:pPr lvl="2"/>
             <a:r>
-              <a:rPr lang="de-DE" smtClean="0"/>
+              <a:rPr lang="de-DE"/>
               <a:t>Dritte Ebene</a:t>
             </a:r>
           </a:p>
           <a:p>
             <a:pPr lvl="3"/>
             <a:r>
-              <a:rPr lang="de-DE" smtClean="0"/>
+              <a:rPr lang="de-DE"/>
               <a:t>Vierte Ebene</a:t>
             </a:r>
           </a:p>
           <a:p>
             <a:pPr lvl="4"/>
             <a:r>
-              <a:rPr lang="de-DE" smtClean="0"/>
+              <a:rPr lang="de-DE"/>
               <a:t>Fünfte Ebene</a:t>
             </a:r>
             <a:endParaRPr lang="en-US" dirty="0"/>
@@ -2074,7 +2074,7 @@
           <a:p>
             <a:pPr lvl="0"/>
             <a:r>
-              <a:rPr lang="de-DE" smtClean="0"/>
+              <a:rPr lang="de-DE"/>
               <a:t>Textmasterformat bearbeiten</a:t>
             </a:r>
           </a:p>
@@ -2097,7 +2097,7 @@
           <a:p>
             <a:fld id="{47194A9C-1375-4CE9-B20F-B0D332DBA49C}" type="datetimeFigureOut">
               <a:rPr lang="de-DE" smtClean="0"/>
-              <a:t>24.03.2020</a:t>
+              <a:t>17.11.2020</a:t>
             </a:fld>
             <a:endParaRPr lang="de-DE"/>
           </a:p>
@@ -2200,7 +2200,7 @@
           </a:lstStyle>
           <a:p>
             <a:r>
-              <a:rPr lang="de-DE" smtClean="0"/>
+              <a:rPr lang="de-DE"/>
               <a:t>Titelmasterformat durch Klicken bearbeiten</a:t>
             </a:r>
             <a:endParaRPr lang="en-US" dirty="0"/>
@@ -2265,7 +2265,7 @@
           </a:lstStyle>
           <a:p>
             <a:r>
-              <a:rPr lang="de-DE" smtClean="0"/>
+              <a:rPr lang="de-DE"/>
               <a:t>Bild durch Klicken auf Symbol hinzufügen</a:t>
             </a:r>
             <a:endParaRPr lang="en-US" dirty="0"/>
@@ -2331,7 +2331,7 @@
           <a:p>
             <a:pPr lvl="0"/>
             <a:r>
-              <a:rPr lang="de-DE" smtClean="0"/>
+              <a:rPr lang="de-DE"/>
               <a:t>Textmasterformat bearbeiten</a:t>
             </a:r>
           </a:p>
@@ -2354,7 +2354,7 @@
           <a:p>
             <a:fld id="{47194A9C-1375-4CE9-B20F-B0D332DBA49C}" type="datetimeFigureOut">
               <a:rPr lang="de-DE" smtClean="0"/>
-              <a:t>24.03.2020</a:t>
+              <a:t>17.11.2020</a:t>
             </a:fld>
             <a:endParaRPr lang="de-DE"/>
           </a:p>
@@ -2463,7 +2463,7 @@
           <a:lstStyle/>
           <a:p>
             <a:r>
-              <a:rPr lang="de-DE" smtClean="0"/>
+              <a:rPr lang="de-DE"/>
               <a:t>Titelmasterformat durch Klicken bearbeiten</a:t>
             </a:r>
             <a:endParaRPr lang="en-US" dirty="0"/>
@@ -2497,35 +2497,35 @@
           <a:p>
             <a:pPr lvl="0"/>
             <a:r>
-              <a:rPr lang="de-DE" smtClean="0"/>
+              <a:rPr lang="de-DE"/>
               <a:t>Textmasterformat bearbeiten</a:t>
             </a:r>
           </a:p>
           <a:p>
             <a:pPr lvl="1"/>
             <a:r>
-              <a:rPr lang="de-DE" smtClean="0"/>
+              <a:rPr lang="de-DE"/>
               <a:t>Zweite Ebene</a:t>
             </a:r>
           </a:p>
           <a:p>
             <a:pPr lvl="2"/>
             <a:r>
-              <a:rPr lang="de-DE" smtClean="0"/>
+              <a:rPr lang="de-DE"/>
               <a:t>Dritte Ebene</a:t>
             </a:r>
           </a:p>
           <a:p>
             <a:pPr lvl="3"/>
             <a:r>
-              <a:rPr lang="de-DE" smtClean="0"/>
+              <a:rPr lang="de-DE"/>
               <a:t>Vierte Ebene</a:t>
             </a:r>
           </a:p>
           <a:p>
             <a:pPr lvl="4"/>
             <a:r>
-              <a:rPr lang="de-DE" smtClean="0"/>
+              <a:rPr lang="de-DE"/>
               <a:t>Fünfte Ebene</a:t>
             </a:r>
             <a:endParaRPr lang="en-US" dirty="0"/>
@@ -2567,7 +2567,7 @@
           <a:p>
             <a:fld id="{47194A9C-1375-4CE9-B20F-B0D332DBA49C}" type="datetimeFigureOut">
               <a:rPr lang="de-DE" smtClean="0"/>
-              <a:t>24.03.2020</a:t>
+              <a:t>17.11.2020</a:t>
             </a:fld>
             <a:endParaRPr lang="de-DE"/>
           </a:p>
@@ -3142,19 +3142,19 @@
           <a:lstStyle/>
           <a:p>
             <a:r>
-              <a:rPr lang="de-DE" sz="1200" dirty="0" smtClean="0"/>
+              <a:rPr lang="de-DE" sz="1200" dirty="0"/>
               <a:t>Read </a:t>
             </a:r>
             <a:r>
-              <a:rPr lang="de-DE" sz="1200" dirty="0" err="1" smtClean="0"/>
+              <a:rPr lang="de-DE" sz="1200" dirty="0" err="1"/>
               <a:t>scenario</a:t>
             </a:r>
             <a:r>
-              <a:rPr lang="de-DE" sz="1200" dirty="0" smtClean="0"/>
-              <a:t> </a:t>
-            </a:r>
-            <a:r>
-              <a:rPr lang="de-DE" sz="1200" dirty="0" err="1" smtClean="0"/>
+              <a:rPr lang="de-DE" sz="1200" dirty="0"/>
+              <a:t> </a:t>
+            </a:r>
+            <a:r>
+              <a:rPr lang="de-DE" sz="1200" dirty="0" err="1"/>
               <a:t>file</a:t>
             </a:r>
             <a:endParaRPr lang="de-DE" sz="1200" dirty="0"/>
@@ -3188,303 +3188,303 @@
           <a:lstStyle/>
           <a:p>
             <a:r>
-              <a:rPr lang="de-DE" sz="900" dirty="0" smtClean="0"/>
+              <a:rPr lang="de-DE" sz="900" dirty="0"/>
               <a:t>Scenario </a:t>
             </a:r>
             <a:r>
-              <a:rPr lang="de-DE" sz="900" dirty="0" err="1" smtClean="0"/>
+              <a:rPr lang="de-DE" sz="900" dirty="0" err="1"/>
               <a:t>number</a:t>
             </a:r>
-            <a:endParaRPr lang="de-DE" sz="900" dirty="0" smtClean="0"/>
-          </a:p>
-          <a:p>
-            <a:r>
-              <a:rPr lang="de-DE" sz="900" dirty="0" smtClean="0"/>
+            <a:endParaRPr lang="de-DE" sz="900" dirty="0"/>
+          </a:p>
+          <a:p>
+            <a:r>
+              <a:rPr lang="de-DE" sz="900" dirty="0"/>
               <a:t>Name FT </a:t>
             </a:r>
             <a:r>
-              <a:rPr lang="de-DE" sz="900" dirty="0" err="1" smtClean="0"/>
+              <a:rPr lang="de-DE" sz="900" dirty="0" err="1"/>
               <a:t>file</a:t>
             </a:r>
-            <a:endParaRPr lang="de-DE" sz="900" dirty="0" smtClean="0"/>
-          </a:p>
-          <a:p>
-            <a:r>
-              <a:rPr lang="de-DE" sz="900" dirty="0" smtClean="0"/>
+            <a:endParaRPr lang="de-DE" sz="900" dirty="0"/>
+          </a:p>
+          <a:p>
+            <a:r>
+              <a:rPr lang="de-DE" sz="900" dirty="0"/>
               <a:t>Name </a:t>
             </a:r>
             <a:r>
-              <a:rPr lang="de-DE" sz="900" dirty="0" err="1" smtClean="0"/>
+              <a:rPr lang="de-DE" sz="900" dirty="0" err="1"/>
               <a:t>Landscape</a:t>
             </a:r>
             <a:r>
-              <a:rPr lang="de-DE" sz="900" dirty="0" smtClean="0"/>
-              <a:t> </a:t>
-            </a:r>
-            <a:r>
-              <a:rPr lang="de-DE" sz="900" dirty="0" err="1" smtClean="0"/>
+              <a:rPr lang="de-DE" sz="900" dirty="0"/>
+              <a:t> </a:t>
+            </a:r>
+            <a:r>
+              <a:rPr lang="de-DE" sz="900" dirty="0" err="1"/>
               <a:t>patch</a:t>
             </a:r>
             <a:r>
-              <a:rPr lang="de-DE" sz="900" dirty="0" smtClean="0"/>
-              <a:t> </a:t>
-            </a:r>
-            <a:r>
-              <a:rPr lang="de-DE" sz="900" dirty="0" err="1" smtClean="0"/>
+              <a:rPr lang="de-DE" sz="900" dirty="0"/>
+              <a:t> </a:t>
+            </a:r>
+            <a:r>
+              <a:rPr lang="de-DE" sz="900" dirty="0" err="1"/>
               <a:t>file</a:t>
             </a:r>
-            <a:endParaRPr lang="de-DE" sz="900" dirty="0" smtClean="0"/>
-          </a:p>
-          <a:p>
-            <a:r>
-              <a:rPr lang="de-DE" sz="900" dirty="0" smtClean="0"/>
+            <a:endParaRPr lang="de-DE" sz="900" dirty="0"/>
+          </a:p>
+          <a:p>
+            <a:r>
+              <a:rPr lang="de-DE" sz="900" dirty="0"/>
               <a:t>Name </a:t>
             </a:r>
             <a:r>
-              <a:rPr lang="de-DE" sz="900" dirty="0" err="1" smtClean="0"/>
+              <a:rPr lang="de-DE" sz="900" dirty="0" err="1"/>
               <a:t>patch</a:t>
             </a:r>
             <a:r>
-              <a:rPr lang="de-DE" sz="900" dirty="0" smtClean="0"/>
-              <a:t> </a:t>
-            </a:r>
-            <a:r>
-              <a:rPr lang="de-DE" sz="900" dirty="0" err="1" smtClean="0"/>
+              <a:rPr lang="de-DE" sz="900" dirty="0"/>
+              <a:t> </a:t>
+            </a:r>
+            <a:r>
+              <a:rPr lang="de-DE" sz="900" dirty="0" err="1"/>
               <a:t>definition</a:t>
             </a:r>
             <a:r>
-              <a:rPr lang="de-DE" sz="900" dirty="0" smtClean="0"/>
-              <a:t> </a:t>
-            </a:r>
-            <a:r>
-              <a:rPr lang="de-DE" sz="900" dirty="0" err="1" smtClean="0"/>
+              <a:rPr lang="de-DE" sz="900" dirty="0"/>
+              <a:t> </a:t>
+            </a:r>
+            <a:r>
+              <a:rPr lang="de-DE" sz="900" dirty="0" err="1"/>
               <a:t>file</a:t>
             </a:r>
-            <a:endParaRPr lang="de-DE" sz="900" dirty="0" smtClean="0"/>
-          </a:p>
-          <a:p>
-            <a:r>
-              <a:rPr lang="de-DE" sz="900" dirty="0" smtClean="0"/>
+            <a:endParaRPr lang="de-DE" sz="900" dirty="0"/>
+          </a:p>
+          <a:p>
+            <a:r>
+              <a:rPr lang="de-DE" sz="900" dirty="0"/>
               <a:t>Name </a:t>
             </a:r>
             <a:r>
-              <a:rPr lang="de-DE" sz="900" dirty="0" err="1" smtClean="0"/>
+              <a:rPr lang="de-DE" sz="900" dirty="0" err="1"/>
               <a:t>nest</a:t>
             </a:r>
             <a:r>
-              <a:rPr lang="de-DE" sz="900" dirty="0" smtClean="0"/>
-              <a:t> </a:t>
-            </a:r>
-            <a:r>
-              <a:rPr lang="de-DE" sz="900" dirty="0" err="1" smtClean="0"/>
+              <a:rPr lang="de-DE" sz="900" dirty="0"/>
+              <a:t> </a:t>
+            </a:r>
+            <a:r>
+              <a:rPr lang="de-DE" sz="900" dirty="0" err="1"/>
               <a:t>suitability</a:t>
             </a:r>
             <a:r>
-              <a:rPr lang="de-DE" sz="900" dirty="0" smtClean="0"/>
-              <a:t> </a:t>
-            </a:r>
-            <a:r>
-              <a:rPr lang="de-DE" sz="900" dirty="0" err="1" smtClean="0"/>
+              <a:rPr lang="de-DE" sz="900" dirty="0"/>
+              <a:t> </a:t>
+            </a:r>
+            <a:r>
+              <a:rPr lang="de-DE" sz="900" dirty="0" err="1"/>
               <a:t>file</a:t>
             </a:r>
-            <a:endParaRPr lang="de-DE" sz="900" dirty="0" smtClean="0"/>
-          </a:p>
-          <a:p>
-            <a:r>
-              <a:rPr lang="de-DE" sz="900" dirty="0" smtClean="0"/>
+            <a:endParaRPr lang="de-DE" sz="900" dirty="0"/>
+          </a:p>
+          <a:p>
+            <a:r>
+              <a:rPr lang="de-DE" sz="900" dirty="0"/>
               <a:t>Name </a:t>
             </a:r>
             <a:r>
-              <a:rPr lang="de-DE" sz="900" dirty="0" err="1" smtClean="0"/>
+              <a:rPr lang="de-DE" sz="900" dirty="0" err="1"/>
               <a:t>forage</a:t>
             </a:r>
             <a:r>
-              <a:rPr lang="de-DE" sz="900" dirty="0" smtClean="0"/>
-              <a:t> </a:t>
-            </a:r>
-            <a:r>
-              <a:rPr lang="de-DE" sz="900" dirty="0" err="1" smtClean="0"/>
+              <a:rPr lang="de-DE" sz="900" dirty="0"/>
+              <a:t> </a:t>
+            </a:r>
+            <a:r>
+              <a:rPr lang="de-DE" sz="900" dirty="0" err="1"/>
               <a:t>suitability</a:t>
             </a:r>
             <a:r>
-              <a:rPr lang="de-DE" sz="900" dirty="0" smtClean="0"/>
-              <a:t> </a:t>
-            </a:r>
-            <a:r>
-              <a:rPr lang="de-DE" sz="900" dirty="0" err="1" smtClean="0"/>
+              <a:rPr lang="de-DE" sz="900" dirty="0"/>
+              <a:t> </a:t>
+            </a:r>
+            <a:r>
+              <a:rPr lang="de-DE" sz="900" dirty="0" err="1"/>
               <a:t>file</a:t>
             </a:r>
-            <a:endParaRPr lang="de-DE" sz="900" dirty="0" smtClean="0"/>
-          </a:p>
-          <a:p>
-            <a:r>
-              <a:rPr lang="de-DE" sz="900" dirty="0" err="1" smtClean="0"/>
+            <a:endParaRPr lang="de-DE" sz="900" dirty="0"/>
+          </a:p>
+          <a:p>
+            <a:r>
+              <a:rPr lang="de-DE" sz="900" dirty="0" err="1"/>
               <a:t>Number</a:t>
             </a:r>
             <a:r>
-              <a:rPr lang="de-DE" sz="900" dirty="0" smtClean="0"/>
-              <a:t> </a:t>
-            </a:r>
-            <a:r>
-              <a:rPr lang="de-DE" sz="900" dirty="0" err="1" smtClean="0"/>
+              <a:rPr lang="de-DE" sz="900" dirty="0"/>
+              <a:t> </a:t>
+            </a:r>
+            <a:r>
+              <a:rPr lang="de-DE" sz="900" dirty="0" err="1"/>
               <a:t>of</a:t>
             </a:r>
             <a:r>
-              <a:rPr lang="de-DE" sz="900" dirty="0" smtClean="0"/>
-              <a:t> </a:t>
-            </a:r>
-            <a:r>
-              <a:rPr lang="de-DE" sz="900" dirty="0" err="1" smtClean="0"/>
+              <a:rPr lang="de-DE" sz="900" dirty="0"/>
+              <a:t> </a:t>
+            </a:r>
+            <a:r>
+              <a:rPr lang="de-DE" sz="900" dirty="0" err="1"/>
               <a:t>repetitions</a:t>
             </a:r>
-            <a:endParaRPr lang="de-DE" sz="900" dirty="0" smtClean="0"/>
-          </a:p>
-          <a:p>
-            <a:r>
-              <a:rPr lang="de-DE" sz="900" dirty="0" err="1" smtClean="0"/>
+            <a:endParaRPr lang="de-DE" sz="900" dirty="0"/>
+          </a:p>
+          <a:p>
+            <a:r>
+              <a:rPr lang="de-DE" sz="900" dirty="0" err="1"/>
               <a:t>Number</a:t>
             </a:r>
             <a:r>
-              <a:rPr lang="de-DE" sz="900" dirty="0" smtClean="0"/>
-              <a:t> </a:t>
-            </a:r>
-            <a:r>
-              <a:rPr lang="de-DE" sz="900" dirty="0" err="1" smtClean="0"/>
+              <a:rPr lang="de-DE" sz="900" dirty="0"/>
+              <a:t> </a:t>
+            </a:r>
+            <a:r>
+              <a:rPr lang="de-DE" sz="900" dirty="0" err="1"/>
               <a:t>of</a:t>
             </a:r>
             <a:r>
-              <a:rPr lang="de-DE" sz="900" dirty="0" smtClean="0"/>
-              <a:t> </a:t>
-            </a:r>
-            <a:r>
-              <a:rPr lang="de-DE" sz="900" dirty="0" err="1" smtClean="0"/>
+              <a:rPr lang="de-DE" sz="900" dirty="0"/>
+              <a:t> </a:t>
+            </a:r>
+            <a:r>
+              <a:rPr lang="de-DE" sz="900" dirty="0" err="1"/>
               <a:t>years</a:t>
             </a:r>
-            <a:endParaRPr lang="de-DE" sz="900" dirty="0" smtClean="0"/>
-          </a:p>
-          <a:p>
-            <a:r>
-              <a:rPr lang="de-DE" sz="900" dirty="0" err="1" smtClean="0"/>
+            <a:endParaRPr lang="de-DE" sz="900" dirty="0"/>
+          </a:p>
+          <a:p>
+            <a:r>
+              <a:rPr lang="de-DE" sz="900" dirty="0" err="1"/>
               <a:t>Number</a:t>
             </a:r>
             <a:r>
-              <a:rPr lang="de-DE" sz="900" dirty="0" smtClean="0"/>
-              <a:t> </a:t>
-            </a:r>
-            <a:r>
-              <a:rPr lang="de-DE" sz="900" dirty="0" err="1" smtClean="0"/>
+              <a:rPr lang="de-DE" sz="900" dirty="0"/>
+              <a:t> </a:t>
+            </a:r>
+            <a:r>
+              <a:rPr lang="de-DE" sz="900" dirty="0" err="1"/>
               <a:t>of</a:t>
             </a:r>
             <a:r>
-              <a:rPr lang="de-DE" sz="900" dirty="0" smtClean="0"/>
+              <a:rPr lang="de-DE" sz="900" dirty="0"/>
               <a:t> x-</a:t>
             </a:r>
             <a:r>
-              <a:rPr lang="de-DE" sz="900" dirty="0" err="1" smtClean="0"/>
+              <a:rPr lang="de-DE" sz="900" dirty="0" err="1"/>
               <a:t>cells</a:t>
             </a:r>
-            <a:endParaRPr lang="de-DE" sz="900" dirty="0" smtClean="0"/>
-          </a:p>
-          <a:p>
-            <a:r>
-              <a:rPr lang="de-DE" sz="900" dirty="0" err="1" smtClean="0"/>
+            <a:endParaRPr lang="de-DE" sz="900" dirty="0"/>
+          </a:p>
+          <a:p>
+            <a:r>
+              <a:rPr lang="de-DE" sz="900" dirty="0" err="1"/>
               <a:t>Number</a:t>
             </a:r>
             <a:r>
-              <a:rPr lang="de-DE" sz="900" dirty="0" smtClean="0"/>
-              <a:t> </a:t>
-            </a:r>
-            <a:r>
-              <a:rPr lang="de-DE" sz="900" dirty="0" err="1" smtClean="0"/>
+              <a:rPr lang="de-DE" sz="900" dirty="0"/>
+              <a:t> </a:t>
+            </a:r>
+            <a:r>
+              <a:rPr lang="de-DE" sz="900" dirty="0" err="1"/>
               <a:t>of</a:t>
             </a:r>
             <a:r>
-              <a:rPr lang="de-DE" sz="900" dirty="0" smtClean="0"/>
+              <a:rPr lang="de-DE" sz="900" dirty="0"/>
               <a:t> y-</a:t>
             </a:r>
             <a:r>
-              <a:rPr lang="de-DE" sz="900" dirty="0" err="1" smtClean="0"/>
+              <a:rPr lang="de-DE" sz="900" dirty="0" err="1"/>
               <a:t>cells</a:t>
             </a:r>
-            <a:endParaRPr lang="de-DE" sz="900" dirty="0" smtClean="0"/>
-          </a:p>
-          <a:p>
-            <a:r>
-              <a:rPr lang="de-DE" sz="900" dirty="0" err="1" smtClean="0"/>
+            <a:endParaRPr lang="de-DE" sz="900" dirty="0"/>
+          </a:p>
+          <a:p>
+            <a:r>
+              <a:rPr lang="de-DE" sz="900" dirty="0" err="1"/>
               <a:t>Number</a:t>
             </a:r>
             <a:r>
-              <a:rPr lang="de-DE" sz="900" dirty="0" smtClean="0"/>
-              <a:t> </a:t>
-            </a:r>
-            <a:r>
-              <a:rPr lang="de-DE" sz="900" dirty="0" err="1" smtClean="0"/>
+              <a:rPr lang="de-DE" sz="900" dirty="0"/>
+              <a:t> </a:t>
+            </a:r>
+            <a:r>
+              <a:rPr lang="de-DE" sz="900" dirty="0" err="1"/>
               <a:t>of</a:t>
             </a:r>
             <a:r>
-              <a:rPr lang="de-DE" sz="900" dirty="0" smtClean="0"/>
-              <a:t> </a:t>
-            </a:r>
-            <a:r>
-              <a:rPr lang="de-DE" sz="900" dirty="0" err="1" smtClean="0"/>
+              <a:rPr lang="de-DE" sz="900" dirty="0"/>
+              <a:t> </a:t>
+            </a:r>
+            <a:r>
+              <a:rPr lang="de-DE" sz="900" dirty="0" err="1"/>
               <a:t>land</a:t>
             </a:r>
             <a:r>
-              <a:rPr lang="de-DE" sz="900" dirty="0" smtClean="0"/>
-              <a:t> </a:t>
-            </a:r>
-            <a:r>
-              <a:rPr lang="de-DE" sz="900" dirty="0" err="1" smtClean="0"/>
+              <a:rPr lang="de-DE" sz="900" dirty="0"/>
+              <a:t> </a:t>
+            </a:r>
+            <a:r>
+              <a:rPr lang="de-DE" sz="900" dirty="0" err="1"/>
               <a:t>use</a:t>
             </a:r>
             <a:r>
-              <a:rPr lang="de-DE" sz="900" dirty="0" smtClean="0"/>
-              <a:t> </a:t>
-            </a:r>
-            <a:r>
-              <a:rPr lang="de-DE" sz="900" dirty="0" err="1" smtClean="0"/>
+              <a:rPr lang="de-DE" sz="900" dirty="0"/>
+              <a:t> </a:t>
+            </a:r>
+            <a:r>
+              <a:rPr lang="de-DE" sz="900" dirty="0" err="1"/>
               <a:t>classes</a:t>
             </a:r>
-            <a:endParaRPr lang="de-DE" sz="900" dirty="0" smtClean="0"/>
-          </a:p>
-          <a:p>
-            <a:r>
-              <a:rPr lang="de-DE" sz="900" dirty="0" smtClean="0"/>
+            <a:endParaRPr lang="de-DE" sz="900" dirty="0"/>
+          </a:p>
+          <a:p>
+            <a:r>
+              <a:rPr lang="de-DE" sz="900" dirty="0"/>
               <a:t>Transition </a:t>
             </a:r>
             <a:r>
-              <a:rPr lang="de-DE" sz="900" dirty="0" err="1" smtClean="0"/>
+              <a:rPr lang="de-DE" sz="900" dirty="0" err="1"/>
               <a:t>zone</a:t>
             </a:r>
             <a:r>
-              <a:rPr lang="de-DE" sz="900" dirty="0" smtClean="0"/>
-              <a:t> </a:t>
-            </a:r>
-            <a:r>
-              <a:rPr lang="de-DE" sz="900" dirty="0" err="1" smtClean="0"/>
+              <a:rPr lang="de-DE" sz="900" dirty="0"/>
+              <a:t> </a:t>
+            </a:r>
+            <a:r>
+              <a:rPr lang="de-DE" sz="900" dirty="0" err="1"/>
               <a:t>width</a:t>
             </a:r>
-            <a:endParaRPr lang="de-DE" sz="900" dirty="0" smtClean="0"/>
-          </a:p>
-          <a:p>
-            <a:r>
-              <a:rPr lang="de-DE" sz="900" dirty="0" err="1" smtClean="0"/>
+            <a:endParaRPr lang="de-DE" sz="900" dirty="0"/>
+          </a:p>
+          <a:p>
+            <a:r>
+              <a:rPr lang="de-DE" sz="900" dirty="0" err="1"/>
               <a:t>Probability</a:t>
             </a:r>
             <a:r>
-              <a:rPr lang="de-DE" sz="900" dirty="0" smtClean="0"/>
-              <a:t> </a:t>
-            </a:r>
-            <a:r>
-              <a:rPr lang="de-DE" sz="900" dirty="0" err="1" smtClean="0"/>
+              <a:rPr lang="de-DE" sz="900" dirty="0"/>
+              <a:t> </a:t>
+            </a:r>
+            <a:r>
+              <a:rPr lang="de-DE" sz="900" dirty="0" err="1"/>
               <a:t>of</a:t>
             </a:r>
             <a:r>
-              <a:rPr lang="de-DE" sz="900" dirty="0" smtClean="0"/>
-              <a:t> </a:t>
-            </a:r>
-            <a:r>
-              <a:rPr lang="de-DE" sz="900" dirty="0" err="1" smtClean="0"/>
+              <a:rPr lang="de-DE" sz="900" dirty="0"/>
+              <a:t> </a:t>
+            </a:r>
+            <a:r>
+              <a:rPr lang="de-DE" sz="900" dirty="0" err="1"/>
               <a:t>disturbances</a:t>
             </a:r>
             <a:endParaRPr lang="de-DE" sz="900" dirty="0"/>
@@ -3532,14 +3532,14 @@
           <a:lstStyle/>
           <a:p>
             <a:r>
-              <a:rPr lang="de-DE" sz="1200" dirty="0" smtClean="0"/>
+              <a:rPr lang="de-DE" sz="1200" dirty="0"/>
               <a:t>Initialize </a:t>
             </a:r>
             <a:r>
-              <a:rPr lang="de-DE" sz="1200" dirty="0" err="1" smtClean="0"/>
+              <a:rPr lang="de-DE" sz="1200" dirty="0" err="1"/>
               <a:t>landscape</a:t>
             </a:r>
-            <a:endParaRPr lang="de-DE" sz="1200" dirty="0" smtClean="0"/>
+            <a:endParaRPr lang="de-DE" sz="1200" dirty="0"/>
           </a:p>
         </p:txBody>
       </p:sp>
@@ -3584,10 +3584,9 @@
           <a:lstStyle/>
           <a:p>
             <a:r>
-              <a:rPr lang="de-DE" sz="1200" dirty="0" smtClean="0"/>
+              <a:rPr lang="de-DE" sz="1200" dirty="0"/>
               <a:t>Initialize FTs</a:t>
             </a:r>
-            <a:endParaRPr lang="de-DE" sz="1200" dirty="0"/>
           </a:p>
         </p:txBody>
       </p:sp>
@@ -3632,11 +3631,11 @@
           <a:lstStyle/>
           <a:p>
             <a:r>
-              <a:rPr lang="de-DE" sz="1200" dirty="0" smtClean="0"/>
+              <a:rPr lang="de-DE" sz="1200" dirty="0"/>
               <a:t>Initialize </a:t>
             </a:r>
             <a:r>
-              <a:rPr lang="de-DE" sz="1200" dirty="0" err="1" smtClean="0"/>
+              <a:rPr lang="de-DE" sz="1200" dirty="0" err="1"/>
               <a:t>scenario</a:t>
             </a:r>
             <a:endParaRPr lang="de-DE" sz="1200" dirty="0"/>
@@ -3687,61 +3686,61 @@
           <a:lstStyle/>
           <a:p>
             <a:r>
-              <a:rPr lang="de-DE" sz="1200" dirty="0" smtClean="0"/>
+              <a:rPr lang="de-DE" sz="1200" dirty="0"/>
               <a:t>Read </a:t>
             </a:r>
             <a:r>
-              <a:rPr lang="de-DE" sz="1200" dirty="0" err="1" smtClean="0"/>
+              <a:rPr lang="de-DE" sz="1200" dirty="0" err="1"/>
               <a:t>patch</a:t>
             </a:r>
             <a:r>
-              <a:rPr lang="de-DE" sz="1200" dirty="0" smtClean="0"/>
-              <a:t> </a:t>
-            </a:r>
-            <a:r>
-              <a:rPr lang="de-DE" sz="1200" dirty="0" err="1" smtClean="0"/>
+              <a:rPr lang="de-DE" sz="1200" dirty="0"/>
+              <a:t> </a:t>
+            </a:r>
+            <a:r>
+              <a:rPr lang="de-DE" sz="1200" dirty="0" err="1"/>
               <a:t>definition</a:t>
             </a:r>
-            <a:endParaRPr lang="de-DE" sz="1200" dirty="0" smtClean="0"/>
-          </a:p>
-          <a:p>
-            <a:r>
-              <a:rPr lang="de-DE" sz="1200" dirty="0" smtClean="0"/>
+            <a:endParaRPr lang="de-DE" sz="1200" dirty="0"/>
+          </a:p>
+          <a:p>
+            <a:r>
+              <a:rPr lang="de-DE" sz="1200" dirty="0"/>
               <a:t>Read </a:t>
             </a:r>
             <a:r>
-              <a:rPr lang="de-DE" sz="1200" dirty="0" err="1" smtClean="0"/>
+              <a:rPr lang="de-DE" sz="1200" dirty="0" err="1"/>
               <a:t>landscape</a:t>
             </a:r>
-            <a:endParaRPr lang="de-DE" sz="1200" dirty="0" smtClean="0"/>
-          </a:p>
-          <a:p>
-            <a:r>
-              <a:rPr lang="de-DE" sz="1200" dirty="0" err="1" smtClean="0"/>
+            <a:endParaRPr lang="de-DE" sz="1200" dirty="0"/>
+          </a:p>
+          <a:p>
+            <a:r>
+              <a:rPr lang="de-DE" sz="1200" dirty="0" err="1"/>
               <a:t>Define</a:t>
             </a:r>
             <a:r>
-              <a:rPr lang="de-DE" sz="1200" dirty="0" smtClean="0"/>
-              <a:t> </a:t>
-            </a:r>
-            <a:r>
-              <a:rPr lang="de-DE" sz="1200" dirty="0" err="1" smtClean="0"/>
+              <a:rPr lang="de-DE" sz="1200" dirty="0"/>
+              <a:t> </a:t>
+            </a:r>
+            <a:r>
+              <a:rPr lang="de-DE" sz="1200" dirty="0" err="1"/>
               <a:t>transition</a:t>
             </a:r>
             <a:r>
-              <a:rPr lang="de-DE" sz="1200" dirty="0" smtClean="0"/>
-              <a:t> </a:t>
-            </a:r>
-            <a:r>
-              <a:rPr lang="de-DE" sz="1200" dirty="0" err="1" smtClean="0"/>
+              <a:rPr lang="de-DE" sz="1200" dirty="0"/>
+              <a:t> </a:t>
+            </a:r>
+            <a:r>
+              <a:rPr lang="de-DE" sz="1200" dirty="0" err="1"/>
               <a:t>zone</a:t>
             </a:r>
             <a:r>
-              <a:rPr lang="de-DE" sz="1200" dirty="0" smtClean="0"/>
-              <a:t> </a:t>
-            </a:r>
-            <a:r>
-              <a:rPr lang="de-DE" sz="1200" dirty="0" err="1" smtClean="0"/>
+              <a:rPr lang="de-DE" sz="1200" dirty="0"/>
+              <a:t> </a:t>
+            </a:r>
+            <a:r>
+              <a:rPr lang="de-DE" sz="1200" dirty="0" err="1"/>
               <a:t>cells</a:t>
             </a:r>
             <a:endParaRPr lang="de-DE" sz="1200" dirty="0"/>
@@ -3775,127 +3774,127 @@
           <a:lstStyle/>
           <a:p>
             <a:r>
-              <a:rPr lang="de-DE" sz="900" dirty="0" err="1" smtClean="0"/>
+              <a:rPr lang="de-DE" sz="900" dirty="0" err="1"/>
               <a:t>For</a:t>
             </a:r>
             <a:r>
-              <a:rPr lang="de-DE" sz="900" dirty="0" smtClean="0"/>
-              <a:t> </a:t>
-            </a:r>
-            <a:r>
-              <a:rPr lang="de-DE" sz="900" dirty="0" err="1" smtClean="0"/>
+              <a:rPr lang="de-DE" sz="900" dirty="0"/>
+              <a:t> </a:t>
+            </a:r>
+            <a:r>
+              <a:rPr lang="de-DE" sz="900" dirty="0" err="1"/>
               <a:t>arable</a:t>
             </a:r>
             <a:r>
-              <a:rPr lang="de-DE" sz="900" dirty="0" smtClean="0"/>
-              <a:t> </a:t>
-            </a:r>
-            <a:r>
-              <a:rPr lang="de-DE" sz="900" dirty="0" err="1" smtClean="0"/>
+              <a:rPr lang="de-DE" sz="900" dirty="0"/>
+              <a:t> </a:t>
+            </a:r>
+            <a:r>
+              <a:rPr lang="de-DE" sz="900" dirty="0" err="1"/>
               <a:t>cells</a:t>
             </a:r>
             <a:r>
-              <a:rPr lang="de-DE" sz="900" dirty="0" smtClean="0"/>
+              <a:rPr lang="de-DE" sz="900" dirty="0"/>
               <a:t>: </a:t>
             </a:r>
             <a:r>
-              <a:rPr lang="de-DE" sz="900" dirty="0" err="1" smtClean="0"/>
+              <a:rPr lang="de-DE" sz="900" dirty="0" err="1"/>
               <a:t>if</a:t>
             </a:r>
             <a:r>
-              <a:rPr lang="de-DE" sz="900" dirty="0" smtClean="0"/>
-              <a:t> </a:t>
-            </a:r>
-            <a:r>
-              <a:rPr lang="de-DE" sz="900" dirty="0" err="1" smtClean="0"/>
+              <a:rPr lang="de-DE" sz="900" dirty="0"/>
+              <a:t> </a:t>
+            </a:r>
+            <a:r>
+              <a:rPr lang="de-DE" sz="900" dirty="0" err="1"/>
               <a:t>neighbouring</a:t>
             </a:r>
             <a:r>
-              <a:rPr lang="de-DE" sz="900" dirty="0" smtClean="0"/>
-              <a:t> </a:t>
-            </a:r>
-            <a:r>
-              <a:rPr lang="de-DE" sz="900" dirty="0" err="1" smtClean="0"/>
+              <a:rPr lang="de-DE" sz="900" dirty="0"/>
+              <a:t> </a:t>
+            </a:r>
+            <a:r>
+              <a:rPr lang="de-DE" sz="900" dirty="0" err="1"/>
               <a:t>cells</a:t>
             </a:r>
             <a:r>
-              <a:rPr lang="de-DE" sz="900" dirty="0" smtClean="0"/>
-              <a:t> </a:t>
-            </a:r>
-            <a:r>
-              <a:rPr lang="de-DE" sz="900" dirty="0" err="1" smtClean="0"/>
+              <a:rPr lang="de-DE" sz="900" dirty="0"/>
+              <a:t> </a:t>
+            </a:r>
+            <a:r>
+              <a:rPr lang="de-DE" sz="900" dirty="0" err="1"/>
               <a:t>within</a:t>
             </a:r>
             <a:r>
-              <a:rPr lang="de-DE" sz="900" dirty="0" smtClean="0"/>
+              <a:rPr lang="de-DE" sz="900" dirty="0"/>
               <a:t> +-TZ </a:t>
             </a:r>
             <a:r>
-              <a:rPr lang="de-DE" sz="900" dirty="0" err="1" smtClean="0"/>
+              <a:rPr lang="de-DE" sz="900" dirty="0" err="1"/>
               <a:t>width</a:t>
             </a:r>
             <a:r>
-              <a:rPr lang="de-DE" sz="900" dirty="0" smtClean="0"/>
-              <a:t> </a:t>
-            </a:r>
-            <a:r>
-              <a:rPr lang="de-DE" sz="900" dirty="0" err="1" smtClean="0"/>
+              <a:rPr lang="de-DE" sz="900" dirty="0"/>
+              <a:t> </a:t>
+            </a:r>
+            <a:r>
+              <a:rPr lang="de-DE" sz="900" dirty="0" err="1"/>
               <a:t>and</a:t>
             </a:r>
             <a:r>
-              <a:rPr lang="de-DE" sz="900" dirty="0" smtClean="0"/>
-              <a:t> </a:t>
-            </a:r>
-            <a:r>
-              <a:rPr lang="de-DE" sz="900" dirty="0" err="1" smtClean="0"/>
+              <a:rPr lang="de-DE" sz="900" dirty="0"/>
+              <a:t> </a:t>
+            </a:r>
+            <a:r>
+              <a:rPr lang="de-DE" sz="900" dirty="0" err="1"/>
               <a:t>lu</a:t>
             </a:r>
             <a:r>
-              <a:rPr lang="de-DE" sz="900" dirty="0" smtClean="0"/>
-              <a:t> </a:t>
-            </a:r>
-            <a:r>
-              <a:rPr lang="de-DE" sz="900" dirty="0" err="1" smtClean="0"/>
+              <a:rPr lang="de-DE" sz="900" dirty="0"/>
+              <a:t> </a:t>
+            </a:r>
+            <a:r>
+              <a:rPr lang="de-DE" sz="900" dirty="0" err="1"/>
               <a:t>class</a:t>
             </a:r>
             <a:r>
-              <a:rPr lang="de-DE" sz="900" dirty="0" smtClean="0"/>
-              <a:t> </a:t>
-            </a:r>
-            <a:r>
-              <a:rPr lang="de-DE" sz="900" dirty="0" err="1" smtClean="0"/>
+              <a:rPr lang="de-DE" sz="900" dirty="0"/>
+              <a:t> </a:t>
+            </a:r>
+            <a:r>
+              <a:rPr lang="de-DE" sz="900" dirty="0" err="1"/>
               <a:t>either</a:t>
             </a:r>
             <a:r>
-              <a:rPr lang="de-DE" sz="900" dirty="0" smtClean="0"/>
-              <a:t> </a:t>
-            </a:r>
-            <a:r>
-              <a:rPr lang="de-DE" sz="900" dirty="0" err="1" smtClean="0"/>
+              <a:rPr lang="de-DE" sz="900" dirty="0"/>
+              <a:t> </a:t>
+            </a:r>
+            <a:r>
+              <a:rPr lang="de-DE" sz="900" dirty="0" err="1"/>
               <a:t>forest</a:t>
             </a:r>
             <a:r>
-              <a:rPr lang="de-DE" sz="900" dirty="0" smtClean="0"/>
-              <a:t> </a:t>
-            </a:r>
-            <a:r>
-              <a:rPr lang="de-DE" sz="900" dirty="0" err="1" smtClean="0"/>
+              <a:rPr lang="de-DE" sz="900" dirty="0"/>
+              <a:t> </a:t>
+            </a:r>
+            <a:r>
+              <a:rPr lang="de-DE" sz="900" dirty="0" err="1"/>
               <a:t>or</a:t>
             </a:r>
             <a:r>
-              <a:rPr lang="de-DE" sz="900" dirty="0" smtClean="0"/>
-              <a:t> </a:t>
-            </a:r>
-            <a:r>
-              <a:rPr lang="de-DE" sz="900" dirty="0" err="1" smtClean="0"/>
+              <a:rPr lang="de-DE" sz="900" dirty="0"/>
+              <a:t> </a:t>
+            </a:r>
+            <a:r>
+              <a:rPr lang="de-DE" sz="900" dirty="0" err="1"/>
               <a:t>grassland</a:t>
             </a:r>
             <a:r>
-              <a:rPr lang="de-DE" sz="900" dirty="0" smtClean="0"/>
-              <a:t> </a:t>
-            </a:r>
-            <a:r>
-              <a:rPr lang="de-DE" sz="900" dirty="0" err="1" smtClean="0"/>
+              <a:rPr lang="de-DE" sz="900" dirty="0"/>
+              <a:t> </a:t>
+            </a:r>
+            <a:r>
+              <a:rPr lang="de-DE" sz="900" dirty="0" err="1"/>
               <a:t>are</a:t>
             </a:r>
             <a:r>
@@ -3903,22 +3902,21 @@
               <a:t> </a:t>
             </a:r>
             <a:r>
-              <a:rPr lang="de-DE" sz="900" dirty="0" err="1" smtClean="0"/>
+              <a:rPr lang="de-DE" sz="900" dirty="0" err="1"/>
               <a:t>marked</a:t>
             </a:r>
             <a:r>
-              <a:rPr lang="de-DE" sz="900" dirty="0" smtClean="0"/>
-              <a:t> </a:t>
-            </a:r>
-            <a:r>
-              <a:rPr lang="de-DE" sz="900" dirty="0" err="1" smtClean="0"/>
+              <a:rPr lang="de-DE" sz="900" dirty="0"/>
+              <a:t> </a:t>
+            </a:r>
+            <a:r>
+              <a:rPr lang="de-DE" sz="900" dirty="0" err="1"/>
               <a:t>as</a:t>
             </a:r>
             <a:r>
-              <a:rPr lang="de-DE" sz="900" dirty="0" smtClean="0"/>
+              <a:rPr lang="de-DE" sz="900" dirty="0"/>
               <a:t> TZ</a:t>
             </a:r>
-            <a:endParaRPr lang="de-DE" sz="900" dirty="0"/>
           </a:p>
         </p:txBody>
       </p:sp>
@@ -3966,49 +3964,49 @@
           <a:lstStyle/>
           <a:p>
             <a:r>
-              <a:rPr lang="de-DE" sz="1200" dirty="0" smtClean="0"/>
+              <a:rPr lang="de-DE" sz="1200" dirty="0"/>
               <a:t>Read FT </a:t>
             </a:r>
             <a:r>
-              <a:rPr lang="de-DE" sz="1200" dirty="0" err="1" smtClean="0"/>
+              <a:rPr lang="de-DE" sz="1200" dirty="0" err="1"/>
               <a:t>definition</a:t>
             </a:r>
-            <a:endParaRPr lang="de-DE" sz="1200" dirty="0" smtClean="0"/>
-          </a:p>
-          <a:p>
-            <a:r>
-              <a:rPr lang="de-DE" sz="1200" dirty="0" smtClean="0"/>
+            <a:endParaRPr lang="de-DE" sz="1200" dirty="0"/>
+          </a:p>
+          <a:p>
+            <a:r>
+              <a:rPr lang="de-DE" sz="1200" dirty="0"/>
               <a:t>Read </a:t>
             </a:r>
             <a:r>
-              <a:rPr lang="de-DE" sz="1200" dirty="0" err="1" smtClean="0"/>
+              <a:rPr lang="de-DE" sz="1200" dirty="0" err="1"/>
               <a:t>nest</a:t>
             </a:r>
             <a:r>
-              <a:rPr lang="de-DE" sz="1200" dirty="0" smtClean="0"/>
-              <a:t> </a:t>
-            </a:r>
-            <a:r>
-              <a:rPr lang="de-DE" sz="1200" dirty="0" err="1" smtClean="0"/>
+              <a:rPr lang="de-DE" sz="1200" dirty="0"/>
+              <a:t> </a:t>
+            </a:r>
+            <a:r>
+              <a:rPr lang="de-DE" sz="1200" dirty="0" err="1"/>
               <a:t>suitability</a:t>
             </a:r>
-            <a:endParaRPr lang="de-DE" sz="1200" dirty="0" smtClean="0"/>
-          </a:p>
-          <a:p>
-            <a:r>
-              <a:rPr lang="de-DE" sz="1200" dirty="0" smtClean="0"/>
+            <a:endParaRPr lang="de-DE" sz="1200" dirty="0"/>
+          </a:p>
+          <a:p>
+            <a:r>
+              <a:rPr lang="de-DE" sz="1200" dirty="0"/>
               <a:t>Read </a:t>
             </a:r>
             <a:r>
-              <a:rPr lang="de-DE" sz="1200" dirty="0" err="1" smtClean="0"/>
+              <a:rPr lang="de-DE" sz="1200" dirty="0" err="1"/>
               <a:t>forage</a:t>
             </a:r>
             <a:r>
-              <a:rPr lang="de-DE" sz="1200" dirty="0" smtClean="0"/>
-              <a:t> </a:t>
-            </a:r>
-            <a:r>
-              <a:rPr lang="de-DE" sz="1200" dirty="0" err="1" smtClean="0"/>
+              <a:rPr lang="de-DE" sz="1200" dirty="0"/>
+              <a:t> </a:t>
+            </a:r>
+            <a:r>
+              <a:rPr lang="de-DE" sz="1200" dirty="0" err="1"/>
               <a:t>suitability</a:t>
             </a:r>
             <a:endParaRPr lang="de-DE" sz="1200" dirty="0"/>
@@ -4051,11 +4049,11 @@
           <a:lstStyle/>
           <a:p>
             <a:r>
-              <a:rPr lang="de-DE" sz="1200" dirty="0" smtClean="0"/>
+              <a:rPr lang="de-DE" sz="1200" dirty="0"/>
               <a:t>Initialize </a:t>
             </a:r>
             <a:r>
-              <a:rPr lang="de-DE" sz="1200" dirty="0" err="1" smtClean="0"/>
+              <a:rPr lang="de-DE" sz="1200" dirty="0" err="1"/>
               <a:t>populations</a:t>
             </a:r>
             <a:endParaRPr lang="de-DE" sz="1200" dirty="0"/>
@@ -4103,7 +4101,7 @@
           <a:lstStyle/>
           <a:p>
             <a:r>
-              <a:rPr lang="de-DE" sz="900" dirty="0" smtClean="0">
+              <a:rPr lang="de-DE" sz="900" dirty="0">
                 <a:solidFill>
                   <a:schemeClr val="tx1"/>
                 </a:solidFill>
@@ -4111,7 +4109,7 @@
               <a:t>1000 </a:t>
             </a:r>
             <a:r>
-              <a:rPr lang="de-DE" sz="900" dirty="0" err="1" smtClean="0">
+              <a:rPr lang="de-DE" sz="900" dirty="0" err="1">
                 <a:solidFill>
                   <a:schemeClr val="tx1"/>
                 </a:solidFill>
@@ -4119,7 +4117,7 @@
               <a:t>populations</a:t>
             </a:r>
             <a:r>
-              <a:rPr lang="de-DE" sz="900" dirty="0" smtClean="0">
+              <a:rPr lang="de-DE" sz="900" dirty="0">
                 <a:solidFill>
                   <a:schemeClr val="tx1"/>
                 </a:solidFill>
@@ -4127,7 +4125,7 @@
               <a:t>/FT </a:t>
             </a:r>
             <a:r>
-              <a:rPr lang="de-DE" sz="900" dirty="0" err="1" smtClean="0">
+              <a:rPr lang="de-DE" sz="900" dirty="0" err="1">
                 <a:solidFill>
                   <a:schemeClr val="tx1"/>
                 </a:solidFill>
@@ -4135,15 +4133,15 @@
               <a:t>with</a:t>
             </a:r>
             <a:r>
-              <a:rPr lang="de-DE" sz="900" dirty="0" smtClean="0">
-                <a:solidFill>
-                  <a:schemeClr val="tx1"/>
-                </a:solidFill>
-              </a:rPr>
-              <a:t> </a:t>
-            </a:r>
-            <a:r>
-              <a:rPr lang="de-DE" sz="900" dirty="0" err="1" smtClean="0">
+              <a:rPr lang="de-DE" sz="900" dirty="0">
+                <a:solidFill>
+                  <a:schemeClr val="tx1"/>
+                </a:solidFill>
+              </a:rPr>
+              <a:t> </a:t>
+            </a:r>
+            <a:r>
+              <a:rPr lang="de-DE" sz="900" dirty="0" err="1">
                 <a:solidFill>
                   <a:schemeClr val="tx1"/>
                 </a:solidFill>
@@ -4151,15 +4149,15 @@
               <a:t>random</a:t>
             </a:r>
             <a:r>
-              <a:rPr lang="de-DE" sz="900" dirty="0" smtClean="0">
-                <a:solidFill>
-                  <a:schemeClr val="tx1"/>
-                </a:solidFill>
-              </a:rPr>
-              <a:t> </a:t>
-            </a:r>
-            <a:r>
-              <a:rPr lang="de-DE" sz="900" dirty="0" err="1" smtClean="0">
+              <a:rPr lang="de-DE" sz="900" dirty="0">
+                <a:solidFill>
+                  <a:schemeClr val="tx1"/>
+                </a:solidFill>
+              </a:rPr>
+              <a:t> </a:t>
+            </a:r>
+            <a:r>
+              <a:rPr lang="de-DE" sz="900" dirty="0" err="1">
                 <a:solidFill>
                   <a:schemeClr val="tx1"/>
                 </a:solidFill>
@@ -4167,15 +4165,15 @@
               <a:t>start</a:t>
             </a:r>
             <a:r>
-              <a:rPr lang="de-DE" sz="900" dirty="0" smtClean="0">
-                <a:solidFill>
-                  <a:schemeClr val="tx1"/>
-                </a:solidFill>
-              </a:rPr>
-              <a:t> </a:t>
-            </a:r>
-            <a:r>
-              <a:rPr lang="de-DE" sz="900" dirty="0" err="1" smtClean="0">
+              <a:rPr lang="de-DE" sz="900" dirty="0">
+                <a:solidFill>
+                  <a:schemeClr val="tx1"/>
+                </a:solidFill>
+              </a:rPr>
+              <a:t> </a:t>
+            </a:r>
+            <a:r>
+              <a:rPr lang="de-DE" sz="900" dirty="0" err="1">
                 <a:solidFill>
                   <a:schemeClr val="tx1"/>
                 </a:solidFill>
@@ -4183,7 +4181,7 @@
               <a:t>size</a:t>
             </a:r>
             <a:r>
-              <a:rPr lang="de-DE" sz="900" dirty="0" smtClean="0">
+              <a:rPr lang="de-DE" sz="900" dirty="0">
                 <a:solidFill>
                   <a:schemeClr val="tx1"/>
                 </a:solidFill>
@@ -4193,7 +4191,7 @@
           </a:p>
           <a:p>
             <a:r>
-              <a:rPr lang="de-DE" sz="900" dirty="0" err="1" smtClean="0">
+              <a:rPr lang="de-DE" sz="900" dirty="0" err="1">
                 <a:solidFill>
                   <a:schemeClr val="tx1"/>
                 </a:solidFill>
@@ -4201,15 +4199,15 @@
               <a:t>Multiplied</a:t>
             </a:r>
             <a:r>
-              <a:rPr lang="de-DE" sz="900" dirty="0" smtClean="0">
-                <a:solidFill>
-                  <a:schemeClr val="tx1"/>
-                </a:solidFill>
-              </a:rPr>
-              <a:t> </a:t>
-            </a:r>
-            <a:r>
-              <a:rPr lang="de-DE" sz="900" dirty="0" err="1" smtClean="0">
+              <a:rPr lang="de-DE" sz="900" dirty="0">
+                <a:solidFill>
+                  <a:schemeClr val="tx1"/>
+                </a:solidFill>
+              </a:rPr>
+              <a:t> </a:t>
+            </a:r>
+            <a:r>
+              <a:rPr lang="de-DE" sz="900" dirty="0" err="1">
                 <a:solidFill>
                   <a:schemeClr val="tx1"/>
                 </a:solidFill>
@@ -4217,15 +4215,15 @@
               <a:t>by</a:t>
             </a:r>
             <a:r>
-              <a:rPr lang="de-DE" sz="900" dirty="0" smtClean="0">
-                <a:solidFill>
-                  <a:schemeClr val="tx1"/>
-                </a:solidFill>
-              </a:rPr>
-              <a:t> </a:t>
-            </a:r>
-            <a:r>
-              <a:rPr lang="de-DE" sz="900" dirty="0" err="1" smtClean="0">
+              <a:rPr lang="de-DE" sz="900" dirty="0">
+                <a:solidFill>
+                  <a:schemeClr val="tx1"/>
+                </a:solidFill>
+              </a:rPr>
+              <a:t> </a:t>
+            </a:r>
+            <a:r>
+              <a:rPr lang="de-DE" sz="900" dirty="0" err="1">
                 <a:solidFill>
                   <a:schemeClr val="tx1"/>
                 </a:solidFill>
@@ -4233,22 +4231,22 @@
               <a:t>nest</a:t>
             </a:r>
             <a:r>
-              <a:rPr lang="de-DE" sz="900" dirty="0" smtClean="0">
-                <a:solidFill>
-                  <a:schemeClr val="tx1"/>
-                </a:solidFill>
-              </a:rPr>
-              <a:t> </a:t>
-            </a:r>
-            <a:r>
-              <a:rPr lang="de-DE" sz="900" dirty="0" err="1" smtClean="0">
+              <a:rPr lang="de-DE" sz="900" dirty="0">
+                <a:solidFill>
+                  <a:schemeClr val="tx1"/>
+                </a:solidFill>
+              </a:rPr>
+              <a:t> </a:t>
+            </a:r>
+            <a:r>
+              <a:rPr lang="de-DE" sz="900" dirty="0" err="1">
                 <a:solidFill>
                   <a:schemeClr val="tx1"/>
                 </a:solidFill>
               </a:rPr>
               <a:t>capacity</a:t>
             </a:r>
-            <a:endParaRPr lang="de-DE" sz="900" dirty="0" smtClean="0">
+            <a:endParaRPr lang="de-DE" sz="900" dirty="0">
               <a:solidFill>
                 <a:schemeClr val="tx1"/>
               </a:solidFill>
@@ -4256,7 +4254,7 @@
           </a:p>
           <a:p>
             <a:r>
-              <a:rPr lang="de-DE" sz="900" dirty="0" err="1" smtClean="0">
+              <a:rPr lang="de-DE" sz="900" dirty="0" err="1">
                 <a:solidFill>
                   <a:schemeClr val="tx1"/>
                 </a:solidFill>
@@ -4264,7 +4262,7 @@
               <a:t>if</a:t>
             </a:r>
             <a:r>
-              <a:rPr lang="de-DE" sz="900" dirty="0" smtClean="0">
+              <a:rPr lang="de-DE" sz="900" dirty="0">
                 <a:solidFill>
                   <a:schemeClr val="tx1"/>
                 </a:solidFill>
@@ -4272,7 +4270,7 @@
               <a:t>  </a:t>
             </a:r>
             <a:r>
-              <a:rPr lang="de-DE" sz="900" dirty="0" err="1" smtClean="0">
+              <a:rPr lang="de-DE" sz="900" dirty="0" err="1">
                 <a:solidFill>
                   <a:schemeClr val="tx1"/>
                 </a:solidFill>
@@ -4280,15 +4278,15 @@
               <a:t>cell</a:t>
             </a:r>
             <a:r>
-              <a:rPr lang="de-DE" sz="900" dirty="0" smtClean="0">
-                <a:solidFill>
-                  <a:schemeClr val="tx1"/>
-                </a:solidFill>
-              </a:rPr>
-              <a:t> </a:t>
-            </a:r>
-            <a:r>
-              <a:rPr lang="de-DE" sz="900" dirty="0" err="1" smtClean="0">
+              <a:rPr lang="de-DE" sz="900" dirty="0">
+                <a:solidFill>
+                  <a:schemeClr val="tx1"/>
+                </a:solidFill>
+              </a:rPr>
+              <a:t> </a:t>
+            </a:r>
+            <a:r>
+              <a:rPr lang="de-DE" sz="900" dirty="0" err="1">
                 <a:solidFill>
                   <a:schemeClr val="tx1"/>
                 </a:solidFill>
@@ -4296,7 +4294,7 @@
               <a:t>is</a:t>
             </a:r>
             <a:r>
-              <a:rPr lang="de-DE" sz="900" dirty="0" smtClean="0">
+              <a:rPr lang="de-DE" sz="900" dirty="0">
                 <a:solidFill>
                   <a:schemeClr val="tx1"/>
                 </a:solidFill>
@@ -4304,7 +4302,7 @@
               <a:t> TZ </a:t>
             </a:r>
             <a:r>
-              <a:rPr lang="de-DE" sz="900" dirty="0" smtClean="0">
+              <a:rPr lang="de-DE" sz="900" dirty="0">
                 <a:solidFill>
                   <a:schemeClr val="tx1"/>
                 </a:solidFill>
@@ -4313,7 +4311,7 @@
               <a:t> </a:t>
             </a:r>
             <a:r>
-              <a:rPr lang="de-DE" sz="900" dirty="0" err="1" smtClean="0">
+              <a:rPr lang="de-DE" sz="900" dirty="0" err="1">
                 <a:solidFill>
                   <a:schemeClr val="tx1"/>
                 </a:solidFill>
@@ -4322,7 +4320,7 @@
               <a:t>set</a:t>
             </a:r>
             <a:r>
-              <a:rPr lang="de-DE" sz="900" dirty="0" smtClean="0">
+              <a:rPr lang="de-DE" sz="900" dirty="0">
                 <a:solidFill>
                   <a:schemeClr val="tx1"/>
                 </a:solidFill>
@@ -4331,7 +4329,7 @@
               <a:t> </a:t>
             </a:r>
             <a:r>
-              <a:rPr lang="de-DE" sz="900" dirty="0" err="1" smtClean="0">
+              <a:rPr lang="de-DE" sz="900" dirty="0" err="1">
                 <a:solidFill>
                   <a:schemeClr val="tx1"/>
                 </a:solidFill>
@@ -4339,7 +4337,7 @@
               </a:rPr>
               <a:t>trans_effect</a:t>
             </a:r>
-            <a:endParaRPr lang="de-DE" sz="900" dirty="0" smtClean="0">
+            <a:endParaRPr lang="de-DE" sz="900" dirty="0">
               <a:solidFill>
                 <a:schemeClr val="tx1"/>
               </a:solidFill>
@@ -4348,7 +4346,7 @@
           </a:p>
           <a:p>
             <a:r>
-              <a:rPr lang="de-DE" sz="900" dirty="0" err="1" smtClean="0">
+              <a:rPr lang="de-DE" sz="900" dirty="0" err="1">
                 <a:solidFill>
                   <a:schemeClr val="tx1"/>
                 </a:solidFill>
@@ -4357,7 +4355,7 @@
               <a:t>Define</a:t>
             </a:r>
             <a:r>
-              <a:rPr lang="de-DE" sz="900" dirty="0" smtClean="0">
+              <a:rPr lang="de-DE" sz="900" dirty="0">
                 <a:solidFill>
                   <a:schemeClr val="tx1"/>
                 </a:solidFill>
@@ -4366,7 +4364,7 @@
               <a:t> </a:t>
             </a:r>
             <a:r>
-              <a:rPr lang="de-DE" sz="900" dirty="0" err="1" smtClean="0">
+              <a:rPr lang="de-DE" sz="900" dirty="0" err="1">
                 <a:solidFill>
                   <a:schemeClr val="tx1"/>
                 </a:solidFill>
@@ -4375,7 +4373,7 @@
               <a:t>nest</a:t>
             </a:r>
             <a:r>
-              <a:rPr lang="de-DE" sz="900" dirty="0" smtClean="0">
+              <a:rPr lang="de-DE" sz="900" dirty="0">
                 <a:solidFill>
                   <a:schemeClr val="tx1"/>
                 </a:solidFill>
@@ -4384,7 +4382,7 @@
               <a:t> </a:t>
             </a:r>
             <a:r>
-              <a:rPr lang="de-DE" sz="900" dirty="0" err="1" smtClean="0">
+              <a:rPr lang="de-DE" sz="900" dirty="0" err="1">
                 <a:solidFill>
                   <a:schemeClr val="tx1"/>
                 </a:solidFill>
@@ -4393,7 +4391,7 @@
               <a:t>capacity</a:t>
             </a:r>
             <a:r>
-              <a:rPr lang="de-DE" sz="900" dirty="0" smtClean="0">
+              <a:rPr lang="de-DE" sz="900" dirty="0">
                 <a:solidFill>
                   <a:schemeClr val="tx1"/>
                 </a:solidFill>
@@ -4402,7 +4400,7 @@
               <a:t> (</a:t>
             </a:r>
             <a:r>
-              <a:rPr lang="de-DE" sz="900" dirty="0" err="1" smtClean="0">
+              <a:rPr lang="de-DE" sz="900" dirty="0" err="1">
                 <a:solidFill>
                   <a:schemeClr val="tx1"/>
                 </a:solidFill>
@@ -4411,7 +4409,7 @@
               <a:t>depend</a:t>
             </a:r>
             <a:r>
-              <a:rPr lang="de-DE" sz="900" dirty="0" smtClean="0">
+              <a:rPr lang="de-DE" sz="900" dirty="0">
                 <a:solidFill>
                   <a:schemeClr val="tx1"/>
                 </a:solidFill>
@@ -4420,7 +4418,7 @@
               <a:t> on LU </a:t>
             </a:r>
             <a:r>
-              <a:rPr lang="de-DE" sz="900" dirty="0" err="1" smtClean="0">
+              <a:rPr lang="de-DE" sz="900" dirty="0" err="1">
                 <a:solidFill>
                   <a:schemeClr val="tx1"/>
                 </a:solidFill>
@@ -4429,7 +4427,7 @@
               <a:t>nest</a:t>
             </a:r>
             <a:r>
-              <a:rPr lang="de-DE" sz="900" dirty="0" smtClean="0">
+              <a:rPr lang="de-DE" sz="900" dirty="0">
                 <a:solidFill>
                   <a:schemeClr val="tx1"/>
                 </a:solidFill>
@@ -4438,7 +4436,7 @@
               <a:t> </a:t>
             </a:r>
             <a:r>
-              <a:rPr lang="de-DE" sz="900" dirty="0" err="1" smtClean="0">
+              <a:rPr lang="de-DE" sz="900" dirty="0" err="1">
                 <a:solidFill>
                   <a:schemeClr val="tx1"/>
                 </a:solidFill>
@@ -4447,7 +4445,7 @@
               <a:t>suitability</a:t>
             </a:r>
             <a:r>
-              <a:rPr lang="de-DE" sz="900" dirty="0" smtClean="0">
+              <a:rPr lang="de-DE" sz="900" dirty="0">
                 <a:solidFill>
                   <a:schemeClr val="tx1"/>
                 </a:solidFill>
@@ -4458,7 +4456,7 @@
           </a:p>
           <a:p>
             <a:r>
-              <a:rPr lang="de-DE" sz="900" dirty="0" err="1" smtClean="0">
+              <a:rPr lang="de-DE" sz="900" dirty="0" err="1">
                 <a:solidFill>
                   <a:schemeClr val="tx1"/>
                 </a:solidFill>
@@ -4467,7 +4465,7 @@
               <a:t>Define</a:t>
             </a:r>
             <a:r>
-              <a:rPr lang="de-DE" sz="900" dirty="0" smtClean="0">
+              <a:rPr lang="de-DE" sz="900" dirty="0">
                 <a:solidFill>
                   <a:schemeClr val="tx1"/>
                 </a:solidFill>
@@ -4476,7 +4474,7 @@
               <a:t> maximal </a:t>
             </a:r>
             <a:r>
-              <a:rPr lang="de-DE" sz="900" dirty="0" err="1" smtClean="0">
+              <a:rPr lang="de-DE" sz="900" dirty="0" err="1">
                 <a:solidFill>
                   <a:schemeClr val="tx1"/>
                 </a:solidFill>
@@ -4485,7 +4483,7 @@
               <a:t>nest</a:t>
             </a:r>
             <a:r>
-              <a:rPr lang="de-DE" sz="900" dirty="0" smtClean="0">
+              <a:rPr lang="de-DE" sz="900" dirty="0">
                 <a:solidFill>
                   <a:schemeClr val="tx1"/>
                 </a:solidFill>
@@ -4494,7 +4492,7 @@
               <a:t> </a:t>
             </a:r>
             <a:r>
-              <a:rPr lang="de-DE" sz="900" dirty="0" err="1" smtClean="0">
+              <a:rPr lang="de-DE" sz="900" dirty="0" err="1">
                 <a:solidFill>
                   <a:schemeClr val="tx1"/>
                 </a:solidFill>
@@ -4503,7 +4501,7 @@
               <a:t>capacity</a:t>
             </a:r>
             <a:r>
-              <a:rPr lang="de-DE" sz="900" dirty="0" smtClean="0">
+              <a:rPr lang="de-DE" sz="900" dirty="0">
                 <a:solidFill>
                   <a:schemeClr val="tx1"/>
                 </a:solidFill>
@@ -4512,7 +4510,7 @@
               <a:t> in </a:t>
             </a:r>
             <a:r>
-              <a:rPr lang="de-DE" sz="900" dirty="0" err="1" smtClean="0">
+              <a:rPr lang="de-DE" sz="900" dirty="0" err="1">
                 <a:solidFill>
                   <a:schemeClr val="tx1"/>
                 </a:solidFill>
@@ -4520,7 +4518,7 @@
               </a:rPr>
               <a:t>range</a:t>
             </a:r>
-            <a:endParaRPr lang="de-DE" sz="900" dirty="0" smtClean="0">
+            <a:endParaRPr lang="de-DE" sz="900" dirty="0">
               <a:solidFill>
                 <a:schemeClr val="tx1"/>
               </a:solidFill>
@@ -4529,7 +4527,7 @@
           </a:p>
           <a:p>
             <a:r>
-              <a:rPr lang="de-DE" sz="900" dirty="0" err="1" smtClean="0">
+              <a:rPr lang="de-DE" sz="900" dirty="0" err="1">
                 <a:solidFill>
                   <a:schemeClr val="tx1"/>
                 </a:solidFill>
@@ -4538,7 +4536,7 @@
               <a:t>Define</a:t>
             </a:r>
             <a:r>
-              <a:rPr lang="de-DE" sz="900" dirty="0" smtClean="0">
+              <a:rPr lang="de-DE" sz="900" dirty="0">
                 <a:solidFill>
                   <a:schemeClr val="tx1"/>
                 </a:solidFill>
@@ -4547,7 +4545,7 @@
               <a:t> </a:t>
             </a:r>
             <a:r>
-              <a:rPr lang="de-DE" sz="900" dirty="0" err="1" smtClean="0">
+              <a:rPr lang="de-DE" sz="900" dirty="0" err="1">
                 <a:solidFill>
                   <a:schemeClr val="tx1"/>
                 </a:solidFill>
@@ -4556,7 +4554,7 @@
               <a:t>resource</a:t>
             </a:r>
             <a:r>
-              <a:rPr lang="de-DE" sz="900" dirty="0" smtClean="0">
+              <a:rPr lang="de-DE" sz="900" dirty="0">
                 <a:solidFill>
                   <a:schemeClr val="tx1"/>
                 </a:solidFill>
@@ -4565,7 +4563,7 @@
               <a:t> </a:t>
             </a:r>
             <a:r>
-              <a:rPr lang="de-DE" sz="900" dirty="0" err="1" smtClean="0">
+              <a:rPr lang="de-DE" sz="900" dirty="0" err="1">
                 <a:solidFill>
                   <a:schemeClr val="tx1"/>
                 </a:solidFill>
@@ -4574,7 +4572,7 @@
               <a:t>capacity</a:t>
             </a:r>
             <a:r>
-              <a:rPr lang="de-DE" sz="900" dirty="0" smtClean="0">
+              <a:rPr lang="de-DE" sz="900" dirty="0">
                 <a:solidFill>
                   <a:schemeClr val="tx1"/>
                 </a:solidFill>
@@ -4583,7 +4581,7 @@
               <a:t> (</a:t>
             </a:r>
             <a:r>
-              <a:rPr lang="de-DE" sz="900" dirty="0" err="1" smtClean="0">
+              <a:rPr lang="de-DE" sz="900" dirty="0" err="1">
                 <a:solidFill>
                   <a:schemeClr val="tx1"/>
                 </a:solidFill>
@@ -4592,7 +4590,7 @@
               <a:t>depend</a:t>
             </a:r>
             <a:r>
-              <a:rPr lang="de-DE" sz="900" dirty="0" smtClean="0">
+              <a:rPr lang="de-DE" sz="900" dirty="0">
                 <a:solidFill>
                   <a:schemeClr val="tx1"/>
                 </a:solidFill>
@@ -4601,7 +4599,7 @@
               <a:t> on </a:t>
             </a:r>
             <a:r>
-              <a:rPr lang="de-DE" sz="900" dirty="0" err="1" smtClean="0">
+              <a:rPr lang="de-DE" sz="900" dirty="0" err="1">
                 <a:solidFill>
                   <a:schemeClr val="tx1"/>
                 </a:solidFill>
@@ -4610,7 +4608,7 @@
               <a:t>foraging</a:t>
             </a:r>
             <a:r>
-              <a:rPr lang="de-DE" sz="900" dirty="0" smtClean="0">
+              <a:rPr lang="de-DE" sz="900" dirty="0">
                 <a:solidFill>
                   <a:schemeClr val="tx1"/>
                 </a:solidFill>
@@ -4619,7 +4617,7 @@
               <a:t> </a:t>
             </a:r>
             <a:r>
-              <a:rPr lang="de-DE" sz="900" dirty="0" err="1" smtClean="0">
+              <a:rPr lang="de-DE" sz="900" dirty="0" err="1">
                 <a:solidFill>
                   <a:schemeClr val="tx1"/>
                 </a:solidFill>
@@ -4637,7 +4635,7 @@
               <a:t> </a:t>
             </a:r>
             <a:r>
-              <a:rPr lang="de-DE" sz="900" dirty="0" err="1" smtClean="0">
+              <a:rPr lang="de-DE" sz="900" dirty="0" err="1">
                 <a:solidFill>
                   <a:schemeClr val="tx1"/>
                 </a:solidFill>
@@ -4646,7 +4644,7 @@
               <a:t>and</a:t>
             </a:r>
             <a:r>
-              <a:rPr lang="de-DE" sz="900" dirty="0" smtClean="0">
+              <a:rPr lang="de-DE" sz="900" dirty="0">
                 <a:solidFill>
                   <a:schemeClr val="tx1"/>
                 </a:solidFill>
@@ -4655,7 +4653,7 @@
               <a:t> LU </a:t>
             </a:r>
             <a:r>
-              <a:rPr lang="de-DE" sz="900" dirty="0" err="1" smtClean="0">
+              <a:rPr lang="de-DE" sz="900" dirty="0" err="1">
                 <a:solidFill>
                   <a:schemeClr val="tx1"/>
                 </a:solidFill>
@@ -4664,7 +4662,7 @@
               <a:t>forage</a:t>
             </a:r>
             <a:r>
-              <a:rPr lang="de-DE" sz="900" dirty="0" smtClean="0">
+              <a:rPr lang="de-DE" sz="900" dirty="0">
                 <a:solidFill>
                   <a:schemeClr val="tx1"/>
                 </a:solidFill>
@@ -4673,7 +4671,7 @@
               <a:t> </a:t>
             </a:r>
             <a:r>
-              <a:rPr lang="de-DE" sz="900" dirty="0" err="1" smtClean="0">
+              <a:rPr lang="de-DE" sz="900" dirty="0" err="1">
                 <a:solidFill>
                   <a:schemeClr val="tx1"/>
                 </a:solidFill>
@@ -4682,7 +4680,7 @@
               <a:t>suitability</a:t>
             </a:r>
             <a:r>
-              <a:rPr lang="de-DE" sz="900" dirty="0" smtClean="0">
+              <a:rPr lang="de-DE" sz="900" dirty="0">
                 <a:solidFill>
                   <a:schemeClr val="tx1"/>
                 </a:solidFill>
@@ -4691,7 +4689,7 @@
               <a:t> + </a:t>
             </a:r>
             <a:r>
-              <a:rPr lang="de-DE" sz="900" dirty="0" err="1" smtClean="0">
+              <a:rPr lang="de-DE" sz="900" dirty="0" err="1">
                 <a:solidFill>
                   <a:schemeClr val="tx1"/>
                 </a:solidFill>
@@ -4700,7 +4698,7 @@
               <a:t>trans_effect</a:t>
             </a:r>
             <a:r>
-              <a:rPr lang="de-DE" sz="900" dirty="0" smtClean="0">
+              <a:rPr lang="de-DE" sz="900" dirty="0">
                 <a:solidFill>
                   <a:schemeClr val="tx1"/>
                 </a:solidFill>
@@ -4753,13 +4751,8 @@
           <a:p>
             <a:r>
               <a:rPr lang="de-DE" sz="1200" dirty="0"/>
-              <a:t>G</a:t>
-            </a:r>
-            <a:r>
-              <a:rPr lang="de-DE" sz="1200" dirty="0" smtClean="0"/>
-              <a:t>rowth</a:t>
-            </a:r>
-            <a:endParaRPr lang="de-DE" sz="1200" dirty="0"/>
+              <a:t>Growth</a:t>
+            </a:r>
           </a:p>
         </p:txBody>
       </p:sp>
@@ -4800,11 +4793,7 @@
           <a:p>
             <a:r>
               <a:rPr lang="de-DE" sz="1200" dirty="0" err="1"/>
-              <a:t>D</a:t>
-            </a:r>
-            <a:r>
-              <a:rPr lang="de-DE" sz="1200" dirty="0" err="1" smtClean="0"/>
-              <a:t>ispersal</a:t>
+              <a:t>Dispersal</a:t>
             </a:r>
             <a:endParaRPr lang="de-DE" sz="1200" dirty="0"/>
           </a:p>
@@ -4847,11 +4836,7 @@
           <a:p>
             <a:r>
               <a:rPr lang="de-DE" sz="1200" dirty="0" err="1"/>
-              <a:t>D</a:t>
-            </a:r>
-            <a:r>
-              <a:rPr lang="de-DE" sz="1200" dirty="0" err="1" smtClean="0"/>
-              <a:t>isturbance</a:t>
+              <a:t>Disturbance</a:t>
             </a:r>
             <a:endParaRPr lang="de-DE" sz="1200" dirty="0"/>
           </a:p>
@@ -4893,10 +4878,9 @@
           <a:lstStyle/>
           <a:p>
             <a:r>
-              <a:rPr lang="de-DE" sz="1200" dirty="0" smtClean="0"/>
+              <a:rPr lang="de-DE" sz="1200" dirty="0"/>
               <a:t>Output</a:t>
             </a:r>
-            <a:endParaRPr lang="de-DE" sz="1200" dirty="0"/>
           </a:p>
         </p:txBody>
       </p:sp>
@@ -4962,7 +4946,7 @@
           <a:lstStyle/>
           <a:p>
             <a:r>
-              <a:rPr lang="de-DE" sz="1200" dirty="0" err="1" smtClean="0"/>
+              <a:rPr lang="de-DE" sz="1200" dirty="0" err="1"/>
               <a:t>Weather</a:t>
             </a:r>
             <a:endParaRPr lang="de-DE" sz="1200" dirty="0"/>
@@ -5010,7 +4994,7 @@
           <a:lstStyle/>
           <a:p>
             <a:r>
-              <a:rPr lang="de-DE" sz="900" dirty="0" smtClean="0">
+              <a:rPr lang="de-DE" sz="900" dirty="0">
                 <a:solidFill>
                   <a:schemeClr val="tx1"/>
                 </a:solidFill>
@@ -5018,7 +5002,7 @@
               <a:t>Normal </a:t>
             </a:r>
             <a:r>
-              <a:rPr lang="de-DE" sz="900" dirty="0" err="1" smtClean="0">
+              <a:rPr lang="de-DE" sz="900" dirty="0" err="1">
                 <a:solidFill>
                   <a:schemeClr val="tx1"/>
                 </a:solidFill>
@@ -5026,15 +5010,15 @@
               <a:t>distributed</a:t>
             </a:r>
             <a:r>
-              <a:rPr lang="de-DE" sz="900" dirty="0" smtClean="0">
-                <a:solidFill>
-                  <a:schemeClr val="tx1"/>
-                </a:solidFill>
-              </a:rPr>
-              <a:t> </a:t>
-            </a:r>
-            <a:r>
-              <a:rPr lang="de-DE" sz="900" dirty="0" err="1" smtClean="0">
+              <a:rPr lang="de-DE" sz="900" dirty="0">
+                <a:solidFill>
+                  <a:schemeClr val="tx1"/>
+                </a:solidFill>
+              </a:rPr>
+              <a:t> </a:t>
+            </a:r>
+            <a:r>
+              <a:rPr lang="de-DE" sz="900" dirty="0" err="1">
                 <a:solidFill>
                   <a:schemeClr val="tx1"/>
                 </a:solidFill>
@@ -5042,15 +5026,15 @@
               <a:t>random</a:t>
             </a:r>
             <a:r>
-              <a:rPr lang="de-DE" sz="900" dirty="0" smtClean="0">
-                <a:solidFill>
-                  <a:schemeClr val="tx1"/>
-                </a:solidFill>
-              </a:rPr>
-              <a:t> </a:t>
-            </a:r>
-            <a:r>
-              <a:rPr lang="de-DE" sz="900" dirty="0" err="1" smtClean="0">
+              <a:rPr lang="de-DE" sz="900" dirty="0">
+                <a:solidFill>
+                  <a:schemeClr val="tx1"/>
+                </a:solidFill>
+              </a:rPr>
+              <a:t> </a:t>
+            </a:r>
+            <a:r>
+              <a:rPr lang="de-DE" sz="900" dirty="0" err="1">
                 <a:solidFill>
                   <a:schemeClr val="tx1"/>
                 </a:solidFill>
@@ -5058,18 +5042,13 @@
               <a:t>number</a:t>
             </a:r>
             <a:r>
-              <a:rPr lang="de-DE" sz="900" dirty="0" smtClean="0">
+              <a:rPr lang="de-DE" sz="900" dirty="0">
                 <a:solidFill>
                   <a:schemeClr val="tx1"/>
                 </a:solidFill>
               </a:rPr>
               <a:t> (1+rnorm(0.0,0.15))</a:t>
             </a:r>
-            <a:endParaRPr lang="de-DE" sz="900" dirty="0">
-              <a:solidFill>
-                <a:schemeClr val="tx1"/>
-              </a:solidFill>
-            </a:endParaRPr>
           </a:p>
         </p:txBody>
       </p:sp>
@@ -5096,48 +5075,47 @@
           <a:lstStyle/>
           <a:p>
             <a:r>
-              <a:rPr lang="de-DE" sz="900" dirty="0" smtClean="0"/>
+              <a:rPr lang="de-DE" sz="900" dirty="0"/>
               <a:t>C: </a:t>
             </a:r>
             <a:r>
-              <a:rPr lang="de-DE" sz="900" dirty="0" err="1" smtClean="0"/>
+              <a:rPr lang="de-DE" sz="900" dirty="0" err="1"/>
               <a:t>sum</a:t>
             </a:r>
             <a:r>
-              <a:rPr lang="de-DE" sz="900" dirty="0" smtClean="0"/>
-              <a:t> </a:t>
-            </a:r>
-            <a:r>
-              <a:rPr lang="de-DE" sz="900" dirty="0" err="1" smtClean="0"/>
+              <a:rPr lang="de-DE" sz="900" dirty="0"/>
+              <a:t> </a:t>
+            </a:r>
+            <a:r>
+              <a:rPr lang="de-DE" sz="900" dirty="0" err="1"/>
               <a:t>of</a:t>
             </a:r>
             <a:r>
-              <a:rPr lang="de-DE" sz="900" dirty="0" smtClean="0"/>
+              <a:rPr lang="de-DE" sz="900" dirty="0"/>
               <a:t> c</a:t>
             </a:r>
           </a:p>
           <a:p>
             <a:r>
-              <a:rPr lang="de-DE" sz="900" dirty="0" smtClean="0"/>
+              <a:rPr lang="de-DE" sz="900" dirty="0"/>
               <a:t>K: </a:t>
             </a:r>
             <a:r>
-              <a:rPr lang="de-DE" sz="900" dirty="0" err="1" smtClean="0"/>
+              <a:rPr lang="de-DE" sz="900" dirty="0" err="1"/>
               <a:t>nest</a:t>
             </a:r>
             <a:r>
-              <a:rPr lang="de-DE" sz="900" dirty="0" smtClean="0"/>
-              <a:t> </a:t>
-            </a:r>
-            <a:r>
-              <a:rPr lang="de-DE" sz="900" dirty="0" err="1" smtClean="0"/>
+              <a:rPr lang="de-DE" sz="900" dirty="0"/>
+              <a:t> </a:t>
+            </a:r>
+            <a:r>
+              <a:rPr lang="de-DE" sz="900" dirty="0" err="1"/>
               <a:t>capacity</a:t>
             </a:r>
             <a:r>
-              <a:rPr lang="de-DE" sz="900" dirty="0" smtClean="0"/>
-              <a:t> </a:t>
-            </a:r>
-            <a:endParaRPr lang="de-DE" sz="900" dirty="0"/>
+              <a:rPr lang="de-DE" sz="900" dirty="0"/>
+              <a:t> </a:t>
+            </a:r>
           </a:p>
         </p:txBody>
       </p:sp>
@@ -5194,35 +5172,35 @@
           <a:lstStyle/>
           <a:p>
             <a:r>
-              <a:rPr lang="de-DE" sz="900" dirty="0" err="1" smtClean="0"/>
+              <a:rPr lang="de-DE" sz="900" dirty="0" err="1"/>
               <a:t>Fraction</a:t>
             </a:r>
             <a:r>
-              <a:rPr lang="de-DE" sz="900" dirty="0" smtClean="0"/>
-              <a:t> </a:t>
-            </a:r>
-            <a:r>
-              <a:rPr lang="de-DE" sz="900" dirty="0" err="1" smtClean="0"/>
+              <a:rPr lang="de-DE" sz="900" dirty="0"/>
+              <a:t> </a:t>
+            </a:r>
+            <a:r>
+              <a:rPr lang="de-DE" sz="900" dirty="0" err="1"/>
               <a:t>of</a:t>
             </a:r>
             <a:r>
-              <a:rPr lang="de-DE" sz="900" dirty="0" smtClean="0"/>
-              <a:t> </a:t>
-            </a:r>
-            <a:r>
-              <a:rPr lang="de-DE" sz="900" dirty="0" err="1" smtClean="0"/>
+              <a:rPr lang="de-DE" sz="900" dirty="0"/>
+              <a:t> </a:t>
+            </a:r>
+            <a:r>
+              <a:rPr lang="de-DE" sz="900" dirty="0" err="1"/>
               <a:t>dispersing</a:t>
             </a:r>
             <a:r>
-              <a:rPr lang="de-DE" sz="900" dirty="0" smtClean="0"/>
-              <a:t> </a:t>
-            </a:r>
-            <a:r>
-              <a:rPr lang="de-DE" sz="900" dirty="0" err="1" smtClean="0"/>
+              <a:rPr lang="de-DE" sz="900" dirty="0"/>
+              <a:t> </a:t>
+            </a:r>
+            <a:r>
+              <a:rPr lang="de-DE" sz="900" dirty="0" err="1"/>
               <a:t>individuals</a:t>
             </a:r>
             <a:r>
-              <a:rPr lang="de-DE" sz="900" dirty="0" smtClean="0"/>
+              <a:rPr lang="de-DE" sz="900" dirty="0"/>
               <a:t>:</a:t>
             </a:r>
           </a:p>
@@ -5284,32 +5262,32 @@
           <a:lstStyle/>
           <a:p>
             <a:r>
-              <a:rPr lang="de-DE" sz="900" dirty="0" err="1" smtClean="0"/>
+              <a:rPr lang="de-DE" sz="900" dirty="0" err="1"/>
               <a:t>Direction</a:t>
             </a:r>
             <a:r>
-              <a:rPr lang="de-DE" sz="900" dirty="0" smtClean="0"/>
-              <a:t> </a:t>
-            </a:r>
-            <a:r>
-              <a:rPr lang="de-DE" sz="900" dirty="0" err="1" smtClean="0"/>
+              <a:rPr lang="de-DE" sz="900" dirty="0"/>
+              <a:t> </a:t>
+            </a:r>
+            <a:r>
+              <a:rPr lang="de-DE" sz="900" dirty="0" err="1"/>
               <a:t>of</a:t>
             </a:r>
             <a:r>
-              <a:rPr lang="de-DE" sz="900" dirty="0" smtClean="0"/>
-              <a:t> </a:t>
-            </a:r>
-            <a:r>
-              <a:rPr lang="de-DE" sz="900" dirty="0" err="1" smtClean="0"/>
+              <a:rPr lang="de-DE" sz="900" dirty="0"/>
+              <a:t> </a:t>
+            </a:r>
+            <a:r>
+              <a:rPr lang="de-DE" sz="900" dirty="0" err="1"/>
               <a:t>dispersal</a:t>
             </a:r>
             <a:r>
-              <a:rPr lang="de-DE" sz="900" dirty="0" smtClean="0"/>
+              <a:rPr lang="de-DE" sz="900" dirty="0"/>
               <a:t>:</a:t>
             </a:r>
           </a:p>
           <a:p>
-            <a:endParaRPr lang="de-DE" sz="900" dirty="0" smtClean="0"/>
+            <a:endParaRPr lang="de-DE" sz="900" dirty="0"/>
           </a:p>
           <a:p>
             <a:endParaRPr lang="de-DE" sz="900" dirty="0"/>
@@ -5369,27 +5347,27 @@
           <a:lstStyle/>
           <a:p>
             <a:r>
-              <a:rPr lang="de-DE" sz="900" dirty="0" err="1" smtClean="0"/>
+              <a:rPr lang="de-DE" sz="900" dirty="0" err="1"/>
               <a:t>Dispersal</a:t>
             </a:r>
             <a:r>
-              <a:rPr lang="de-DE" sz="900" dirty="0" smtClean="0"/>
-              <a:t> </a:t>
-            </a:r>
-            <a:r>
-              <a:rPr lang="de-DE" sz="900" dirty="0" err="1" smtClean="0"/>
+              <a:rPr lang="de-DE" sz="900" dirty="0"/>
+              <a:t> </a:t>
+            </a:r>
+            <a:r>
+              <a:rPr lang="de-DE" sz="900" dirty="0" err="1"/>
               <a:t>distance</a:t>
             </a:r>
             <a:r>
-              <a:rPr lang="de-DE" sz="900" dirty="0" smtClean="0"/>
+              <a:rPr lang="de-DE" sz="900" dirty="0"/>
               <a:t>:</a:t>
             </a:r>
           </a:p>
           <a:p>
-            <a:endParaRPr lang="de-DE" sz="900" dirty="0" smtClean="0"/>
-          </a:p>
-          <a:p>
-            <a:endParaRPr lang="de-DE" sz="900" dirty="0" smtClean="0"/>
+            <a:endParaRPr lang="de-DE" sz="900" dirty="0"/>
+          </a:p>
+          <a:p>
+            <a:endParaRPr lang="de-DE" sz="900" dirty="0"/>
           </a:p>
           <a:p>
             <a:endParaRPr lang="de-DE" sz="900" dirty="0"/>
@@ -5509,133 +5487,132 @@
           <a:lstStyle/>
           <a:p>
             <a:r>
-              <a:rPr lang="de-DE" sz="900" dirty="0" smtClean="0"/>
+              <a:rPr lang="de-DE" sz="900" dirty="0"/>
               <a:t>Not in TZ </a:t>
             </a:r>
             <a:r>
-              <a:rPr lang="de-DE" sz="900" dirty="0" err="1" smtClean="0"/>
+              <a:rPr lang="de-DE" sz="900" dirty="0" err="1"/>
               <a:t>cells</a:t>
             </a:r>
             <a:r>
-              <a:rPr lang="de-DE" sz="900" dirty="0" smtClean="0"/>
+              <a:rPr lang="de-DE" sz="900" dirty="0"/>
               <a:t>; </a:t>
             </a:r>
+          </a:p>
+          <a:p>
+            <a:r>
+              <a:rPr lang="de-DE" sz="900" dirty="0" err="1"/>
+              <a:t>Only</a:t>
+            </a:r>
+            <a:r>
+              <a:rPr lang="de-DE" sz="900" dirty="0"/>
+              <a:t> </a:t>
+            </a:r>
+            <a:r>
+              <a:rPr lang="de-DE" sz="900" dirty="0" err="1"/>
+              <a:t>if</a:t>
+            </a:r>
+            <a:r>
+              <a:rPr lang="de-DE" sz="900" dirty="0"/>
+              <a:t> </a:t>
+            </a:r>
+            <a:r>
+              <a:rPr lang="de-DE" sz="900" dirty="0" err="1"/>
+              <a:t>rand</a:t>
+            </a:r>
+            <a:r>
+              <a:rPr lang="de-DE" sz="900" dirty="0"/>
+              <a:t> &lt; </a:t>
+            </a:r>
+            <a:r>
+              <a:rPr lang="de-DE" sz="900" dirty="0" err="1"/>
+              <a:t>Probability</a:t>
+            </a:r>
+            <a:r>
+              <a:rPr lang="de-DE" sz="900" dirty="0"/>
+              <a:t> </a:t>
+            </a:r>
+            <a:r>
+              <a:rPr lang="de-DE" sz="900" dirty="0" err="1"/>
+              <a:t>of</a:t>
+            </a:r>
+            <a:r>
+              <a:rPr lang="de-DE" sz="900" dirty="0"/>
+              <a:t> </a:t>
+            </a:r>
+            <a:r>
+              <a:rPr lang="de-DE" sz="900" dirty="0" err="1"/>
+              <a:t>disturbances</a:t>
+            </a:r>
             <a:endParaRPr lang="de-DE" sz="900" dirty="0"/>
           </a:p>
           <a:p>
             <a:r>
-              <a:rPr lang="de-DE" sz="900" dirty="0" err="1" smtClean="0"/>
-              <a:t>Only</a:t>
-            </a:r>
-            <a:r>
-              <a:rPr lang="de-DE" sz="900" dirty="0" smtClean="0"/>
-              <a:t> </a:t>
-            </a:r>
-            <a:r>
-              <a:rPr lang="de-DE" sz="900" dirty="0" err="1" smtClean="0"/>
-              <a:t>if</a:t>
-            </a:r>
-            <a:r>
-              <a:rPr lang="de-DE" sz="900" dirty="0" smtClean="0"/>
-              <a:t> </a:t>
-            </a:r>
-            <a:r>
-              <a:rPr lang="de-DE" sz="900" dirty="0" err="1" smtClean="0"/>
+              <a:rPr lang="de-DE" sz="900" dirty="0"/>
+              <a:t>Different </a:t>
+            </a:r>
+            <a:r>
+              <a:rPr lang="de-DE" sz="900" dirty="0" err="1"/>
+              <a:t>probabilities</a:t>
+            </a:r>
+            <a:r>
+              <a:rPr lang="de-DE" sz="900" dirty="0"/>
+              <a:t> </a:t>
+            </a:r>
+            <a:r>
+              <a:rPr lang="de-DE" sz="900" dirty="0" err="1"/>
+              <a:t>for</a:t>
+            </a:r>
+            <a:r>
+              <a:rPr lang="de-DE" sz="900" dirty="0"/>
+              <a:t> LU </a:t>
+            </a:r>
+            <a:r>
+              <a:rPr lang="de-DE" sz="900" dirty="0" err="1"/>
+              <a:t>classes</a:t>
+            </a:r>
+            <a:endParaRPr lang="de-DE" sz="900" dirty="0"/>
+          </a:p>
+          <a:p>
+            <a:r>
+              <a:rPr lang="de-DE" sz="900" dirty="0" err="1"/>
+              <a:t>If</a:t>
+            </a:r>
+            <a:r>
+              <a:rPr lang="de-DE" sz="900" dirty="0"/>
+              <a:t> </a:t>
+            </a:r>
+            <a:r>
+              <a:rPr lang="de-DE" sz="900" dirty="0" err="1"/>
               <a:t>rand</a:t>
             </a:r>
             <a:r>
-              <a:rPr lang="de-DE" sz="900" dirty="0" smtClean="0"/>
+              <a:rPr lang="de-DE" sz="900" dirty="0"/>
               <a:t> &lt; </a:t>
             </a:r>
             <a:r>
-              <a:rPr lang="de-DE" sz="900" dirty="0" err="1" smtClean="0"/>
-              <a:t>Probability</a:t>
-            </a:r>
-            <a:r>
-              <a:rPr lang="de-DE" sz="900" dirty="0" smtClean="0"/>
-              <a:t> </a:t>
-            </a:r>
-            <a:r>
-              <a:rPr lang="de-DE" sz="900" dirty="0" err="1" smtClean="0"/>
+              <a:rPr lang="de-DE" sz="900" dirty="0" err="1"/>
+              <a:t>dist_eff</a:t>
+            </a:r>
+            <a:r>
+              <a:rPr lang="de-DE" sz="900" dirty="0"/>
+              <a:t> </a:t>
+            </a:r>
+            <a:r>
+              <a:rPr lang="de-DE" sz="900" dirty="0" err="1"/>
               <a:t>of</a:t>
             </a:r>
             <a:r>
-              <a:rPr lang="de-DE" sz="900" dirty="0" smtClean="0"/>
-              <a:t> </a:t>
-            </a:r>
-            <a:r>
-              <a:rPr lang="de-DE" sz="900" dirty="0" err="1" smtClean="0"/>
-              <a:t>disturbances</a:t>
-            </a:r>
-            <a:endParaRPr lang="de-DE" sz="900" dirty="0" smtClean="0"/>
-          </a:p>
-          <a:p>
-            <a:r>
-              <a:rPr lang="de-DE" sz="900" dirty="0" smtClean="0"/>
-              <a:t>Different </a:t>
-            </a:r>
-            <a:r>
-              <a:rPr lang="de-DE" sz="900" dirty="0" err="1" smtClean="0"/>
-              <a:t>probabilities</a:t>
-            </a:r>
-            <a:r>
-              <a:rPr lang="de-DE" sz="900" dirty="0" smtClean="0"/>
-              <a:t> </a:t>
-            </a:r>
-            <a:r>
-              <a:rPr lang="de-DE" sz="900" dirty="0" err="1" smtClean="0"/>
-              <a:t>for</a:t>
-            </a:r>
-            <a:r>
-              <a:rPr lang="de-DE" sz="900" dirty="0" smtClean="0"/>
-              <a:t> LU </a:t>
-            </a:r>
-            <a:r>
-              <a:rPr lang="de-DE" sz="900" dirty="0" err="1" smtClean="0"/>
-              <a:t>classes</a:t>
+              <a:rPr lang="de-DE" sz="900" dirty="0"/>
+              <a:t> FT </a:t>
+            </a:r>
+            <a:r>
+              <a:rPr lang="de-DE" sz="900" dirty="0">
+                <a:sym typeface="Wingdings" panose="05000000000000000000" pitchFamily="2" charset="2"/>
+              </a:rPr>
+              <a:t> N=0</a:t>
             </a:r>
             <a:endParaRPr lang="de-DE" sz="900" dirty="0"/>
-          </a:p>
-          <a:p>
-            <a:r>
-              <a:rPr lang="de-DE" sz="900" dirty="0" err="1" smtClean="0"/>
-              <a:t>If</a:t>
-            </a:r>
-            <a:r>
-              <a:rPr lang="de-DE" sz="900" dirty="0" smtClean="0"/>
-              <a:t> </a:t>
-            </a:r>
-            <a:r>
-              <a:rPr lang="de-DE" sz="900" dirty="0" err="1" smtClean="0"/>
-              <a:t>rand</a:t>
-            </a:r>
-            <a:r>
-              <a:rPr lang="de-DE" sz="900" dirty="0" smtClean="0"/>
-              <a:t> &lt; </a:t>
-            </a:r>
-            <a:r>
-              <a:rPr lang="de-DE" sz="900" dirty="0" err="1" smtClean="0"/>
-              <a:t>dist_eff</a:t>
-            </a:r>
-            <a:r>
-              <a:rPr lang="de-DE" sz="900" dirty="0" smtClean="0"/>
-              <a:t> </a:t>
-            </a:r>
-            <a:r>
-              <a:rPr lang="de-DE" sz="900" dirty="0" err="1" smtClean="0"/>
-              <a:t>of</a:t>
-            </a:r>
-            <a:r>
-              <a:rPr lang="de-DE" sz="900" dirty="0" smtClean="0"/>
-              <a:t> FT </a:t>
-            </a:r>
-            <a:r>
-              <a:rPr lang="de-DE" sz="900" dirty="0" smtClean="0">
-                <a:sym typeface="Wingdings" panose="05000000000000000000" pitchFamily="2" charset="2"/>
-              </a:rPr>
-              <a:t> N=0</a:t>
-            </a:r>
-            <a:endParaRPr lang="de-DE" sz="900" dirty="0" smtClean="0"/>
           </a:p>
           <a:p>
             <a:endParaRPr lang="de-DE" sz="900" dirty="0"/>
@@ -6008,18 +5985,17 @@
           <a:lstStyle/>
           <a:p>
             <a:r>
-              <a:rPr lang="de-DE" sz="900" dirty="0" smtClean="0"/>
+              <a:rPr lang="de-DE" sz="900" dirty="0"/>
               <a:t>Year = </a:t>
             </a:r>
             <a:r>
-              <a:rPr lang="de-DE" sz="900" dirty="0" err="1" smtClean="0"/>
+              <a:rPr lang="de-DE" sz="900" dirty="0" err="1"/>
               <a:t>year</a:t>
             </a:r>
             <a:r>
-              <a:rPr lang="de-DE" sz="900" dirty="0" smtClean="0"/>
+              <a:rPr lang="de-DE" sz="900" dirty="0"/>
               <a:t> +1</a:t>
             </a:r>
-            <a:endParaRPr lang="de-DE" sz="900" dirty="0"/>
           </a:p>
         </p:txBody>
       </p:sp>
@@ -6084,19 +6060,19 @@
           <a:lstStyle/>
           <a:p>
             <a:r>
-              <a:rPr lang="de-DE" sz="900" dirty="0" err="1" smtClean="0"/>
+              <a:rPr lang="de-DE" sz="900" dirty="0" err="1"/>
               <a:t>year</a:t>
             </a:r>
             <a:r>
-              <a:rPr lang="de-DE" sz="900" dirty="0" smtClean="0"/>
+              <a:rPr lang="de-DE" sz="900" dirty="0"/>
               <a:t> == </a:t>
             </a:r>
             <a:r>
-              <a:rPr lang="de-DE" sz="900" dirty="0" err="1" smtClean="0"/>
+              <a:rPr lang="de-DE" sz="900" dirty="0" err="1"/>
               <a:t>t</a:t>
             </a:r>
             <a:r>
-              <a:rPr lang="de-DE" sz="900" baseline="-25000" dirty="0" err="1" smtClean="0"/>
+              <a:rPr lang="de-DE" sz="900" baseline="-25000" dirty="0" err="1"/>
               <a:t>max</a:t>
             </a:r>
             <a:endParaRPr lang="de-DE" sz="900" baseline="-25000" dirty="0"/>
@@ -6126,18 +6102,17 @@
           <a:lstStyle/>
           <a:p>
             <a:r>
-              <a:rPr lang="de-DE" sz="900" dirty="0" smtClean="0"/>
+              <a:rPr lang="de-DE" sz="900" dirty="0"/>
               <a:t>Rep = </a:t>
             </a:r>
             <a:r>
-              <a:rPr lang="de-DE" sz="900" dirty="0" err="1" smtClean="0"/>
+              <a:rPr lang="de-DE" sz="900" dirty="0" err="1"/>
               <a:t>rep</a:t>
             </a:r>
             <a:r>
-              <a:rPr lang="de-DE" sz="900" dirty="0" smtClean="0"/>
+              <a:rPr lang="de-DE" sz="900" dirty="0"/>
               <a:t> + 1</a:t>
             </a:r>
-            <a:endParaRPr lang="de-DE" sz="900" dirty="0"/>
           </a:p>
         </p:txBody>
       </p:sp>
@@ -6200,22 +6175,21 @@
           <a:lstStyle/>
           <a:p>
             <a:r>
-              <a:rPr lang="de-DE" sz="900" dirty="0" err="1" smtClean="0"/>
+              <a:rPr lang="de-DE" sz="900" dirty="0" err="1"/>
               <a:t>Scen</a:t>
             </a:r>
             <a:r>
-              <a:rPr lang="de-DE" sz="900" dirty="0" smtClean="0"/>
+              <a:rPr lang="de-DE" sz="900" dirty="0"/>
               <a:t> = </a:t>
             </a:r>
             <a:r>
-              <a:rPr lang="de-DE" sz="900" dirty="0" err="1" smtClean="0"/>
+              <a:rPr lang="de-DE" sz="900" dirty="0" err="1"/>
               <a:t>scen</a:t>
             </a:r>
             <a:r>
-              <a:rPr lang="de-DE" sz="900" dirty="0" smtClean="0"/>
+              <a:rPr lang="de-DE" sz="900" dirty="0"/>
               <a:t> + 1</a:t>
             </a:r>
-            <a:endParaRPr lang="de-DE" sz="900" dirty="0"/>
           </a:p>
         </p:txBody>
       </p:sp>
@@ -6242,19 +6216,19 @@
           <a:lstStyle/>
           <a:p>
             <a:r>
-              <a:rPr lang="de-DE" sz="900" dirty="0" err="1" smtClean="0"/>
+              <a:rPr lang="de-DE" sz="900" dirty="0" err="1"/>
               <a:t>rep</a:t>
             </a:r>
             <a:r>
-              <a:rPr lang="de-DE" sz="900" dirty="0" smtClean="0"/>
+              <a:rPr lang="de-DE" sz="900" dirty="0"/>
               <a:t> == </a:t>
             </a:r>
             <a:r>
-              <a:rPr lang="de-DE" sz="900" dirty="0" err="1" smtClean="0"/>
+              <a:rPr lang="de-DE" sz="900" dirty="0" err="1"/>
               <a:t>rep</a:t>
             </a:r>
             <a:r>
-              <a:rPr lang="de-DE" sz="900" baseline="-25000" dirty="0" err="1" smtClean="0"/>
+              <a:rPr lang="de-DE" sz="900" baseline="-25000" dirty="0" err="1"/>
               <a:t>max</a:t>
             </a:r>
             <a:endParaRPr lang="de-DE" sz="900" baseline="-25000" dirty="0"/>
@@ -6297,11 +6271,11 @@
           <a:lstStyle/>
           <a:p>
             <a:r>
-              <a:rPr lang="de-DE" sz="1200" dirty="0" smtClean="0"/>
+              <a:rPr lang="de-DE" sz="1200" dirty="0"/>
               <a:t>Write </a:t>
             </a:r>
             <a:r>
-              <a:rPr lang="de-DE" sz="1200" dirty="0" err="1" smtClean="0"/>
+              <a:rPr lang="de-DE" sz="1200" dirty="0" err="1"/>
               <a:t>output</a:t>
             </a:r>
             <a:endParaRPr lang="de-DE" sz="1200" dirty="0"/>
@@ -6399,19 +6373,19 @@
           <a:lstStyle/>
           <a:p>
             <a:r>
-              <a:rPr lang="de-DE" sz="900" dirty="0" err="1" smtClean="0"/>
+              <a:rPr lang="de-DE" sz="900" dirty="0" err="1"/>
               <a:t>Scen</a:t>
             </a:r>
             <a:r>
-              <a:rPr lang="de-DE" sz="900" dirty="0" smtClean="0"/>
+              <a:rPr lang="de-DE" sz="900" dirty="0"/>
               <a:t> == </a:t>
             </a:r>
             <a:r>
-              <a:rPr lang="de-DE" sz="900" dirty="0" err="1" smtClean="0"/>
+              <a:rPr lang="de-DE" sz="900" dirty="0" err="1"/>
               <a:t>scen</a:t>
             </a:r>
             <a:r>
-              <a:rPr lang="de-DE" sz="900" baseline="-25000" dirty="0" err="1" smtClean="0"/>
+              <a:rPr lang="de-DE" sz="900" baseline="-25000" dirty="0" err="1"/>
               <a:t>max</a:t>
             </a:r>
             <a:endParaRPr lang="de-DE" sz="900" baseline="-25000" dirty="0"/>
@@ -6454,11 +6428,11 @@
           <a:lstStyle/>
           <a:p>
             <a:r>
-              <a:rPr lang="de-DE" sz="1200" dirty="0" smtClean="0"/>
+              <a:rPr lang="de-DE" sz="1200" dirty="0"/>
               <a:t>End </a:t>
             </a:r>
             <a:r>
-              <a:rPr lang="de-DE" sz="1200" dirty="0" err="1" smtClean="0"/>
+              <a:rPr lang="de-DE" sz="1200" dirty="0" err="1"/>
               <a:t>BiTZ</a:t>
             </a:r>
             <a:endParaRPr lang="de-DE" sz="1200" dirty="0"/>
@@ -6826,110 +6800,110 @@
           <a:lstStyle/>
           <a:p>
             <a:r>
-              <a:rPr lang="de-DE" sz="900" dirty="0" smtClean="0"/>
+              <a:rPr lang="de-DE" sz="900" dirty="0"/>
               <a:t>Individual </a:t>
             </a:r>
             <a:r>
-              <a:rPr lang="de-DE" sz="900" dirty="0" err="1" smtClean="0"/>
+              <a:rPr lang="de-DE" sz="900" dirty="0" err="1"/>
               <a:t>tries</a:t>
             </a:r>
             <a:r>
-              <a:rPr lang="de-DE" sz="900" dirty="0" smtClean="0"/>
-              <a:t> </a:t>
-            </a:r>
-            <a:r>
-              <a:rPr lang="de-DE" sz="900" dirty="0" err="1" smtClean="0"/>
+              <a:rPr lang="de-DE" sz="900" dirty="0"/>
+              <a:t> </a:t>
+            </a:r>
+            <a:r>
+              <a:rPr lang="de-DE" sz="900" dirty="0" err="1"/>
               <a:t>to</a:t>
             </a:r>
             <a:r>
-              <a:rPr lang="de-DE" sz="900" dirty="0" smtClean="0"/>
+              <a:rPr lang="de-DE" sz="900" dirty="0"/>
               <a:t> find </a:t>
             </a:r>
             <a:r>
-              <a:rPr lang="de-DE" sz="900" dirty="0" err="1" smtClean="0"/>
+              <a:rPr lang="de-DE" sz="900" dirty="0" err="1"/>
               <a:t>the</a:t>
             </a:r>
             <a:r>
-              <a:rPr lang="de-DE" sz="900" dirty="0" smtClean="0"/>
-              <a:t> </a:t>
-            </a:r>
-            <a:r>
-              <a:rPr lang="de-DE" sz="900" dirty="0" err="1" smtClean="0"/>
+              <a:rPr lang="de-DE" sz="900" dirty="0"/>
+              <a:t> </a:t>
+            </a:r>
+            <a:r>
+              <a:rPr lang="de-DE" sz="900" dirty="0" err="1"/>
               <a:t>most</a:t>
             </a:r>
             <a:r>
-              <a:rPr lang="de-DE" sz="900" dirty="0" smtClean="0"/>
-              <a:t> </a:t>
-            </a:r>
-            <a:r>
-              <a:rPr lang="de-DE" sz="900" dirty="0" err="1" smtClean="0"/>
+              <a:rPr lang="de-DE" sz="900" dirty="0"/>
+              <a:t> </a:t>
+            </a:r>
+            <a:r>
+              <a:rPr lang="de-DE" sz="900" dirty="0" err="1"/>
               <a:t>suitable</a:t>
             </a:r>
             <a:r>
-              <a:rPr lang="de-DE" sz="900" dirty="0" smtClean="0"/>
-              <a:t> </a:t>
-            </a:r>
-            <a:r>
-              <a:rPr lang="de-DE" sz="900" dirty="0" err="1" smtClean="0"/>
+              <a:rPr lang="de-DE" sz="900" dirty="0"/>
+              <a:t> </a:t>
+            </a:r>
+            <a:r>
+              <a:rPr lang="de-DE" sz="900" dirty="0" err="1"/>
               <a:t>cell</a:t>
             </a:r>
             <a:r>
-              <a:rPr lang="de-DE" sz="900" dirty="0" smtClean="0"/>
+              <a:rPr lang="de-DE" sz="900" dirty="0"/>
               <a:t>; </a:t>
             </a:r>
             <a:r>
-              <a:rPr lang="de-DE" sz="900" dirty="0" err="1" smtClean="0"/>
+              <a:rPr lang="de-DE" sz="900" dirty="0" err="1"/>
               <a:t>with</a:t>
             </a:r>
             <a:r>
-              <a:rPr lang="de-DE" sz="900" dirty="0" smtClean="0"/>
-              <a:t> </a:t>
-            </a:r>
-            <a:r>
-              <a:rPr lang="de-DE" sz="900" dirty="0" err="1" smtClean="0"/>
+              <a:rPr lang="de-DE" sz="900" dirty="0"/>
+              <a:t> </a:t>
+            </a:r>
+            <a:r>
+              <a:rPr lang="de-DE" sz="900" dirty="0" err="1"/>
               <a:t>increasing</a:t>
             </a:r>
             <a:r>
-              <a:rPr lang="de-DE" sz="900" dirty="0" smtClean="0"/>
-              <a:t> </a:t>
-            </a:r>
-            <a:r>
-              <a:rPr lang="de-DE" sz="900" dirty="0" err="1" smtClean="0"/>
+              <a:rPr lang="de-DE" sz="900" dirty="0"/>
+              <a:t> </a:t>
+            </a:r>
+            <a:r>
+              <a:rPr lang="de-DE" sz="900" dirty="0" err="1"/>
               <a:t>nb</a:t>
             </a:r>
             <a:r>
-              <a:rPr lang="de-DE" sz="900" dirty="0" smtClean="0"/>
-              <a:t> </a:t>
-            </a:r>
-            <a:r>
-              <a:rPr lang="de-DE" sz="900" dirty="0" err="1" smtClean="0"/>
+              <a:rPr lang="de-DE" sz="900" dirty="0"/>
+              <a:t> </a:t>
+            </a:r>
+            <a:r>
+              <a:rPr lang="de-DE" sz="900" dirty="0" err="1"/>
               <a:t>of</a:t>
             </a:r>
             <a:r>
-              <a:rPr lang="de-DE" sz="900" dirty="0" smtClean="0"/>
-              <a:t> </a:t>
-            </a:r>
-            <a:r>
-              <a:rPr lang="de-DE" sz="900" dirty="0" err="1" smtClean="0"/>
+              <a:rPr lang="de-DE" sz="900" dirty="0"/>
+              <a:t> </a:t>
+            </a:r>
+            <a:r>
+              <a:rPr lang="de-DE" sz="900" dirty="0" err="1"/>
               <a:t>attemps</a:t>
             </a:r>
             <a:r>
-              <a:rPr lang="de-DE" sz="900" dirty="0" smtClean="0"/>
+              <a:rPr lang="de-DE" sz="900" dirty="0"/>
               <a:t>, a </a:t>
             </a:r>
             <a:r>
-              <a:rPr lang="de-DE" sz="900" dirty="0" err="1" smtClean="0"/>
+              <a:rPr lang="de-DE" sz="900" dirty="0" err="1"/>
               <a:t>lower</a:t>
             </a:r>
             <a:r>
-              <a:rPr lang="de-DE" sz="900" dirty="0" smtClean="0"/>
-              <a:t> </a:t>
-            </a:r>
-            <a:r>
-              <a:rPr lang="de-DE" sz="900" dirty="0" err="1" smtClean="0"/>
+              <a:rPr lang="de-DE" sz="900" dirty="0"/>
+              <a:t> </a:t>
+            </a:r>
+            <a:r>
+              <a:rPr lang="de-DE" sz="900" dirty="0" err="1"/>
               <a:t>one</a:t>
             </a:r>
-            <a:endParaRPr lang="de-DE" sz="900" dirty="0" smtClean="0"/>
+            <a:endParaRPr lang="de-DE" sz="900" dirty="0"/>
           </a:p>
           <a:p>
             <a:endParaRPr lang="de-DE" sz="900" dirty="0"/>
@@ -6974,17 +6948,18 @@
         </p:nvSpPr>
         <p:spPr>
           <a:xfrm>
-            <a:off x="232457" y="310167"/>
+            <a:off x="31415" y="104120"/>
             <a:ext cx="1288045" cy="276999"/>
           </a:xfrm>
           <a:prstGeom prst="rect">
             <a:avLst/>
           </a:prstGeom>
-          <a:solidFill>
-            <a:schemeClr val="accent1">
-              <a:lumMod val="50000"/>
-            </a:schemeClr>
-          </a:solidFill>
+          <a:noFill/>
+          <a:ln>
+            <a:solidFill>
+              <a:schemeClr val="tx1"/>
+            </a:solidFill>
+          </a:ln>
         </p:spPr>
         <p:style>
           <a:lnRef idx="3">
@@ -7006,23 +6981,44 @@
           </a:bodyPr>
           <a:lstStyle/>
           <a:p>
-            <a:r>
-              <a:rPr lang="de-DE" sz="1200" dirty="0" smtClean="0"/>
+            <a:pPr algn="ctr"/>
+            <a:r>
+              <a:rPr lang="de-DE" sz="1200" dirty="0">
+                <a:solidFill>
+                  <a:schemeClr val="tx1"/>
+                </a:solidFill>
+              </a:rPr>
               <a:t>Read </a:t>
             </a:r>
             <a:r>
-              <a:rPr lang="de-DE" sz="1200" dirty="0" err="1" smtClean="0"/>
+              <a:rPr lang="de-DE" sz="1200" dirty="0" err="1">
+                <a:solidFill>
+                  <a:schemeClr val="tx1"/>
+                </a:solidFill>
+              </a:rPr>
               <a:t>scenario</a:t>
             </a:r>
             <a:r>
-              <a:rPr lang="de-DE" sz="1200" dirty="0" smtClean="0"/>
-              <a:t> </a:t>
-            </a:r>
-            <a:r>
-              <a:rPr lang="de-DE" sz="1200" dirty="0" err="1" smtClean="0"/>
+              <a:rPr lang="de-DE" sz="1200" dirty="0">
+                <a:solidFill>
+                  <a:schemeClr val="tx1"/>
+                </a:solidFill>
+              </a:rPr>
+              <a:t> </a:t>
+            </a:r>
+            <a:r>
+              <a:rPr lang="de-DE" sz="1200" dirty="0" err="1">
+                <a:solidFill>
+                  <a:schemeClr val="tx1"/>
+                </a:solidFill>
+              </a:rPr>
               <a:t>file</a:t>
             </a:r>
-            <a:endParaRPr lang="de-DE" sz="1200" dirty="0"/>
+            <a:endParaRPr lang="de-DE" sz="1200" dirty="0">
+              <a:solidFill>
+                <a:schemeClr val="tx1"/>
+              </a:solidFill>
+            </a:endParaRPr>
           </a:p>
         </p:txBody>
       </p:sp>
@@ -7034,17 +7030,18 @@
         </p:nvSpPr>
         <p:spPr>
           <a:xfrm>
-            <a:off x="1986999" y="1327105"/>
-            <a:ext cx="1364541" cy="276999"/>
+            <a:off x="1547727" y="788412"/>
+            <a:ext cx="2265877" cy="276999"/>
           </a:xfrm>
           <a:prstGeom prst="rect">
             <a:avLst/>
           </a:prstGeom>
-          <a:solidFill>
-            <a:srgbClr val="2E75B6">
-              <a:alpha val="80000"/>
-            </a:srgbClr>
-          </a:solidFill>
+          <a:noFill/>
+          <a:ln>
+            <a:solidFill>
+              <a:schemeClr val="tx1"/>
+            </a:solidFill>
+          </a:ln>
         </p:spPr>
         <p:style>
           <a:lnRef idx="3">
@@ -7066,15 +7063,60 @@
           </a:bodyPr>
           <a:lstStyle/>
           <a:p>
-            <a:r>
-              <a:rPr lang="de-DE" sz="1200" dirty="0" smtClean="0"/>
-              <a:t>Initialize </a:t>
-            </a:r>
-            <a:r>
-              <a:rPr lang="de-DE" sz="1200" dirty="0" err="1" smtClean="0"/>
+            <a:pPr algn="ctr"/>
+            <a:r>
+              <a:rPr lang="de-DE" sz="1200" dirty="0">
+                <a:solidFill>
+                  <a:schemeClr val="tx1"/>
+                </a:solidFill>
+              </a:rPr>
+              <a:t>Read </a:t>
+            </a:r>
+            <a:r>
+              <a:rPr lang="de-DE" sz="1200" dirty="0" err="1">
+                <a:solidFill>
+                  <a:schemeClr val="tx1"/>
+                </a:solidFill>
+              </a:rPr>
+              <a:t>the</a:t>
+            </a:r>
+            <a:r>
+              <a:rPr lang="de-DE" sz="1200" dirty="0">
+                <a:solidFill>
+                  <a:schemeClr val="tx1"/>
+                </a:solidFill>
+              </a:rPr>
+              <a:t> </a:t>
+            </a:r>
+            <a:r>
+              <a:rPr lang="de-DE" sz="1200" dirty="0" err="1">
+                <a:solidFill>
+                  <a:schemeClr val="tx1"/>
+                </a:solidFill>
+              </a:rPr>
               <a:t>landscape</a:t>
             </a:r>
-            <a:endParaRPr lang="de-DE" sz="1200" dirty="0" smtClean="0"/>
+            <a:r>
+              <a:rPr lang="de-DE" sz="1200" dirty="0">
+                <a:solidFill>
+                  <a:schemeClr val="tx1"/>
+                </a:solidFill>
+              </a:rPr>
+              <a:t> </a:t>
+            </a:r>
+            <a:r>
+              <a:rPr lang="de-DE" sz="1200" dirty="0" err="1">
+                <a:solidFill>
+                  <a:schemeClr val="tx1"/>
+                </a:solidFill>
+              </a:rPr>
+              <a:t>configuration</a:t>
+            </a:r>
+            <a:endParaRPr lang="de-DE" sz="1200" dirty="0">
+              <a:solidFill>
+                <a:schemeClr val="tx1"/>
+              </a:solidFill>
+            </a:endParaRPr>
           </a:p>
         </p:txBody>
       </p:sp>
@@ -7086,17 +7128,18 @@
         </p:nvSpPr>
         <p:spPr>
           <a:xfrm>
-            <a:off x="2202090" y="1848136"/>
-            <a:ext cx="934358" cy="276999"/>
+            <a:off x="2238204" y="1753566"/>
+            <a:ext cx="884922" cy="276999"/>
           </a:xfrm>
           <a:prstGeom prst="rect">
             <a:avLst/>
           </a:prstGeom>
-          <a:solidFill>
-            <a:srgbClr val="2E75B6">
-              <a:alpha val="80000"/>
-            </a:srgbClr>
-          </a:solidFill>
+          <a:noFill/>
+          <a:ln>
+            <a:solidFill>
+              <a:schemeClr val="tx1"/>
+            </a:solidFill>
+          </a:ln>
         </p:spPr>
         <p:style>
           <a:lnRef idx="3">
@@ -7118,11 +7161,15 @@
           </a:bodyPr>
           <a:lstStyle/>
           <a:p>
-            <a:r>
-              <a:rPr lang="de-DE" sz="1200" dirty="0" smtClean="0"/>
-              <a:t>Initialize FTs</a:t>
-            </a:r>
-            <a:endParaRPr lang="de-DE" sz="1200" dirty="0"/>
+            <a:pPr algn="ctr"/>
+            <a:r>
+              <a:rPr lang="de-DE" sz="1200" dirty="0">
+                <a:solidFill>
+                  <a:schemeClr val="tx1"/>
+                </a:solidFill>
+              </a:rPr>
+              <a:t>Initialize FT</a:t>
+            </a:r>
           </a:p>
         </p:txBody>
       </p:sp>
@@ -7134,17 +7181,18 @@
         </p:nvSpPr>
         <p:spPr>
           <a:xfrm>
-            <a:off x="1125387" y="873042"/>
+            <a:off x="2054806" y="375130"/>
             <a:ext cx="1266437" cy="276999"/>
           </a:xfrm>
           <a:prstGeom prst="rect">
             <a:avLst/>
           </a:prstGeom>
-          <a:solidFill>
-            <a:schemeClr val="accent1">
-              <a:lumMod val="75000"/>
-            </a:schemeClr>
-          </a:solidFill>
+          <a:noFill/>
+          <a:ln>
+            <a:solidFill>
+              <a:schemeClr val="tx1"/>
+            </a:solidFill>
+          </a:ln>
         </p:spPr>
         <p:style>
           <a:lnRef idx="3">
@@ -7166,15 +7214,28 @@
           </a:bodyPr>
           <a:lstStyle/>
           <a:p>
-            <a:r>
-              <a:rPr lang="de-DE" sz="1200" dirty="0" smtClean="0"/>
+            <a:pPr algn="ctr"/>
+            <a:r>
+              <a:rPr lang="de-DE" sz="1200" dirty="0">
+                <a:solidFill>
+                  <a:schemeClr val="tx1"/>
+                </a:solidFill>
+              </a:rPr>
               <a:t>Initialize </a:t>
             </a:r>
             <a:r>
-              <a:rPr lang="de-DE" sz="1200" dirty="0" err="1" smtClean="0"/>
+              <a:rPr lang="de-DE" sz="1200" dirty="0" err="1">
+                <a:solidFill>
+                  <a:schemeClr val="tx1"/>
+                </a:solidFill>
+              </a:rPr>
               <a:t>scenario</a:t>
             </a:r>
-            <a:endParaRPr lang="de-DE" sz="1200" dirty="0"/>
+            <a:endParaRPr lang="de-DE" sz="1200" dirty="0">
+              <a:solidFill>
+                <a:schemeClr val="tx1"/>
+              </a:solidFill>
+            </a:endParaRPr>
           </a:p>
         </p:txBody>
       </p:sp>
@@ -7186,12 +7247,18 @@
         </p:nvSpPr>
         <p:spPr>
           <a:xfrm>
-            <a:off x="2997401" y="2438658"/>
-            <a:ext cx="1508884" cy="276999"/>
+            <a:off x="1870012" y="2243137"/>
+            <a:ext cx="1621305" cy="276999"/>
           </a:xfrm>
           <a:prstGeom prst="rect">
             <a:avLst/>
           </a:prstGeom>
+          <a:noFill/>
+          <a:ln>
+            <a:solidFill>
+              <a:schemeClr val="tx1"/>
+            </a:solidFill>
+          </a:ln>
         </p:spPr>
         <p:style>
           <a:lnRef idx="3">
@@ -7213,15 +7280,28 @@
           </a:bodyPr>
           <a:lstStyle/>
           <a:p>
-            <a:r>
-              <a:rPr lang="de-DE" sz="1200" dirty="0" smtClean="0"/>
+            <a:pPr algn="ctr"/>
+            <a:r>
+              <a:rPr lang="de-DE" sz="1200" dirty="0">
+                <a:solidFill>
+                  <a:schemeClr val="tx1"/>
+                </a:solidFill>
+              </a:rPr>
               <a:t>Initialize </a:t>
             </a:r>
             <a:r>
-              <a:rPr lang="de-DE" sz="1200" dirty="0" err="1" smtClean="0"/>
+              <a:rPr lang="de-DE" sz="1200" dirty="0" err="1">
+                <a:solidFill>
+                  <a:schemeClr val="tx1"/>
+                </a:solidFill>
+              </a:rPr>
               <a:t>populations</a:t>
             </a:r>
-            <a:endParaRPr lang="de-DE" sz="1200" dirty="0"/>
+            <a:endParaRPr lang="de-DE" sz="1200" dirty="0">
+              <a:solidFill>
+                <a:schemeClr val="tx1"/>
+              </a:solidFill>
+            </a:endParaRPr>
           </a:p>
         </p:txBody>
       </p:sp>
@@ -7233,12 +7313,18 @@
         </p:nvSpPr>
         <p:spPr>
           <a:xfrm>
-            <a:off x="3423645" y="3456812"/>
+            <a:off x="2355703" y="3671178"/>
             <a:ext cx="656398" cy="276999"/>
           </a:xfrm>
           <a:prstGeom prst="rect">
             <a:avLst/>
           </a:prstGeom>
+          <a:noFill/>
+          <a:ln>
+            <a:solidFill>
+              <a:schemeClr val="tx1"/>
+            </a:solidFill>
+          </a:ln>
         </p:spPr>
         <p:style>
           <a:lnRef idx="3">
@@ -7260,15 +7346,15 @@
           </a:bodyPr>
           <a:lstStyle/>
           <a:p>
-            <a:r>
-              <a:rPr lang="de-DE" sz="1200" dirty="0"/>
-              <a:t>G</a:t>
-            </a:r>
-            <a:r>
-              <a:rPr lang="de-DE" sz="1200" dirty="0" smtClean="0"/>
-              <a:t>rowth</a:t>
-            </a:r>
-            <a:endParaRPr lang="de-DE" sz="1200" dirty="0"/>
+            <a:pPr algn="ctr"/>
+            <a:r>
+              <a:rPr lang="de-DE" sz="1200" dirty="0">
+                <a:solidFill>
+                  <a:schemeClr val="tx1"/>
+                </a:solidFill>
+              </a:rPr>
+              <a:t>Growth</a:t>
+            </a:r>
           </a:p>
         </p:txBody>
       </p:sp>
@@ -7280,12 +7366,18 @@
         </p:nvSpPr>
         <p:spPr>
           <a:xfrm>
-            <a:off x="3375490" y="3928513"/>
+            <a:off x="2307548" y="4142879"/>
             <a:ext cx="752707" cy="276999"/>
           </a:xfrm>
           <a:prstGeom prst="rect">
             <a:avLst/>
           </a:prstGeom>
+          <a:noFill/>
+          <a:ln>
+            <a:solidFill>
+              <a:schemeClr val="tx1"/>
+            </a:solidFill>
+          </a:ln>
         </p:spPr>
         <p:style>
           <a:lnRef idx="3">
@@ -7307,15 +7399,20 @@
           </a:bodyPr>
           <a:lstStyle/>
           <a:p>
-            <a:r>
-              <a:rPr lang="de-DE" sz="1200" dirty="0" err="1"/>
-              <a:t>D</a:t>
-            </a:r>
-            <a:r>
-              <a:rPr lang="de-DE" sz="1200" dirty="0" err="1" smtClean="0"/>
-              <a:t>ispersal</a:t>
-            </a:r>
-            <a:endParaRPr lang="de-DE" sz="1200" dirty="0"/>
+            <a:pPr algn="ctr"/>
+            <a:r>
+              <a:rPr lang="de-DE" sz="1200" dirty="0" err="1">
+                <a:solidFill>
+                  <a:schemeClr val="tx1"/>
+                </a:solidFill>
+              </a:rPr>
+              <a:t>Dispersal</a:t>
+            </a:r>
+            <a:endParaRPr lang="de-DE" sz="1200" dirty="0">
+              <a:solidFill>
+                <a:schemeClr val="tx1"/>
+              </a:solidFill>
+            </a:endParaRPr>
           </a:p>
         </p:txBody>
       </p:sp>
@@ -7327,12 +7424,18 @@
         </p:nvSpPr>
         <p:spPr>
           <a:xfrm>
-            <a:off x="3284472" y="4393861"/>
+            <a:off x="2216530" y="4608227"/>
             <a:ext cx="934743" cy="276999"/>
           </a:xfrm>
           <a:prstGeom prst="rect">
             <a:avLst/>
           </a:prstGeom>
+          <a:noFill/>
+          <a:ln>
+            <a:solidFill>
+              <a:schemeClr val="tx1"/>
+            </a:solidFill>
+          </a:ln>
         </p:spPr>
         <p:style>
           <a:lnRef idx="3">
@@ -7354,15 +7457,20 @@
           </a:bodyPr>
           <a:lstStyle/>
           <a:p>
-            <a:r>
-              <a:rPr lang="de-DE" sz="1200" dirty="0" err="1"/>
-              <a:t>D</a:t>
-            </a:r>
-            <a:r>
-              <a:rPr lang="de-DE" sz="1200" dirty="0" err="1" smtClean="0"/>
-              <a:t>isturbance</a:t>
-            </a:r>
-            <a:endParaRPr lang="de-DE" sz="1200" dirty="0"/>
+            <a:pPr algn="ctr"/>
+            <a:r>
+              <a:rPr lang="de-DE" sz="1200" dirty="0" err="1">
+                <a:solidFill>
+                  <a:schemeClr val="tx1"/>
+                </a:solidFill>
+              </a:rPr>
+              <a:t>Disturbance</a:t>
+            </a:r>
+            <a:endParaRPr lang="de-DE" sz="1200" dirty="0">
+              <a:solidFill>
+                <a:schemeClr val="tx1"/>
+              </a:solidFill>
+            </a:endParaRPr>
           </a:p>
         </p:txBody>
       </p:sp>
@@ -7374,12 +7482,18 @@
         </p:nvSpPr>
         <p:spPr>
           <a:xfrm>
-            <a:off x="3436692" y="4859209"/>
-            <a:ext cx="630301" cy="276999"/>
+            <a:off x="2180945" y="5089324"/>
+            <a:ext cx="1014158" cy="276999"/>
           </a:xfrm>
           <a:prstGeom prst="rect">
             <a:avLst/>
           </a:prstGeom>
+          <a:noFill/>
+          <a:ln>
+            <a:solidFill>
+              <a:schemeClr val="tx1"/>
+            </a:solidFill>
+          </a:ln>
         </p:spPr>
         <p:style>
           <a:lnRef idx="3">
@@ -7401,11 +7515,28 @@
           </a:bodyPr>
           <a:lstStyle/>
           <a:p>
-            <a:r>
-              <a:rPr lang="de-DE" sz="1200" dirty="0" smtClean="0"/>
-              <a:t>Output</a:t>
-            </a:r>
-            <a:endParaRPr lang="de-DE" sz="1200" dirty="0"/>
+            <a:pPr algn="ctr"/>
+            <a:r>
+              <a:rPr lang="de-DE" sz="1200" dirty="0">
+                <a:solidFill>
+                  <a:schemeClr val="tx1"/>
+                </a:solidFill>
+              </a:rPr>
+              <a:t>Store </a:t>
+            </a:r>
+            <a:r>
+              <a:rPr lang="de-DE" sz="1200" dirty="0" err="1">
+                <a:solidFill>
+                  <a:schemeClr val="tx1"/>
+                </a:solidFill>
+              </a:rPr>
+              <a:t>output</a:t>
+            </a:r>
+            <a:endParaRPr lang="de-DE" sz="1200" dirty="0">
+              <a:solidFill>
+                <a:schemeClr val="tx1"/>
+              </a:solidFill>
+            </a:endParaRPr>
           </a:p>
         </p:txBody>
       </p:sp>
@@ -7417,12 +7548,18 @@
         </p:nvSpPr>
         <p:spPr>
           <a:xfrm>
-            <a:off x="3388924" y="2962867"/>
+            <a:off x="2320982" y="2695525"/>
             <a:ext cx="725840" cy="276999"/>
           </a:xfrm>
           <a:prstGeom prst="rect">
             <a:avLst/>
           </a:prstGeom>
+          <a:noFill/>
+          <a:ln>
+            <a:solidFill>
+              <a:schemeClr val="tx1"/>
+            </a:solidFill>
+          </a:ln>
         </p:spPr>
         <p:style>
           <a:lnRef idx="3">
@@ -7444,11 +7581,20 @@
           </a:bodyPr>
           <a:lstStyle/>
           <a:p>
-            <a:r>
-              <a:rPr lang="de-DE" sz="1200" dirty="0" err="1" smtClean="0"/>
+            <a:pPr algn="ctr"/>
+            <a:r>
+              <a:rPr lang="de-DE" sz="1200" dirty="0" err="1">
+                <a:solidFill>
+                  <a:schemeClr val="tx1"/>
+                </a:solidFill>
+              </a:rPr>
               <a:t>Weather</a:t>
             </a:r>
-            <a:endParaRPr lang="de-DE" sz="1200" dirty="0"/>
+            <a:endParaRPr lang="de-DE" sz="1200" dirty="0">
+              <a:solidFill>
+                <a:schemeClr val="tx1"/>
+              </a:solidFill>
+            </a:endParaRPr>
           </a:p>
         </p:txBody>
       </p:sp>
@@ -7463,49 +7609,16 @@
         </p:nvCxnSpPr>
         <p:spPr>
           <a:xfrm rot="16200000" flipH="1">
-            <a:off x="788745" y="674900"/>
-            <a:ext cx="424376" cy="248907"/>
+            <a:off x="1298867" y="-242310"/>
+            <a:ext cx="132511" cy="1379368"/>
           </a:xfrm>
           <a:prstGeom prst="bentConnector2">
             <a:avLst/>
           </a:prstGeom>
           <a:ln>
-            <a:tailEnd type="triangle"/>
-          </a:ln>
-        </p:spPr>
-        <p:style>
-          <a:lnRef idx="1">
-            <a:schemeClr val="dk1"/>
-          </a:lnRef>
-          <a:fillRef idx="0">
-            <a:schemeClr val="dk1"/>
-          </a:fillRef>
-          <a:effectRef idx="0">
-            <a:schemeClr val="dk1"/>
-          </a:effectRef>
-          <a:fontRef idx="minor">
-            <a:schemeClr val="tx1"/>
-          </a:fontRef>
-        </p:style>
-      </p:cxnSp>
-      <p:cxnSp>
-        <p:nvCxnSpPr>
-          <p:cNvPr id="48" name="Gewinkelte Verbindung 47"/>
-          <p:cNvCxnSpPr>
-            <a:stCxn id="10" idx="2"/>
-            <a:endCxn id="7" idx="1"/>
-          </p:cNvCxnSpPr>
-          <p:nvPr/>
-        </p:nvCxnSpPr>
-        <p:spPr>
-          <a:xfrm rot="16200000" flipH="1">
-            <a:off x="1715020" y="1193626"/>
-            <a:ext cx="315564" cy="228393"/>
-          </a:xfrm>
-          <a:prstGeom prst="bentConnector2">
-            <a:avLst/>
-          </a:prstGeom>
-          <a:ln>
+            <a:solidFill>
+              <a:schemeClr val="tx1"/>
+            </a:solidFill>
             <a:tailEnd type="triangle"/>
           </a:ln>
         </p:spPr>
@@ -7528,20 +7641,24 @@
         <p:nvCxnSpPr>
           <p:cNvPr id="52" name="Gerade Verbindung mit Pfeil 51"/>
           <p:cNvCxnSpPr>
+            <a:cxnSpLocks/>
             <a:stCxn id="7" idx="2"/>
-            <a:endCxn id="8" idx="0"/>
+            <a:endCxn id="9" idx="0"/>
           </p:cNvCxnSpPr>
           <p:nvPr/>
         </p:nvCxnSpPr>
         <p:spPr>
           <a:xfrm flipH="1">
-            <a:off x="2669269" y="1604104"/>
-            <a:ext cx="1" cy="244032"/>
+            <a:off x="2680665" y="1065411"/>
+            <a:ext cx="1" cy="177583"/>
           </a:xfrm>
           <a:prstGeom prst="straightConnector1">
             <a:avLst/>
           </a:prstGeom>
           <a:ln>
+            <a:solidFill>
+              <a:schemeClr val="tx1"/>
+            </a:solidFill>
             <a:tailEnd type="triangle"/>
           </a:ln>
         </p:spPr>
@@ -7560,24 +7677,155 @@
           </a:fontRef>
         </p:style>
       </p:cxnSp>
+      <p:sp>
+        <p:nvSpPr>
+          <p:cNvPr id="76" name="Textfeld 75"/>
+          <p:cNvSpPr txBox="1"/>
+          <p:nvPr/>
+        </p:nvSpPr>
+        <p:spPr>
+          <a:xfrm>
+            <a:off x="1220273" y="4994086"/>
+            <a:ext cx="848309" cy="230832"/>
+          </a:xfrm>
+          <a:prstGeom prst="rect">
+            <a:avLst/>
+          </a:prstGeom>
+          <a:noFill/>
+          <a:ln>
+            <a:noFill/>
+          </a:ln>
+        </p:spPr>
+        <p:txBody>
+          <a:bodyPr wrap="square" rtlCol="0">
+            <a:spAutoFit/>
+          </a:bodyPr>
+          <a:lstStyle/>
+          <a:p>
+            <a:r>
+              <a:rPr lang="de-DE" sz="900" dirty="0"/>
+              <a:t>Year = </a:t>
+            </a:r>
+            <a:r>
+              <a:rPr lang="de-DE" sz="900" dirty="0" err="1"/>
+              <a:t>year</a:t>
+            </a:r>
+            <a:r>
+              <a:rPr lang="de-DE" sz="900" dirty="0"/>
+              <a:t> +1</a:t>
+            </a:r>
+          </a:p>
+        </p:txBody>
+      </p:sp>
+      <p:sp>
+        <p:nvSpPr>
+          <p:cNvPr id="86" name="Textfeld 85"/>
+          <p:cNvSpPr txBox="1"/>
+          <p:nvPr/>
+        </p:nvSpPr>
+        <p:spPr>
+          <a:xfrm>
+            <a:off x="3038799" y="5420207"/>
+            <a:ext cx="726481" cy="230832"/>
+          </a:xfrm>
+          <a:prstGeom prst="rect">
+            <a:avLst/>
+          </a:prstGeom>
+          <a:noFill/>
+          <a:ln>
+            <a:noFill/>
+          </a:ln>
+        </p:spPr>
+        <p:txBody>
+          <a:bodyPr wrap="square" rtlCol="0">
+            <a:spAutoFit/>
+          </a:bodyPr>
+          <a:lstStyle/>
+          <a:p>
+            <a:r>
+              <a:rPr lang="de-DE" sz="900" dirty="0" err="1"/>
+              <a:t>year</a:t>
+            </a:r>
+            <a:r>
+              <a:rPr lang="de-DE" sz="900" dirty="0"/>
+              <a:t> == </a:t>
+            </a:r>
+            <a:r>
+              <a:rPr lang="de-DE" sz="900" dirty="0" err="1"/>
+              <a:t>t</a:t>
+            </a:r>
+            <a:r>
+              <a:rPr lang="de-DE" sz="900" baseline="-25000" dirty="0" err="1"/>
+              <a:t>max</a:t>
+            </a:r>
+            <a:endParaRPr lang="de-DE" sz="900" baseline="-25000" dirty="0"/>
+          </a:p>
+        </p:txBody>
+      </p:sp>
+      <p:sp>
+        <p:nvSpPr>
+          <p:cNvPr id="87" name="Textfeld 86"/>
+          <p:cNvSpPr txBox="1"/>
+          <p:nvPr/>
+        </p:nvSpPr>
+        <p:spPr>
+          <a:xfrm>
+            <a:off x="1332555" y="5769470"/>
+            <a:ext cx="800219" cy="230832"/>
+          </a:xfrm>
+          <a:prstGeom prst="rect">
+            <a:avLst/>
+          </a:prstGeom>
+          <a:noFill/>
+          <a:ln>
+            <a:noFill/>
+          </a:ln>
+        </p:spPr>
+        <p:txBody>
+          <a:bodyPr wrap="square" rtlCol="0">
+            <a:spAutoFit/>
+          </a:bodyPr>
+          <a:lstStyle/>
+          <a:p>
+            <a:r>
+              <a:rPr lang="de-DE" sz="900" dirty="0"/>
+              <a:t>Rep = </a:t>
+            </a:r>
+            <a:r>
+              <a:rPr lang="de-DE" sz="900" dirty="0" err="1"/>
+              <a:t>rep</a:t>
+            </a:r>
+            <a:r>
+              <a:rPr lang="de-DE" sz="900" dirty="0"/>
+              <a:t> + 1</a:t>
+            </a:r>
+          </a:p>
+        </p:txBody>
+      </p:sp>
       <p:cxnSp>
         <p:nvCxnSpPr>
-          <p:cNvPr id="56" name="Gewinkelte Verbindung 55"/>
+          <p:cNvPr id="93" name="Gewinkelte Verbindung 92"/>
           <p:cNvCxnSpPr>
-            <a:stCxn id="8" idx="2"/>
-            <a:endCxn id="15" idx="1"/>
+            <a:stCxn id="98" idx="2"/>
+            <a:endCxn id="10" idx="1"/>
           </p:cNvCxnSpPr>
           <p:nvPr/>
         </p:nvCxnSpPr>
         <p:spPr>
-          <a:xfrm rot="16200000" flipH="1">
-            <a:off x="2607324" y="2187080"/>
-            <a:ext cx="452023" cy="328132"/>
-          </a:xfrm>
-          <a:prstGeom prst="bentConnector2">
-            <a:avLst/>
+          <a:xfrm rot="5400000" flipH="1">
+            <a:off x="514146" y="2054291"/>
+            <a:ext cx="5260752" cy="2179431"/>
+          </a:xfrm>
+          <a:prstGeom prst="bentConnector4">
+            <a:avLst>
+              <a:gd name="adj1" fmla="val -14484"/>
+              <a:gd name="adj2" fmla="val 178916"/>
+            </a:avLst>
           </a:prstGeom>
           <a:ln>
+            <a:solidFill>
+              <a:schemeClr val="tx1"/>
+            </a:solidFill>
             <a:tailEnd type="triangle"/>
           </a:ln>
         </p:spPr>
@@ -7598,176 +7846,22 @@
       </p:cxnSp>
       <p:sp>
         <p:nvSpPr>
-          <p:cNvPr id="76" name="Textfeld 75"/>
+          <p:cNvPr id="96" name="Textfeld 95"/>
           <p:cNvSpPr txBox="1"/>
           <p:nvPr/>
         </p:nvSpPr>
         <p:spPr>
           <a:xfrm>
-            <a:off x="2600767" y="4722606"/>
-            <a:ext cx="848309" cy="230832"/>
+            <a:off x="1279888" y="6255480"/>
+            <a:ext cx="891591" cy="230832"/>
           </a:xfrm>
           <a:prstGeom prst="rect">
             <a:avLst/>
           </a:prstGeom>
           <a:noFill/>
-        </p:spPr>
-        <p:txBody>
-          <a:bodyPr wrap="square" rtlCol="0">
-            <a:spAutoFit/>
-          </a:bodyPr>
-          <a:lstStyle/>
-          <a:p>
-            <a:r>
-              <a:rPr lang="de-DE" sz="900" dirty="0" smtClean="0"/>
-              <a:t>Year = </a:t>
-            </a:r>
-            <a:r>
-              <a:rPr lang="de-DE" sz="900" dirty="0" err="1" smtClean="0"/>
-              <a:t>year</a:t>
-            </a:r>
-            <a:r>
-              <a:rPr lang="de-DE" sz="900" dirty="0" smtClean="0"/>
-              <a:t> +1</a:t>
-            </a:r>
-            <a:endParaRPr lang="de-DE" sz="900" dirty="0"/>
-          </a:p>
-        </p:txBody>
-      </p:sp>
-      <p:sp>
-        <p:nvSpPr>
-          <p:cNvPr id="86" name="Textfeld 85"/>
-          <p:cNvSpPr txBox="1"/>
-          <p:nvPr/>
-        </p:nvSpPr>
-        <p:spPr>
-          <a:xfrm>
-            <a:off x="3713721" y="5180720"/>
-            <a:ext cx="726481" cy="230832"/>
-          </a:xfrm>
-          <a:prstGeom prst="rect">
-            <a:avLst/>
-          </a:prstGeom>
-          <a:noFill/>
-        </p:spPr>
-        <p:txBody>
-          <a:bodyPr wrap="square" rtlCol="0">
-            <a:spAutoFit/>
-          </a:bodyPr>
-          <a:lstStyle/>
-          <a:p>
-            <a:r>
-              <a:rPr lang="de-DE" sz="900" dirty="0" err="1" smtClean="0"/>
-              <a:t>year</a:t>
-            </a:r>
-            <a:r>
-              <a:rPr lang="de-DE" sz="900" dirty="0" smtClean="0"/>
-              <a:t> == </a:t>
-            </a:r>
-            <a:r>
-              <a:rPr lang="de-DE" sz="900" dirty="0" err="1" smtClean="0"/>
-              <a:t>t</a:t>
-            </a:r>
-            <a:r>
-              <a:rPr lang="de-DE" sz="900" baseline="-25000" dirty="0" err="1" smtClean="0"/>
-              <a:t>max</a:t>
-            </a:r>
-            <a:endParaRPr lang="de-DE" sz="900" baseline="-25000" dirty="0"/>
-          </a:p>
-        </p:txBody>
-      </p:sp>
-      <p:sp>
-        <p:nvSpPr>
-          <p:cNvPr id="87" name="Textfeld 86"/>
-          <p:cNvSpPr txBox="1"/>
-          <p:nvPr/>
-        </p:nvSpPr>
-        <p:spPr>
-          <a:xfrm>
-            <a:off x="2575271" y="5536737"/>
-            <a:ext cx="800219" cy="230832"/>
-          </a:xfrm>
-          <a:prstGeom prst="rect">
-            <a:avLst/>
-          </a:prstGeom>
-          <a:noFill/>
-        </p:spPr>
-        <p:txBody>
-          <a:bodyPr wrap="square" rtlCol="0">
-            <a:spAutoFit/>
-          </a:bodyPr>
-          <a:lstStyle/>
-          <a:p>
-            <a:r>
-              <a:rPr lang="de-DE" sz="900" dirty="0" smtClean="0"/>
-              <a:t>Rep = </a:t>
-            </a:r>
-            <a:r>
-              <a:rPr lang="de-DE" sz="900" dirty="0" err="1" smtClean="0"/>
-              <a:t>rep</a:t>
-            </a:r>
-            <a:r>
-              <a:rPr lang="de-DE" sz="900" dirty="0" smtClean="0"/>
-              <a:t> + 1</a:t>
-            </a:r>
-            <a:endParaRPr lang="de-DE" sz="900" dirty="0"/>
-          </a:p>
-        </p:txBody>
-      </p:sp>
-      <p:cxnSp>
-        <p:nvCxnSpPr>
-          <p:cNvPr id="93" name="Gewinkelte Verbindung 92"/>
-          <p:cNvCxnSpPr>
-            <a:stCxn id="98" idx="2"/>
-            <a:endCxn id="10" idx="1"/>
-          </p:cNvCxnSpPr>
-          <p:nvPr/>
-        </p:nvCxnSpPr>
-        <p:spPr>
-          <a:xfrm rot="5400000" flipH="1">
-            <a:off x="755596" y="1381333"/>
-            <a:ext cx="4523353" cy="3783772"/>
-          </a:xfrm>
-          <a:prstGeom prst="bentConnector4">
-            <a:avLst>
-              <a:gd name="adj1" fmla="val -12871"/>
-              <a:gd name="adj2" fmla="val 121831"/>
-            </a:avLst>
-          </a:prstGeom>
           <a:ln>
-            <a:tailEnd type="triangle"/>
+            <a:noFill/>
           </a:ln>
-        </p:spPr>
-        <p:style>
-          <a:lnRef idx="1">
-            <a:schemeClr val="dk1"/>
-          </a:lnRef>
-          <a:fillRef idx="0">
-            <a:schemeClr val="dk1"/>
-          </a:fillRef>
-          <a:effectRef idx="0">
-            <a:schemeClr val="dk1"/>
-          </a:effectRef>
-          <a:fontRef idx="minor">
-            <a:schemeClr val="tx1"/>
-          </a:fontRef>
-        </p:style>
-      </p:cxnSp>
-      <p:sp>
-        <p:nvSpPr>
-          <p:cNvPr id="96" name="Textfeld 95"/>
-          <p:cNvSpPr txBox="1"/>
-          <p:nvPr/>
-        </p:nvSpPr>
-        <p:spPr>
-          <a:xfrm>
-            <a:off x="3994406" y="5871503"/>
-            <a:ext cx="891591" cy="230832"/>
-          </a:xfrm>
-          <a:prstGeom prst="rect">
-            <a:avLst/>
-          </a:prstGeom>
-          <a:noFill/>
         </p:spPr>
         <p:txBody>
           <a:bodyPr wrap="none" rtlCol="0">
@@ -7776,22 +7870,21 @@
           <a:lstStyle/>
           <a:p>
             <a:r>
-              <a:rPr lang="de-DE" sz="900" dirty="0" err="1" smtClean="0"/>
+              <a:rPr lang="de-DE" sz="900" dirty="0" err="1"/>
               <a:t>Scen</a:t>
             </a:r>
             <a:r>
-              <a:rPr lang="de-DE" sz="900" dirty="0" smtClean="0"/>
+              <a:rPr lang="de-DE" sz="900" dirty="0"/>
               <a:t> = </a:t>
             </a:r>
             <a:r>
-              <a:rPr lang="de-DE" sz="900" dirty="0" err="1" smtClean="0"/>
+              <a:rPr lang="de-DE" sz="900" dirty="0" err="1"/>
               <a:t>scen</a:t>
             </a:r>
             <a:r>
-              <a:rPr lang="de-DE" sz="900" dirty="0" smtClean="0"/>
+              <a:rPr lang="de-DE" sz="900" dirty="0"/>
               <a:t> + 1</a:t>
             </a:r>
-            <a:endParaRPr lang="de-DE" sz="900" dirty="0"/>
           </a:p>
         </p:txBody>
       </p:sp>
@@ -7803,13 +7896,16 @@
         </p:nvSpPr>
         <p:spPr>
           <a:xfrm>
-            <a:off x="4909159" y="5827077"/>
+            <a:off x="4194963" y="6030132"/>
             <a:ext cx="800219" cy="230832"/>
           </a:xfrm>
           <a:prstGeom prst="rect">
             <a:avLst/>
           </a:prstGeom>
           <a:noFill/>
+          <a:ln>
+            <a:noFill/>
+          </a:ln>
         </p:spPr>
         <p:txBody>
           <a:bodyPr wrap="none" rtlCol="0">
@@ -7818,19 +7914,19 @@
           <a:lstStyle/>
           <a:p>
             <a:r>
-              <a:rPr lang="de-DE" sz="900" dirty="0" err="1" smtClean="0"/>
+              <a:rPr lang="de-DE" sz="900" dirty="0" err="1"/>
               <a:t>rep</a:t>
             </a:r>
             <a:r>
-              <a:rPr lang="de-DE" sz="900" dirty="0" smtClean="0"/>
+              <a:rPr lang="de-DE" sz="900" dirty="0"/>
               <a:t> == </a:t>
             </a:r>
             <a:r>
-              <a:rPr lang="de-DE" sz="900" dirty="0" err="1" smtClean="0"/>
+              <a:rPr lang="de-DE" sz="900" dirty="0" err="1"/>
               <a:t>rep</a:t>
             </a:r>
             <a:r>
-              <a:rPr lang="de-DE" sz="900" baseline="-25000" dirty="0" err="1" smtClean="0"/>
+              <a:rPr lang="de-DE" sz="900" baseline="-25000" dirty="0" err="1"/>
               <a:t>max</a:t>
             </a:r>
             <a:endParaRPr lang="de-DE" sz="900" baseline="-25000" dirty="0"/>
@@ -7845,12 +7941,18 @@
         </p:nvSpPr>
         <p:spPr>
           <a:xfrm>
-            <a:off x="4402080" y="5257896"/>
+            <a:off x="3727158" y="5497383"/>
             <a:ext cx="1014158" cy="276999"/>
           </a:xfrm>
           <a:prstGeom prst="rect">
             <a:avLst/>
           </a:prstGeom>
+          <a:noFill/>
+          <a:ln>
+            <a:solidFill>
+              <a:schemeClr val="tx1"/>
+            </a:solidFill>
+          </a:ln>
         </p:spPr>
         <p:style>
           <a:lnRef idx="3">
@@ -7872,15 +7974,28 @@
           </a:bodyPr>
           <a:lstStyle/>
           <a:p>
-            <a:r>
-              <a:rPr lang="de-DE" sz="1200" dirty="0" smtClean="0"/>
+            <a:pPr algn="ctr"/>
+            <a:r>
+              <a:rPr lang="de-DE" sz="1200" dirty="0">
+                <a:solidFill>
+                  <a:schemeClr val="tx1"/>
+                </a:solidFill>
+              </a:rPr>
               <a:t>Write </a:t>
             </a:r>
             <a:r>
-              <a:rPr lang="de-DE" sz="1200" dirty="0" err="1" smtClean="0"/>
+              <a:rPr lang="de-DE" sz="1200" dirty="0" err="1">
+                <a:solidFill>
+                  <a:schemeClr val="tx1"/>
+                </a:solidFill>
+              </a:rPr>
               <a:t>output</a:t>
             </a:r>
-            <a:endParaRPr lang="de-DE" sz="1200" dirty="0"/>
+            <a:endParaRPr lang="de-DE" sz="1200" dirty="0">
+              <a:solidFill>
+                <a:schemeClr val="tx1"/>
+              </a:solidFill>
+            </a:endParaRPr>
           </a:p>
         </p:txBody>
       </p:sp>
@@ -7888,6 +8003,7 @@
         <p:nvCxnSpPr>
           <p:cNvPr id="111" name="Gewinkelte Verbindung 110"/>
           <p:cNvCxnSpPr>
+            <a:cxnSpLocks/>
             <a:stCxn id="20" idx="2"/>
             <a:endCxn id="98" idx="1"/>
           </p:cNvCxnSpPr>
@@ -7895,13 +8011,16 @@
         </p:nvCxnSpPr>
         <p:spPr>
           <a:xfrm rot="16200000" flipH="1">
-            <a:off x="3946867" y="4941183"/>
-            <a:ext cx="260188" cy="650237"/>
+            <a:off x="3072811" y="4981536"/>
+            <a:ext cx="269560" cy="1039134"/>
           </a:xfrm>
           <a:prstGeom prst="bentConnector2">
             <a:avLst/>
           </a:prstGeom>
           <a:ln>
+            <a:solidFill>
+              <a:schemeClr val="tx1"/>
+            </a:solidFill>
             <a:tailEnd type="triangle"/>
           </a:ln>
         </p:spPr>
@@ -7931,13 +8050,16 @@
         </p:nvCxnSpPr>
         <p:spPr>
           <a:xfrm>
-            <a:off x="4909159" y="5534895"/>
+            <a:off x="4234237" y="5774382"/>
             <a:ext cx="0" cy="1142913"/>
           </a:xfrm>
           <a:prstGeom prst="straightConnector1">
             <a:avLst/>
           </a:prstGeom>
           <a:ln>
+            <a:solidFill>
+              <a:schemeClr val="tx1"/>
+            </a:solidFill>
             <a:tailEnd type="triangle"/>
           </a:ln>
         </p:spPr>
@@ -7964,13 +8086,16 @@
         </p:nvSpPr>
         <p:spPr>
           <a:xfrm>
-            <a:off x="4885997" y="6409783"/>
+            <a:off x="4211075" y="6649270"/>
             <a:ext cx="914033" cy="230832"/>
           </a:xfrm>
           <a:prstGeom prst="rect">
             <a:avLst/>
           </a:prstGeom>
           <a:noFill/>
+          <a:ln>
+            <a:noFill/>
+          </a:ln>
         </p:spPr>
         <p:txBody>
           <a:bodyPr wrap="none" rtlCol="0">
@@ -7979,19 +8104,19 @@
           <a:lstStyle/>
           <a:p>
             <a:r>
-              <a:rPr lang="de-DE" sz="900" dirty="0" err="1" smtClean="0"/>
+              <a:rPr lang="de-DE" sz="900" dirty="0" err="1"/>
               <a:t>Scen</a:t>
             </a:r>
             <a:r>
-              <a:rPr lang="de-DE" sz="900" dirty="0" smtClean="0"/>
+              <a:rPr lang="de-DE" sz="900" dirty="0"/>
               <a:t> == </a:t>
             </a:r>
             <a:r>
-              <a:rPr lang="de-DE" sz="900" dirty="0" err="1" smtClean="0"/>
+              <a:rPr lang="de-DE" sz="900" dirty="0" err="1"/>
               <a:t>scen</a:t>
             </a:r>
             <a:r>
-              <a:rPr lang="de-DE" sz="900" baseline="-25000" dirty="0" err="1" smtClean="0"/>
+              <a:rPr lang="de-DE" sz="900" baseline="-25000" dirty="0" err="1"/>
               <a:t>max</a:t>
             </a:r>
             <a:endParaRPr lang="de-DE" sz="900" baseline="-25000" dirty="0"/>
@@ -8006,12 +8131,18 @@
         </p:nvSpPr>
         <p:spPr>
           <a:xfrm>
-            <a:off x="4548323" y="6677808"/>
+            <a:off x="3873401" y="6917295"/>
             <a:ext cx="721672" cy="276999"/>
           </a:xfrm>
           <a:prstGeom prst="rect">
             <a:avLst/>
           </a:prstGeom>
+          <a:noFill/>
+          <a:ln>
+            <a:solidFill>
+              <a:schemeClr val="tx1"/>
+            </a:solidFill>
+          </a:ln>
         </p:spPr>
         <p:style>
           <a:lnRef idx="3">
@@ -8033,15 +8164,28 @@
           </a:bodyPr>
           <a:lstStyle/>
           <a:p>
-            <a:r>
-              <a:rPr lang="de-DE" sz="1200" dirty="0" smtClean="0"/>
+            <a:pPr algn="ctr"/>
+            <a:r>
+              <a:rPr lang="de-DE" sz="1200" dirty="0">
+                <a:solidFill>
+                  <a:schemeClr val="tx1"/>
+                </a:solidFill>
+              </a:rPr>
               <a:t>End </a:t>
             </a:r>
             <a:r>
-              <a:rPr lang="de-DE" sz="1200" dirty="0" err="1" smtClean="0"/>
+              <a:rPr lang="de-DE" sz="1200" dirty="0" err="1">
+                <a:solidFill>
+                  <a:schemeClr val="tx1"/>
+                </a:solidFill>
+              </a:rPr>
               <a:t>BiTZ</a:t>
             </a:r>
-            <a:endParaRPr lang="de-DE" sz="1200" dirty="0"/>
+            <a:endParaRPr lang="de-DE" sz="1200" dirty="0">
+              <a:solidFill>
+                <a:schemeClr val="tx1"/>
+              </a:solidFill>
+            </a:endParaRPr>
           </a:p>
         </p:txBody>
       </p:sp>
@@ -8049,6 +8193,7 @@
         <p:nvCxnSpPr>
           <p:cNvPr id="84" name="Gerade Verbindung mit Pfeil 83"/>
           <p:cNvCxnSpPr>
+            <a:cxnSpLocks/>
             <a:stCxn id="15" idx="2"/>
             <a:endCxn id="24" idx="0"/>
           </p:cNvCxnSpPr>
@@ -8056,13 +8201,16 @@
         </p:nvCxnSpPr>
         <p:spPr>
           <a:xfrm>
-            <a:off x="3751843" y="2715657"/>
-            <a:ext cx="1" cy="247210"/>
+            <a:off x="2680665" y="2520136"/>
+            <a:ext cx="3237" cy="175389"/>
           </a:xfrm>
           <a:prstGeom prst="straightConnector1">
             <a:avLst/>
           </a:prstGeom>
           <a:ln>
+            <a:solidFill>
+              <a:schemeClr val="tx1"/>
+            </a:solidFill>
             <a:tailEnd type="triangle"/>
           </a:ln>
         </p:spPr>
@@ -8085,20 +8233,24 @@
         <p:nvCxnSpPr>
           <p:cNvPr id="88" name="Gerade Verbindung mit Pfeil 87"/>
           <p:cNvCxnSpPr>
-            <a:stCxn id="24" idx="2"/>
+            <a:cxnSpLocks/>
+            <a:stCxn id="51" idx="2"/>
             <a:endCxn id="17" idx="0"/>
           </p:cNvCxnSpPr>
           <p:nvPr/>
         </p:nvCxnSpPr>
         <p:spPr>
           <a:xfrm>
-            <a:off x="3751844" y="3239866"/>
-            <a:ext cx="0" cy="216946"/>
+            <a:off x="2680665" y="3444562"/>
+            <a:ext cx="3237" cy="226616"/>
           </a:xfrm>
           <a:prstGeom prst="straightConnector1">
             <a:avLst/>
           </a:prstGeom>
           <a:ln>
+            <a:solidFill>
+              <a:schemeClr val="tx1"/>
+            </a:solidFill>
             <a:tailEnd type="triangle"/>
           </a:ln>
         </p:spPr>
@@ -8128,13 +8280,16 @@
         </p:nvCxnSpPr>
         <p:spPr>
           <a:xfrm>
-            <a:off x="3751844" y="3733811"/>
+            <a:off x="2683902" y="3948177"/>
             <a:ext cx="0" cy="194702"/>
           </a:xfrm>
           <a:prstGeom prst="straightConnector1">
             <a:avLst/>
           </a:prstGeom>
           <a:ln>
+            <a:solidFill>
+              <a:schemeClr val="tx1"/>
+            </a:solidFill>
             <a:tailEnd type="triangle"/>
           </a:ln>
         </p:spPr>
@@ -8164,13 +8319,16 @@
         </p:nvCxnSpPr>
         <p:spPr>
           <a:xfrm>
-            <a:off x="3751844" y="4205512"/>
+            <a:off x="2683902" y="4419878"/>
             <a:ext cx="0" cy="188349"/>
           </a:xfrm>
           <a:prstGeom prst="straightConnector1">
             <a:avLst/>
           </a:prstGeom>
           <a:ln>
+            <a:solidFill>
+              <a:schemeClr val="tx1"/>
+            </a:solidFill>
             <a:tailEnd type="triangle"/>
           </a:ln>
         </p:spPr>
@@ -8193,20 +8351,24 @@
         <p:nvCxnSpPr>
           <p:cNvPr id="99" name="Gerade Verbindung mit Pfeil 98"/>
           <p:cNvCxnSpPr>
+            <a:cxnSpLocks/>
             <a:stCxn id="19" idx="2"/>
             <a:endCxn id="20" idx="0"/>
           </p:cNvCxnSpPr>
           <p:nvPr/>
         </p:nvCxnSpPr>
         <p:spPr>
-          <a:xfrm flipH="1">
-            <a:off x="3751843" y="4670860"/>
-            <a:ext cx="1" cy="188349"/>
+          <a:xfrm>
+            <a:off x="2683902" y="4885226"/>
+            <a:ext cx="4122" cy="204098"/>
           </a:xfrm>
           <a:prstGeom prst="straightConnector1">
             <a:avLst/>
           </a:prstGeom>
           <a:ln>
+            <a:solidFill>
+              <a:schemeClr val="tx1"/>
+            </a:solidFill>
             <a:tailEnd type="triangle"/>
           </a:ln>
         </p:spPr>
@@ -8229,19 +8391,20 @@
         <p:nvCxnSpPr>
           <p:cNvPr id="106" name="Gewinkelte Verbindung 105"/>
           <p:cNvCxnSpPr>
+            <a:cxnSpLocks/>
             <a:stCxn id="20" idx="1"/>
             <a:endCxn id="24" idx="1"/>
           </p:cNvCxnSpPr>
           <p:nvPr/>
         </p:nvCxnSpPr>
         <p:spPr>
-          <a:xfrm rot="10800000">
-            <a:off x="3388924" y="3101367"/>
-            <a:ext cx="47768" cy="1896342"/>
+          <a:xfrm rot="10800000" flipH="1">
+            <a:off x="2180944" y="2834026"/>
+            <a:ext cx="140037" cy="2393799"/>
           </a:xfrm>
           <a:prstGeom prst="bentConnector3">
             <a:avLst>
-              <a:gd name="adj1" fmla="val 1854731"/>
+              <a:gd name="adj1" fmla="val -738479"/>
             </a:avLst>
           </a:prstGeom>
           <a:ln>
@@ -8270,20 +8433,21 @@
         <p:nvCxnSpPr>
           <p:cNvPr id="119" name="Gewinkelte Verbindung 118"/>
           <p:cNvCxnSpPr>
+            <a:cxnSpLocks/>
             <a:stCxn id="98" idx="2"/>
-            <a:endCxn id="15" idx="1"/>
+            <a:endCxn id="7" idx="1"/>
           </p:cNvCxnSpPr>
           <p:nvPr/>
         </p:nvCxnSpPr>
         <p:spPr>
           <a:xfrm rot="5400000" flipH="1">
-            <a:off x="2474411" y="3100148"/>
-            <a:ext cx="2957737" cy="1911758"/>
+            <a:off x="467247" y="2007392"/>
+            <a:ext cx="4847470" cy="2686510"/>
           </a:xfrm>
           <a:prstGeom prst="bentConnector4">
             <a:avLst>
-              <a:gd name="adj1" fmla="val -7729"/>
-              <a:gd name="adj2" fmla="val 134917"/>
+              <a:gd name="adj1" fmla="val -4716"/>
+              <a:gd name="adj2" fmla="val 125933"/>
             </a:avLst>
           </a:prstGeom>
           <a:ln>
@@ -8302,6 +8466,414 @@
           </a:fillRef>
           <a:effectRef idx="0">
             <a:schemeClr val="accent1"/>
+          </a:effectRef>
+          <a:fontRef idx="minor">
+            <a:schemeClr val="tx1"/>
+          </a:fontRef>
+        </p:style>
+      </p:cxnSp>
+      <p:sp>
+        <p:nvSpPr>
+          <p:cNvPr id="9" name="Textfeld 8">
+            <a:extLst>
+              <a:ext uri="{FF2B5EF4-FFF2-40B4-BE49-F238E27FC236}">
+                <a16:creationId xmlns:a16="http://schemas.microsoft.com/office/drawing/2014/main" id="{B6C3500A-B11F-41B9-BCDC-D98F94ECFE94}"/>
+              </a:ext>
+            </a:extLst>
+          </p:cNvPr>
+          <p:cNvSpPr txBox="1"/>
+          <p:nvPr/>
+        </p:nvSpPr>
+        <p:spPr>
+          <a:xfrm>
+            <a:off x="1358893" y="1242994"/>
+            <a:ext cx="2643544" cy="276999"/>
+          </a:xfrm>
+          <a:prstGeom prst="rect">
+            <a:avLst/>
+          </a:prstGeom>
+          <a:noFill/>
+          <a:ln>
+            <a:solidFill>
+              <a:schemeClr val="tx1"/>
+            </a:solidFill>
+          </a:ln>
+        </p:spPr>
+        <p:style>
+          <a:lnRef idx="3">
+            <a:schemeClr val="lt1"/>
+          </a:lnRef>
+          <a:fillRef idx="1">
+            <a:schemeClr val="accent1"/>
+          </a:fillRef>
+          <a:effectRef idx="1">
+            <a:schemeClr val="accent1"/>
+          </a:effectRef>
+          <a:fontRef idx="minor">
+            <a:schemeClr val="lt1"/>
+          </a:fontRef>
+        </p:style>
+        <p:txBody>
+          <a:bodyPr wrap="none" rtlCol="0">
+            <a:spAutoFit/>
+          </a:bodyPr>
+          <a:lstStyle/>
+          <a:p>
+            <a:pPr algn="ctr"/>
+            <a:r>
+              <a:rPr lang="de-DE" sz="1200" dirty="0" err="1">
+                <a:solidFill>
+                  <a:schemeClr val="tx1"/>
+                </a:solidFill>
+              </a:rPr>
+              <a:t>Determine</a:t>
+            </a:r>
+            <a:r>
+              <a:rPr lang="de-DE" sz="1200" dirty="0">
+                <a:solidFill>
+                  <a:schemeClr val="tx1"/>
+                </a:solidFill>
+              </a:rPr>
+              <a:t> </a:t>
+            </a:r>
+            <a:r>
+              <a:rPr lang="de-DE" sz="1200" dirty="0" err="1">
+                <a:solidFill>
+                  <a:schemeClr val="tx1"/>
+                </a:solidFill>
+              </a:rPr>
+              <a:t>the</a:t>
+            </a:r>
+            <a:r>
+              <a:rPr lang="de-DE" sz="1200" dirty="0">
+                <a:solidFill>
+                  <a:schemeClr val="tx1"/>
+                </a:solidFill>
+              </a:rPr>
+              <a:t> </a:t>
+            </a:r>
+            <a:r>
+              <a:rPr lang="de-DE" sz="1200" dirty="0" err="1">
+                <a:solidFill>
+                  <a:schemeClr val="tx1"/>
+                </a:solidFill>
+              </a:rPr>
+              <a:t>realized</a:t>
+            </a:r>
+            <a:r>
+              <a:rPr lang="de-DE" sz="1200" dirty="0">
+                <a:solidFill>
+                  <a:schemeClr val="tx1"/>
+                </a:solidFill>
+              </a:rPr>
+              <a:t> </a:t>
+            </a:r>
+            <a:r>
+              <a:rPr lang="de-DE" sz="1200" dirty="0" err="1">
+                <a:solidFill>
+                  <a:schemeClr val="tx1"/>
+                </a:solidFill>
+              </a:rPr>
+              <a:t>transition</a:t>
+            </a:r>
+            <a:r>
+              <a:rPr lang="de-DE" sz="1200" dirty="0">
+                <a:solidFill>
+                  <a:schemeClr val="tx1"/>
+                </a:solidFill>
+              </a:rPr>
+              <a:t> </a:t>
+            </a:r>
+            <a:r>
+              <a:rPr lang="de-DE" sz="1200" dirty="0" err="1">
+                <a:solidFill>
+                  <a:schemeClr val="tx1"/>
+                </a:solidFill>
+              </a:rPr>
+              <a:t>zones</a:t>
+            </a:r>
+            <a:endParaRPr lang="de-DE" sz="1200" dirty="0">
+              <a:solidFill>
+                <a:schemeClr val="tx1"/>
+              </a:solidFill>
+            </a:endParaRPr>
+          </a:p>
+        </p:txBody>
+      </p:sp>
+      <p:cxnSp>
+        <p:nvCxnSpPr>
+          <p:cNvPr id="42" name="Gerade Verbindung mit Pfeil 41">
+            <a:extLst>
+              <a:ext uri="{FF2B5EF4-FFF2-40B4-BE49-F238E27FC236}">
+                <a16:creationId xmlns:a16="http://schemas.microsoft.com/office/drawing/2014/main" id="{1625E8F8-2E99-4713-B290-571660B6450F}"/>
+              </a:ext>
+            </a:extLst>
+          </p:cNvPr>
+          <p:cNvCxnSpPr>
+            <a:cxnSpLocks/>
+            <a:stCxn id="9" idx="2"/>
+            <a:endCxn id="8" idx="0"/>
+          </p:cNvCxnSpPr>
+          <p:nvPr/>
+        </p:nvCxnSpPr>
+        <p:spPr>
+          <a:xfrm>
+            <a:off x="2680665" y="1519993"/>
+            <a:ext cx="0" cy="233573"/>
+          </a:xfrm>
+          <a:prstGeom prst="straightConnector1">
+            <a:avLst/>
+          </a:prstGeom>
+          <a:ln>
+            <a:solidFill>
+              <a:schemeClr val="tx1"/>
+            </a:solidFill>
+            <a:tailEnd type="triangle"/>
+          </a:ln>
+        </p:spPr>
+        <p:style>
+          <a:lnRef idx="1">
+            <a:schemeClr val="dk1"/>
+          </a:lnRef>
+          <a:fillRef idx="0">
+            <a:schemeClr val="dk1"/>
+          </a:fillRef>
+          <a:effectRef idx="0">
+            <a:schemeClr val="dk1"/>
+          </a:effectRef>
+          <a:fontRef idx="minor">
+            <a:schemeClr val="tx1"/>
+          </a:fontRef>
+        </p:style>
+      </p:cxnSp>
+      <p:cxnSp>
+        <p:nvCxnSpPr>
+          <p:cNvPr id="65" name="Gerade Verbindung mit Pfeil 64">
+            <a:extLst>
+              <a:ext uri="{FF2B5EF4-FFF2-40B4-BE49-F238E27FC236}">
+                <a16:creationId xmlns:a16="http://schemas.microsoft.com/office/drawing/2014/main" id="{A7107370-A4E4-454C-8B19-57215E68C91A}"/>
+              </a:ext>
+            </a:extLst>
+          </p:cNvPr>
+          <p:cNvCxnSpPr>
+            <a:cxnSpLocks/>
+            <a:stCxn id="24" idx="2"/>
+            <a:endCxn id="51" idx="0"/>
+          </p:cNvCxnSpPr>
+          <p:nvPr/>
+        </p:nvCxnSpPr>
+        <p:spPr>
+          <a:xfrm flipH="1">
+            <a:off x="2680665" y="2972524"/>
+            <a:ext cx="3237" cy="195039"/>
+          </a:xfrm>
+          <a:prstGeom prst="straightConnector1">
+            <a:avLst/>
+          </a:prstGeom>
+          <a:ln>
+            <a:solidFill>
+              <a:schemeClr val="tx1"/>
+            </a:solidFill>
+            <a:tailEnd type="triangle"/>
+          </a:ln>
+        </p:spPr>
+        <p:style>
+          <a:lnRef idx="1">
+            <a:schemeClr val="dk1"/>
+          </a:lnRef>
+          <a:fillRef idx="0">
+            <a:schemeClr val="dk1"/>
+          </a:fillRef>
+          <a:effectRef idx="0">
+            <a:schemeClr val="dk1"/>
+          </a:effectRef>
+          <a:fontRef idx="minor">
+            <a:schemeClr val="tx1"/>
+          </a:fontRef>
+        </p:style>
+      </p:cxnSp>
+      <p:sp>
+        <p:nvSpPr>
+          <p:cNvPr id="51" name="Textfeld 50">
+            <a:extLst>
+              <a:ext uri="{FF2B5EF4-FFF2-40B4-BE49-F238E27FC236}">
+                <a16:creationId xmlns:a16="http://schemas.microsoft.com/office/drawing/2014/main" id="{913A6850-2C4C-4843-8FA3-AB36AC191D8E}"/>
+              </a:ext>
+            </a:extLst>
+          </p:cNvPr>
+          <p:cNvSpPr txBox="1"/>
+          <p:nvPr/>
+        </p:nvSpPr>
+        <p:spPr>
+          <a:xfrm>
+            <a:off x="1829861" y="3167563"/>
+            <a:ext cx="1701608" cy="276999"/>
+          </a:xfrm>
+          <a:prstGeom prst="rect">
+            <a:avLst/>
+          </a:prstGeom>
+          <a:noFill/>
+          <a:ln>
+            <a:solidFill>
+              <a:schemeClr val="tx1"/>
+            </a:solidFill>
+          </a:ln>
+        </p:spPr>
+        <p:style>
+          <a:lnRef idx="3">
+            <a:schemeClr val="lt1"/>
+          </a:lnRef>
+          <a:fillRef idx="1">
+            <a:schemeClr val="accent6"/>
+          </a:fillRef>
+          <a:effectRef idx="1">
+            <a:schemeClr val="accent6"/>
+          </a:effectRef>
+          <a:fontRef idx="minor">
+            <a:schemeClr val="lt1"/>
+          </a:fontRef>
+        </p:style>
+        <p:txBody>
+          <a:bodyPr wrap="square" rtlCol="0">
+            <a:spAutoFit/>
+          </a:bodyPr>
+          <a:lstStyle/>
+          <a:p>
+            <a:pPr algn="ctr"/>
+            <a:r>
+              <a:rPr lang="de-DE" sz="1200" dirty="0" err="1">
+                <a:solidFill>
+                  <a:schemeClr val="tx1"/>
+                </a:solidFill>
+              </a:rPr>
+              <a:t>Calculate</a:t>
+            </a:r>
+            <a:r>
+              <a:rPr lang="de-DE" sz="1200" dirty="0">
+                <a:solidFill>
+                  <a:schemeClr val="tx1"/>
+                </a:solidFill>
+              </a:rPr>
+              <a:t> </a:t>
+            </a:r>
+            <a:r>
+              <a:rPr lang="de-DE" sz="1200" dirty="0" err="1">
+                <a:solidFill>
+                  <a:schemeClr val="tx1"/>
+                </a:solidFill>
+              </a:rPr>
+              <a:t>foraging</a:t>
+            </a:r>
+            <a:r>
+              <a:rPr lang="de-DE" sz="1200" dirty="0">
+                <a:solidFill>
+                  <a:schemeClr val="tx1"/>
+                </a:solidFill>
+              </a:rPr>
+              <a:t> </a:t>
+            </a:r>
+            <a:r>
+              <a:rPr lang="de-DE" sz="1200" dirty="0" err="1">
+                <a:solidFill>
+                  <a:schemeClr val="tx1"/>
+                </a:solidFill>
+              </a:rPr>
+              <a:t>range</a:t>
+            </a:r>
+            <a:endParaRPr lang="de-DE" sz="1200" dirty="0">
+              <a:solidFill>
+                <a:schemeClr val="tx1"/>
+              </a:solidFill>
+            </a:endParaRPr>
+          </a:p>
+        </p:txBody>
+      </p:sp>
+      <p:cxnSp>
+        <p:nvCxnSpPr>
+          <p:cNvPr id="123" name="Gerade Verbindung mit Pfeil 122">
+            <a:extLst>
+              <a:ext uri="{FF2B5EF4-FFF2-40B4-BE49-F238E27FC236}">
+                <a16:creationId xmlns:a16="http://schemas.microsoft.com/office/drawing/2014/main" id="{715E1B8C-FCC6-4B70-9D59-E4A8351DA1B6}"/>
+              </a:ext>
+            </a:extLst>
+          </p:cNvPr>
+          <p:cNvCxnSpPr>
+            <a:cxnSpLocks/>
+            <a:stCxn id="10" idx="2"/>
+            <a:endCxn id="7" idx="0"/>
+          </p:cNvCxnSpPr>
+          <p:nvPr/>
+        </p:nvCxnSpPr>
+        <p:spPr>
+          <a:xfrm flipH="1">
+            <a:off x="2680666" y="652129"/>
+            <a:ext cx="7359" cy="136283"/>
+          </a:xfrm>
+          <a:prstGeom prst="straightConnector1">
+            <a:avLst/>
+          </a:prstGeom>
+          <a:ln>
+            <a:solidFill>
+              <a:schemeClr val="tx1"/>
+            </a:solidFill>
+            <a:tailEnd type="triangle"/>
+          </a:ln>
+        </p:spPr>
+        <p:style>
+          <a:lnRef idx="1">
+            <a:schemeClr val="dk1"/>
+          </a:lnRef>
+          <a:fillRef idx="0">
+            <a:schemeClr val="dk1"/>
+          </a:fillRef>
+          <a:effectRef idx="0">
+            <a:schemeClr val="dk1"/>
+          </a:effectRef>
+          <a:fontRef idx="minor">
+            <a:schemeClr val="tx1"/>
+          </a:fontRef>
+        </p:style>
+      </p:cxnSp>
+      <p:cxnSp>
+        <p:nvCxnSpPr>
+          <p:cNvPr id="124" name="Gerade Verbindung mit Pfeil 123">
+            <a:extLst>
+              <a:ext uri="{FF2B5EF4-FFF2-40B4-BE49-F238E27FC236}">
+                <a16:creationId xmlns:a16="http://schemas.microsoft.com/office/drawing/2014/main" id="{389938AC-5C87-464A-8860-25D708EF5F60}"/>
+              </a:ext>
+            </a:extLst>
+          </p:cNvPr>
+          <p:cNvCxnSpPr>
+            <a:cxnSpLocks/>
+            <a:stCxn id="8" idx="2"/>
+            <a:endCxn id="15" idx="0"/>
+          </p:cNvCxnSpPr>
+          <p:nvPr/>
+        </p:nvCxnSpPr>
+        <p:spPr>
+          <a:xfrm>
+            <a:off x="2680665" y="2030565"/>
+            <a:ext cx="0" cy="212572"/>
+          </a:xfrm>
+          <a:prstGeom prst="straightConnector1">
+            <a:avLst/>
+          </a:prstGeom>
+          <a:ln>
+            <a:solidFill>
+              <a:schemeClr val="tx1"/>
+            </a:solidFill>
+            <a:tailEnd type="triangle"/>
+          </a:ln>
+        </p:spPr>
+        <p:style>
+          <a:lnRef idx="1">
+            <a:schemeClr val="dk1"/>
+          </a:lnRef>
+          <a:fillRef idx="0">
+            <a:schemeClr val="dk1"/>
+          </a:fillRef>
+          <a:effectRef idx="0">
+            <a:schemeClr val="dk1"/>
           </a:effectRef>
           <a:fontRef idx="minor">
             <a:schemeClr val="tx1"/>
